--- a/presentation/Scottish Household Survey Analysis.pptx
+++ b/presentation/Scottish Household Survey Analysis.pptx
@@ -1,22 +1,29 @@
 
 <file path=ppt/presentation.xml><?xml version="1.0" encoding="utf-8"?>
-<p:presentation xmlns:a="http://schemas.openxmlformats.org/drawingml/2006/main" xmlns:r="http://schemas.openxmlformats.org/officeDocument/2006/relationships" xmlns:p="http://schemas.openxmlformats.org/presentationml/2006/main" saveSubsetFonts="1">
+<p:presentation xmlns:a="http://schemas.openxmlformats.org/drawingml/2006/main" xmlns:r="http://schemas.openxmlformats.org/officeDocument/2006/relationships" xmlns:p="http://schemas.openxmlformats.org/presentationml/2006/main" showSpecialPlsOnTitleSld="0" saveSubsetFonts="1">
   <p:sldMasterIdLst>
     <p:sldMasterId id="2147483702" r:id="rId1"/>
   </p:sldMasterIdLst>
+  <p:notesMasterIdLst>
+    <p:notesMasterId r:id="rId18"/>
+  </p:notesMasterIdLst>
   <p:sldIdLst>
     <p:sldId id="256" r:id="rId2"/>
     <p:sldId id="257" r:id="rId3"/>
     <p:sldId id="264" r:id="rId4"/>
     <p:sldId id="266" r:id="rId5"/>
     <p:sldId id="258" r:id="rId6"/>
-    <p:sldId id="259" r:id="rId7"/>
-    <p:sldId id="265" r:id="rId8"/>
-    <p:sldId id="260" r:id="rId9"/>
-    <p:sldId id="267" r:id="rId10"/>
-    <p:sldId id="261" r:id="rId11"/>
-    <p:sldId id="262" r:id="rId12"/>
-    <p:sldId id="263" r:id="rId13"/>
+    <p:sldId id="269" r:id="rId7"/>
+    <p:sldId id="270" r:id="rId8"/>
+    <p:sldId id="259" r:id="rId9"/>
+    <p:sldId id="265" r:id="rId10"/>
+    <p:sldId id="271" r:id="rId11"/>
+    <p:sldId id="260" r:id="rId12"/>
+    <p:sldId id="272" r:id="rId13"/>
+    <p:sldId id="267" r:id="rId14"/>
+    <p:sldId id="261" r:id="rId15"/>
+    <p:sldId id="262" r:id="rId16"/>
+    <p:sldId id="263" r:id="rId17"/>
   </p:sldIdLst>
   <p:sldSz cx="12192000" cy="6858000"/>
   <p:notesSz cx="6858000" cy="9144000"/>
@@ -115,7 +122,740 @@
       </a:defRPr>
     </a:lvl9pPr>
   </p:defaultTextStyle>
+  <p:extLst>
+    <p:ext uri="{EFAFB233-063F-42B5-8137-9DF3F51BA10A}">
+      <p15:sldGuideLst xmlns:p15="http://schemas.microsoft.com/office/powerpoint/2012/main"/>
+    </p:ext>
+  </p:extLst>
 </p:presentation>
+</file>
+
+<file path=ppt/notesMasters/notesMaster1.xml><?xml version="1.0" encoding="utf-8"?>
+<p:notesMaster xmlns:a="http://schemas.openxmlformats.org/drawingml/2006/main" xmlns:r="http://schemas.openxmlformats.org/officeDocument/2006/relationships" xmlns:p="http://schemas.openxmlformats.org/presentationml/2006/main">
+  <p:cSld>
+    <p:bg>
+      <p:bgRef idx="1001">
+        <a:schemeClr val="bg1"/>
+      </p:bgRef>
+    </p:bg>
+    <p:spTree>
+      <p:nvGrpSpPr>
+        <p:cNvPr id="1" name=""/>
+        <p:cNvGrpSpPr/>
+        <p:nvPr/>
+      </p:nvGrpSpPr>
+      <p:grpSpPr>
+        <a:xfrm>
+          <a:off x="0" y="0"/>
+          <a:ext cx="0" cy="0"/>
+          <a:chOff x="0" y="0"/>
+          <a:chExt cx="0" cy="0"/>
+        </a:xfrm>
+      </p:grpSpPr>
+      <p:sp>
+        <p:nvSpPr>
+          <p:cNvPr id="2" name="Header Placeholder 1"/>
+          <p:cNvSpPr>
+            <a:spLocks noGrp="1"/>
+          </p:cNvSpPr>
+          <p:nvPr>
+            <p:ph type="hdr" sz="quarter"/>
+          </p:nvPr>
+        </p:nvSpPr>
+        <p:spPr>
+          <a:xfrm>
+            <a:off x="0" y="0"/>
+            <a:ext cx="2971800" cy="458788"/>
+          </a:xfrm>
+          <a:prstGeom prst="rect">
+            <a:avLst/>
+          </a:prstGeom>
+        </p:spPr>
+        <p:txBody>
+          <a:bodyPr vert="horz" lIns="91440" tIns="45720" rIns="91440" bIns="45720" rtlCol="0"/>
+          <a:lstStyle>
+            <a:lvl1pPr algn="l">
+              <a:defRPr sz="1200"/>
+            </a:lvl1pPr>
+          </a:lstStyle>
+          <a:p>
+            <a:endParaRPr lang="en-GB"/>
+          </a:p>
+        </p:txBody>
+      </p:sp>
+      <p:sp>
+        <p:nvSpPr>
+          <p:cNvPr id="3" name="Date Placeholder 2"/>
+          <p:cNvSpPr>
+            <a:spLocks noGrp="1"/>
+          </p:cNvSpPr>
+          <p:nvPr>
+            <p:ph type="dt" idx="1"/>
+          </p:nvPr>
+        </p:nvSpPr>
+        <p:spPr>
+          <a:xfrm>
+            <a:off x="3884613" y="0"/>
+            <a:ext cx="2971800" cy="458788"/>
+          </a:xfrm>
+          <a:prstGeom prst="rect">
+            <a:avLst/>
+          </a:prstGeom>
+        </p:spPr>
+        <p:txBody>
+          <a:bodyPr vert="horz" lIns="91440" tIns="45720" rIns="91440" bIns="45720" rtlCol="0"/>
+          <a:lstStyle>
+            <a:lvl1pPr algn="r">
+              <a:defRPr sz="1200"/>
+            </a:lvl1pPr>
+          </a:lstStyle>
+          <a:p>
+            <a:fld id="{536E0770-CD38-482F-9D21-D73B337B38FC}" type="datetimeFigureOut">
+              <a:rPr lang="en-GB" smtClean="0"/>
+              <a:t>29/08/2023</a:t>
+            </a:fld>
+            <a:endParaRPr lang="en-GB"/>
+          </a:p>
+        </p:txBody>
+      </p:sp>
+      <p:sp>
+        <p:nvSpPr>
+          <p:cNvPr id="4" name="Slide Image Placeholder 3"/>
+          <p:cNvSpPr>
+            <a:spLocks noGrp="1" noRot="1" noChangeAspect="1"/>
+          </p:cNvSpPr>
+          <p:nvPr>
+            <p:ph type="sldImg" idx="2"/>
+          </p:nvPr>
+        </p:nvSpPr>
+        <p:spPr>
+          <a:xfrm>
+            <a:off x="685800" y="1143000"/>
+            <a:ext cx="5486400" cy="3086100"/>
+          </a:xfrm>
+          <a:prstGeom prst="rect">
+            <a:avLst/>
+          </a:prstGeom>
+          <a:noFill/>
+          <a:ln w="12700">
+            <a:solidFill>
+              <a:prstClr val="black"/>
+            </a:solidFill>
+          </a:ln>
+        </p:spPr>
+        <p:txBody>
+          <a:bodyPr vert="horz" lIns="91440" tIns="45720" rIns="91440" bIns="45720" rtlCol="0" anchor="ctr"/>
+          <a:lstStyle/>
+          <a:p>
+            <a:endParaRPr lang="en-GB"/>
+          </a:p>
+        </p:txBody>
+      </p:sp>
+      <p:sp>
+        <p:nvSpPr>
+          <p:cNvPr id="5" name="Notes Placeholder 4"/>
+          <p:cNvSpPr>
+            <a:spLocks noGrp="1"/>
+          </p:cNvSpPr>
+          <p:nvPr>
+            <p:ph type="body" sz="quarter" idx="3"/>
+          </p:nvPr>
+        </p:nvSpPr>
+        <p:spPr>
+          <a:xfrm>
+            <a:off x="685800" y="4400550"/>
+            <a:ext cx="5486400" cy="3600450"/>
+          </a:xfrm>
+          <a:prstGeom prst="rect">
+            <a:avLst/>
+          </a:prstGeom>
+        </p:spPr>
+        <p:txBody>
+          <a:bodyPr vert="horz" lIns="91440" tIns="45720" rIns="91440" bIns="45720" rtlCol="0"/>
+          <a:lstStyle/>
+          <a:p>
+            <a:pPr lvl="0"/>
+            <a:r>
+              <a:rPr lang="en-US"/>
+              <a:t>Click to edit Master text styles</a:t>
+            </a:r>
+          </a:p>
+          <a:p>
+            <a:pPr lvl="1"/>
+            <a:r>
+              <a:rPr lang="en-US"/>
+              <a:t>Second level</a:t>
+            </a:r>
+          </a:p>
+          <a:p>
+            <a:pPr lvl="2"/>
+            <a:r>
+              <a:rPr lang="en-US"/>
+              <a:t>Third level</a:t>
+            </a:r>
+          </a:p>
+          <a:p>
+            <a:pPr lvl="3"/>
+            <a:r>
+              <a:rPr lang="en-US"/>
+              <a:t>Fourth level</a:t>
+            </a:r>
+          </a:p>
+          <a:p>
+            <a:pPr lvl="4"/>
+            <a:r>
+              <a:rPr lang="en-US"/>
+              <a:t>Fifth level</a:t>
+            </a:r>
+            <a:endParaRPr lang="en-GB"/>
+          </a:p>
+        </p:txBody>
+      </p:sp>
+      <p:sp>
+        <p:nvSpPr>
+          <p:cNvPr id="6" name="Footer Placeholder 5"/>
+          <p:cNvSpPr>
+            <a:spLocks noGrp="1"/>
+          </p:cNvSpPr>
+          <p:nvPr>
+            <p:ph type="ftr" sz="quarter" idx="4"/>
+          </p:nvPr>
+        </p:nvSpPr>
+        <p:spPr>
+          <a:xfrm>
+            <a:off x="0" y="8685213"/>
+            <a:ext cx="2971800" cy="458787"/>
+          </a:xfrm>
+          <a:prstGeom prst="rect">
+            <a:avLst/>
+          </a:prstGeom>
+        </p:spPr>
+        <p:txBody>
+          <a:bodyPr vert="horz" lIns="91440" tIns="45720" rIns="91440" bIns="45720" rtlCol="0" anchor="b"/>
+          <a:lstStyle>
+            <a:lvl1pPr algn="l">
+              <a:defRPr sz="1200"/>
+            </a:lvl1pPr>
+          </a:lstStyle>
+          <a:p>
+            <a:endParaRPr lang="en-GB"/>
+          </a:p>
+        </p:txBody>
+      </p:sp>
+      <p:sp>
+        <p:nvSpPr>
+          <p:cNvPr id="7" name="Slide Number Placeholder 6"/>
+          <p:cNvSpPr>
+            <a:spLocks noGrp="1"/>
+          </p:cNvSpPr>
+          <p:nvPr>
+            <p:ph type="sldNum" sz="quarter" idx="5"/>
+          </p:nvPr>
+        </p:nvSpPr>
+        <p:spPr>
+          <a:xfrm>
+            <a:off x="3884613" y="8685213"/>
+            <a:ext cx="2971800" cy="458787"/>
+          </a:xfrm>
+          <a:prstGeom prst="rect">
+            <a:avLst/>
+          </a:prstGeom>
+        </p:spPr>
+        <p:txBody>
+          <a:bodyPr vert="horz" lIns="91440" tIns="45720" rIns="91440" bIns="45720" rtlCol="0" anchor="b"/>
+          <a:lstStyle>
+            <a:lvl1pPr algn="r">
+              <a:defRPr sz="1200"/>
+            </a:lvl1pPr>
+          </a:lstStyle>
+          <a:p>
+            <a:fld id="{CCA02471-DE2F-4636-BAD6-5E9EBD7A50FC}" type="slidenum">
+              <a:rPr lang="en-GB" smtClean="0"/>
+              <a:t>‹#›</a:t>
+            </a:fld>
+            <a:endParaRPr lang="en-GB"/>
+          </a:p>
+        </p:txBody>
+      </p:sp>
+    </p:spTree>
+    <p:extLst>
+      <p:ext uri="{BB962C8B-B14F-4D97-AF65-F5344CB8AC3E}">
+        <p14:creationId xmlns:p14="http://schemas.microsoft.com/office/powerpoint/2010/main" val="1571215525"/>
+      </p:ext>
+    </p:extLst>
+  </p:cSld>
+  <p:clrMap bg1="lt1" tx1="dk1" bg2="lt2" tx2="dk2" accent1="accent1" accent2="accent2" accent3="accent3" accent4="accent4" accent5="accent5" accent6="accent6" hlink="hlink" folHlink="folHlink"/>
+  <p:notesStyle>
+    <a:lvl1pPr marL="0" algn="l" defTabSz="914400" rtl="0" eaLnBrk="1" latinLnBrk="0" hangingPunct="1">
+      <a:defRPr sz="1200" kern="1200">
+        <a:solidFill>
+          <a:schemeClr val="tx1"/>
+        </a:solidFill>
+        <a:latin typeface="+mn-lt"/>
+        <a:ea typeface="+mn-ea"/>
+        <a:cs typeface="+mn-cs"/>
+      </a:defRPr>
+    </a:lvl1pPr>
+    <a:lvl2pPr marL="457200" algn="l" defTabSz="914400" rtl="0" eaLnBrk="1" latinLnBrk="0" hangingPunct="1">
+      <a:defRPr sz="1200" kern="1200">
+        <a:solidFill>
+          <a:schemeClr val="tx1"/>
+        </a:solidFill>
+        <a:latin typeface="+mn-lt"/>
+        <a:ea typeface="+mn-ea"/>
+        <a:cs typeface="+mn-cs"/>
+      </a:defRPr>
+    </a:lvl2pPr>
+    <a:lvl3pPr marL="914400" algn="l" defTabSz="914400" rtl="0" eaLnBrk="1" latinLnBrk="0" hangingPunct="1">
+      <a:defRPr sz="1200" kern="1200">
+        <a:solidFill>
+          <a:schemeClr val="tx1"/>
+        </a:solidFill>
+        <a:latin typeface="+mn-lt"/>
+        <a:ea typeface="+mn-ea"/>
+        <a:cs typeface="+mn-cs"/>
+      </a:defRPr>
+    </a:lvl3pPr>
+    <a:lvl4pPr marL="1371600" algn="l" defTabSz="914400" rtl="0" eaLnBrk="1" latinLnBrk="0" hangingPunct="1">
+      <a:defRPr sz="1200" kern="1200">
+        <a:solidFill>
+          <a:schemeClr val="tx1"/>
+        </a:solidFill>
+        <a:latin typeface="+mn-lt"/>
+        <a:ea typeface="+mn-ea"/>
+        <a:cs typeface="+mn-cs"/>
+      </a:defRPr>
+    </a:lvl4pPr>
+    <a:lvl5pPr marL="1828800" algn="l" defTabSz="914400" rtl="0" eaLnBrk="1" latinLnBrk="0" hangingPunct="1">
+      <a:defRPr sz="1200" kern="1200">
+        <a:solidFill>
+          <a:schemeClr val="tx1"/>
+        </a:solidFill>
+        <a:latin typeface="+mn-lt"/>
+        <a:ea typeface="+mn-ea"/>
+        <a:cs typeface="+mn-cs"/>
+      </a:defRPr>
+    </a:lvl5pPr>
+    <a:lvl6pPr marL="2286000" algn="l" defTabSz="914400" rtl="0" eaLnBrk="1" latinLnBrk="0" hangingPunct="1">
+      <a:defRPr sz="1200" kern="1200">
+        <a:solidFill>
+          <a:schemeClr val="tx1"/>
+        </a:solidFill>
+        <a:latin typeface="+mn-lt"/>
+        <a:ea typeface="+mn-ea"/>
+        <a:cs typeface="+mn-cs"/>
+      </a:defRPr>
+    </a:lvl6pPr>
+    <a:lvl7pPr marL="2743200" algn="l" defTabSz="914400" rtl="0" eaLnBrk="1" latinLnBrk="0" hangingPunct="1">
+      <a:defRPr sz="1200" kern="1200">
+        <a:solidFill>
+          <a:schemeClr val="tx1"/>
+        </a:solidFill>
+        <a:latin typeface="+mn-lt"/>
+        <a:ea typeface="+mn-ea"/>
+        <a:cs typeface="+mn-cs"/>
+      </a:defRPr>
+    </a:lvl7pPr>
+    <a:lvl8pPr marL="3200400" algn="l" defTabSz="914400" rtl="0" eaLnBrk="1" latinLnBrk="0" hangingPunct="1">
+      <a:defRPr sz="1200" kern="1200">
+        <a:solidFill>
+          <a:schemeClr val="tx1"/>
+        </a:solidFill>
+        <a:latin typeface="+mn-lt"/>
+        <a:ea typeface="+mn-ea"/>
+        <a:cs typeface="+mn-cs"/>
+      </a:defRPr>
+    </a:lvl8pPr>
+    <a:lvl9pPr marL="3657600" algn="l" defTabSz="914400" rtl="0" eaLnBrk="1" latinLnBrk="0" hangingPunct="1">
+      <a:defRPr sz="1200" kern="1200">
+        <a:solidFill>
+          <a:schemeClr val="tx1"/>
+        </a:solidFill>
+        <a:latin typeface="+mn-lt"/>
+        <a:ea typeface="+mn-ea"/>
+        <a:cs typeface="+mn-cs"/>
+      </a:defRPr>
+    </a:lvl9pPr>
+  </p:notesStyle>
+</p:notesMaster>
+</file>
+
+<file path=ppt/notesSlides/notesSlide1.xml><?xml version="1.0" encoding="utf-8"?>
+<p:notes xmlns:a="http://schemas.openxmlformats.org/drawingml/2006/main" xmlns:r="http://schemas.openxmlformats.org/officeDocument/2006/relationships" xmlns:p="http://schemas.openxmlformats.org/presentationml/2006/main">
+  <p:cSld>
+    <p:spTree>
+      <p:nvGrpSpPr>
+        <p:cNvPr id="1" name=""/>
+        <p:cNvGrpSpPr/>
+        <p:nvPr/>
+      </p:nvGrpSpPr>
+      <p:grpSpPr>
+        <a:xfrm>
+          <a:off x="0" y="0"/>
+          <a:ext cx="0" cy="0"/>
+          <a:chOff x="0" y="0"/>
+          <a:chExt cx="0" cy="0"/>
+        </a:xfrm>
+      </p:grpSpPr>
+      <p:sp>
+        <p:nvSpPr>
+          <p:cNvPr id="2" name="Slide Image Placeholder 1"/>
+          <p:cNvSpPr>
+            <a:spLocks noGrp="1" noRot="1" noChangeAspect="1"/>
+          </p:cNvSpPr>
+          <p:nvPr>
+            <p:ph type="sldImg"/>
+          </p:nvPr>
+        </p:nvSpPr>
+        <p:spPr/>
+      </p:sp>
+      <p:sp>
+        <p:nvSpPr>
+          <p:cNvPr id="3" name="Notes Placeholder 2"/>
+          <p:cNvSpPr>
+            <a:spLocks noGrp="1"/>
+          </p:cNvSpPr>
+          <p:nvPr>
+            <p:ph type="body" idx="1"/>
+          </p:nvPr>
+        </p:nvSpPr>
+        <p:spPr/>
+        <p:txBody>
+          <a:bodyPr/>
+          <a:lstStyle/>
+          <a:p>
+            <a:r>
+              <a:rPr lang="en-GB" dirty="0"/>
+              <a:t>Measurements: percent, upper and lower confidence limits</a:t>
+            </a:r>
+          </a:p>
+          <a:p>
+            <a:r>
+              <a:rPr lang="en-GB" dirty="0"/>
+              <a:t>Years: 2013-2019</a:t>
+            </a:r>
+          </a:p>
+          <a:p>
+            <a:endParaRPr lang="en-GB" dirty="0"/>
+          </a:p>
+        </p:txBody>
+      </p:sp>
+      <p:sp>
+        <p:nvSpPr>
+          <p:cNvPr id="4" name="Slide Number Placeholder 3"/>
+          <p:cNvSpPr>
+            <a:spLocks noGrp="1"/>
+          </p:cNvSpPr>
+          <p:nvPr>
+            <p:ph type="sldNum" sz="quarter" idx="5"/>
+          </p:nvPr>
+        </p:nvSpPr>
+        <p:spPr/>
+        <p:txBody>
+          <a:bodyPr/>
+          <a:lstStyle/>
+          <a:p>
+            <a:fld id="{CCA02471-DE2F-4636-BAD6-5E9EBD7A50FC}" type="slidenum">
+              <a:rPr lang="en-GB" smtClean="0"/>
+              <a:t>5</a:t>
+            </a:fld>
+            <a:endParaRPr lang="en-GB"/>
+          </a:p>
+        </p:txBody>
+      </p:sp>
+    </p:spTree>
+    <p:extLst>
+      <p:ext uri="{BB962C8B-B14F-4D97-AF65-F5344CB8AC3E}">
+        <p14:creationId xmlns:p14="http://schemas.microsoft.com/office/powerpoint/2010/main" val="3232607098"/>
+      </p:ext>
+    </p:extLst>
+  </p:cSld>
+  <p:clrMapOvr>
+    <a:masterClrMapping/>
+  </p:clrMapOvr>
+</p:notes>
+</file>
+
+<file path=ppt/notesSlides/notesSlide2.xml><?xml version="1.0" encoding="utf-8"?>
+<p:notes xmlns:a="http://schemas.openxmlformats.org/drawingml/2006/main" xmlns:r="http://schemas.openxmlformats.org/officeDocument/2006/relationships" xmlns:p="http://schemas.openxmlformats.org/presentationml/2006/main">
+  <p:cSld>
+    <p:spTree>
+      <p:nvGrpSpPr>
+        <p:cNvPr id="1" name=""/>
+        <p:cNvGrpSpPr/>
+        <p:nvPr/>
+      </p:nvGrpSpPr>
+      <p:grpSpPr>
+        <a:xfrm>
+          <a:off x="0" y="0"/>
+          <a:ext cx="0" cy="0"/>
+          <a:chOff x="0" y="0"/>
+          <a:chExt cx="0" cy="0"/>
+        </a:xfrm>
+      </p:grpSpPr>
+      <p:sp>
+        <p:nvSpPr>
+          <p:cNvPr id="2" name="Slide Image Placeholder 1"/>
+          <p:cNvSpPr>
+            <a:spLocks noGrp="1" noRot="1" noChangeAspect="1"/>
+          </p:cNvSpPr>
+          <p:nvPr>
+            <p:ph type="sldImg"/>
+          </p:nvPr>
+        </p:nvSpPr>
+        <p:spPr/>
+      </p:sp>
+      <p:sp>
+        <p:nvSpPr>
+          <p:cNvPr id="3" name="Notes Placeholder 2"/>
+          <p:cNvSpPr>
+            <a:spLocks noGrp="1"/>
+          </p:cNvSpPr>
+          <p:nvPr>
+            <p:ph type="body" idx="1"/>
+          </p:nvPr>
+        </p:nvSpPr>
+        <p:spPr/>
+        <p:txBody>
+          <a:bodyPr/>
+          <a:lstStyle/>
+          <a:p>
+            <a:r>
+              <a:rPr lang="en-GB" dirty="0"/>
+              <a:t>First made a function to easily visualise responses. </a:t>
+            </a:r>
+          </a:p>
+          <a:p>
+            <a:r>
+              <a:rPr lang="en-GB" dirty="0"/>
+              <a:t>Issues -&gt; </a:t>
+            </a:r>
+          </a:p>
+          <a:p>
+            <a:r>
+              <a:rPr lang="en-GB" dirty="0"/>
+              <a:t>only 2019, perhaps it changes over time?</a:t>
+            </a:r>
+          </a:p>
+          <a:p>
+            <a:r>
+              <a:rPr lang="en-GB" dirty="0"/>
+              <a:t>no “overall” score to see which group rated the highest</a:t>
+            </a:r>
+          </a:p>
+          <a:p>
+            <a:r>
+              <a:rPr lang="en-GB" dirty="0"/>
+              <a:t>Whole of Scotland, what if different areas differ?</a:t>
+            </a:r>
+          </a:p>
+        </p:txBody>
+      </p:sp>
+      <p:sp>
+        <p:nvSpPr>
+          <p:cNvPr id="4" name="Slide Number Placeholder 3"/>
+          <p:cNvSpPr>
+            <a:spLocks noGrp="1"/>
+          </p:cNvSpPr>
+          <p:nvPr>
+            <p:ph type="sldNum" sz="quarter" idx="5"/>
+          </p:nvPr>
+        </p:nvSpPr>
+        <p:spPr/>
+        <p:txBody>
+          <a:bodyPr/>
+          <a:lstStyle/>
+          <a:p>
+            <a:fld id="{CCA02471-DE2F-4636-BAD6-5E9EBD7A50FC}" type="slidenum">
+              <a:rPr lang="en-GB" smtClean="0"/>
+              <a:t>6</a:t>
+            </a:fld>
+            <a:endParaRPr lang="en-GB"/>
+          </a:p>
+        </p:txBody>
+      </p:sp>
+    </p:spTree>
+    <p:extLst>
+      <p:ext uri="{BB962C8B-B14F-4D97-AF65-F5344CB8AC3E}">
+        <p14:creationId xmlns:p14="http://schemas.microsoft.com/office/powerpoint/2010/main" val="1962295463"/>
+      </p:ext>
+    </p:extLst>
+  </p:cSld>
+  <p:clrMapOvr>
+    <a:masterClrMapping/>
+  </p:clrMapOvr>
+</p:notes>
+</file>
+
+<file path=ppt/notesSlides/notesSlide3.xml><?xml version="1.0" encoding="utf-8"?>
+<p:notes xmlns:a="http://schemas.openxmlformats.org/drawingml/2006/main" xmlns:r="http://schemas.openxmlformats.org/officeDocument/2006/relationships" xmlns:p="http://schemas.openxmlformats.org/presentationml/2006/main">
+  <p:cSld>
+    <p:spTree>
+      <p:nvGrpSpPr>
+        <p:cNvPr id="1" name=""/>
+        <p:cNvGrpSpPr/>
+        <p:nvPr/>
+      </p:nvGrpSpPr>
+      <p:grpSpPr>
+        <a:xfrm>
+          <a:off x="0" y="0"/>
+          <a:ext cx="0" cy="0"/>
+          <a:chOff x="0" y="0"/>
+          <a:chExt cx="0" cy="0"/>
+        </a:xfrm>
+      </p:grpSpPr>
+      <p:sp>
+        <p:nvSpPr>
+          <p:cNvPr id="2" name="Slide Image Placeholder 1"/>
+          <p:cNvSpPr>
+            <a:spLocks noGrp="1" noRot="1" noChangeAspect="1"/>
+          </p:cNvSpPr>
+          <p:nvPr>
+            <p:ph type="sldImg"/>
+          </p:nvPr>
+        </p:nvSpPr>
+        <p:spPr/>
+      </p:sp>
+      <p:sp>
+        <p:nvSpPr>
+          <p:cNvPr id="3" name="Notes Placeholder 2"/>
+          <p:cNvSpPr>
+            <a:spLocks noGrp="1"/>
+          </p:cNvSpPr>
+          <p:nvPr>
+            <p:ph type="body" idx="1"/>
+          </p:nvPr>
+        </p:nvSpPr>
+        <p:spPr/>
+        <p:txBody>
+          <a:bodyPr/>
+          <a:lstStyle/>
+          <a:p>
+            <a:r>
+              <a:rPr lang="en-GB" dirty="0"/>
+              <a:t>Access to greenspace does increase neighbourhood ratings AND community belonging.</a:t>
+            </a:r>
+          </a:p>
+        </p:txBody>
+      </p:sp>
+      <p:sp>
+        <p:nvSpPr>
+          <p:cNvPr id="4" name="Slide Number Placeholder 3"/>
+          <p:cNvSpPr>
+            <a:spLocks noGrp="1"/>
+          </p:cNvSpPr>
+          <p:nvPr>
+            <p:ph type="sldNum" sz="quarter" idx="5"/>
+          </p:nvPr>
+        </p:nvSpPr>
+        <p:spPr/>
+        <p:txBody>
+          <a:bodyPr/>
+          <a:lstStyle/>
+          <a:p>
+            <a:fld id="{CCA02471-DE2F-4636-BAD6-5E9EBD7A50FC}" type="slidenum">
+              <a:rPr lang="en-GB" smtClean="0"/>
+              <a:t>9</a:t>
+            </a:fld>
+            <a:endParaRPr lang="en-GB"/>
+          </a:p>
+        </p:txBody>
+      </p:sp>
+    </p:spTree>
+    <p:extLst>
+      <p:ext uri="{BB962C8B-B14F-4D97-AF65-F5344CB8AC3E}">
+        <p14:creationId xmlns:p14="http://schemas.microsoft.com/office/powerpoint/2010/main" val="2435635944"/>
+      </p:ext>
+    </p:extLst>
+  </p:cSld>
+  <p:clrMapOvr>
+    <a:masterClrMapping/>
+  </p:clrMapOvr>
+</p:notes>
+</file>
+
+<file path=ppt/notesSlides/notesSlide4.xml><?xml version="1.0" encoding="utf-8"?>
+<p:notes xmlns:a="http://schemas.openxmlformats.org/drawingml/2006/main" xmlns:r="http://schemas.openxmlformats.org/officeDocument/2006/relationships" xmlns:p="http://schemas.openxmlformats.org/presentationml/2006/main">
+  <p:cSld>
+    <p:spTree>
+      <p:nvGrpSpPr>
+        <p:cNvPr id="1" name=""/>
+        <p:cNvGrpSpPr/>
+        <p:nvPr/>
+      </p:nvGrpSpPr>
+      <p:grpSpPr>
+        <a:xfrm>
+          <a:off x="0" y="0"/>
+          <a:ext cx="0" cy="0"/>
+          <a:chOff x="0" y="0"/>
+          <a:chExt cx="0" cy="0"/>
+        </a:xfrm>
+      </p:grpSpPr>
+      <p:sp>
+        <p:nvSpPr>
+          <p:cNvPr id="2" name="Slide Image Placeholder 1"/>
+          <p:cNvSpPr>
+            <a:spLocks noGrp="1" noRot="1" noChangeAspect="1"/>
+          </p:cNvSpPr>
+          <p:nvPr>
+            <p:ph type="sldImg"/>
+          </p:nvPr>
+        </p:nvSpPr>
+        <p:spPr/>
+      </p:sp>
+      <p:sp>
+        <p:nvSpPr>
+          <p:cNvPr id="3" name="Notes Placeholder 2"/>
+          <p:cNvSpPr>
+            <a:spLocks noGrp="1"/>
+          </p:cNvSpPr>
+          <p:nvPr>
+            <p:ph type="body" idx="1"/>
+          </p:nvPr>
+        </p:nvSpPr>
+        <p:spPr/>
+        <p:txBody>
+          <a:bodyPr/>
+          <a:lstStyle/>
+          <a:p>
+            <a:endParaRPr lang="en-GB" dirty="0"/>
+          </a:p>
+        </p:txBody>
+      </p:sp>
+      <p:sp>
+        <p:nvSpPr>
+          <p:cNvPr id="4" name="Slide Number Placeholder 3"/>
+          <p:cNvSpPr>
+            <a:spLocks noGrp="1"/>
+          </p:cNvSpPr>
+          <p:nvPr>
+            <p:ph type="sldNum" sz="quarter" idx="5"/>
+          </p:nvPr>
+        </p:nvSpPr>
+        <p:spPr/>
+        <p:txBody>
+          <a:bodyPr/>
+          <a:lstStyle/>
+          <a:p>
+            <a:fld id="{CCA02471-DE2F-4636-BAD6-5E9EBD7A50FC}" type="slidenum">
+              <a:rPr lang="en-GB" smtClean="0"/>
+              <a:t>11</a:t>
+            </a:fld>
+            <a:endParaRPr lang="en-GB"/>
+          </a:p>
+        </p:txBody>
+      </p:sp>
+    </p:spTree>
+    <p:extLst>
+      <p:ext uri="{BB962C8B-B14F-4D97-AF65-F5344CB8AC3E}">
+        <p14:creationId xmlns:p14="http://schemas.microsoft.com/office/powerpoint/2010/main" val="4012631341"/>
+      </p:ext>
+    </p:extLst>
+  </p:cSld>
+  <p:clrMapOvr>
+    <a:masterClrMapping/>
+  </p:clrMapOvr>
+</p:notes>
 </file>
 
 <file path=ppt/slideLayouts/slideLayout1.xml><?xml version="1.0" encoding="utf-8"?>
@@ -342,9 +1082,9 @@
           <a:bodyPr/>
           <a:lstStyle/>
           <a:p>
-            <a:fld id="{B68DA304-7009-4EB7-9EC1-E19F7D3D0931}" type="datetimeFigureOut">
+            <a:fld id="{CE4A3503-C3D4-4F6D-81DE-5A90DE1C92CC}" type="datetime1">
               <a:rPr lang="en-GB" smtClean="0"/>
-              <a:t>28/08/2023</a:t>
+              <a:t>29/08/2023</a:t>
             </a:fld>
             <a:endParaRPr lang="en-GB"/>
           </a:p>
@@ -550,9 +1290,9 @@
           <a:bodyPr/>
           <a:lstStyle/>
           <a:p>
-            <a:fld id="{B68DA304-7009-4EB7-9EC1-E19F7D3D0931}" type="datetimeFigureOut">
+            <a:fld id="{9B556DEB-F63B-462B-B8B2-64A2F3D66F96}" type="datetime1">
               <a:rPr lang="en-GB" smtClean="0"/>
-              <a:t>28/08/2023</a:t>
+              <a:t>29/08/2023</a:t>
             </a:fld>
             <a:endParaRPr lang="en-GB"/>
           </a:p>
@@ -806,9 +1546,9 @@
           <a:bodyPr/>
           <a:lstStyle/>
           <a:p>
-            <a:fld id="{B68DA304-7009-4EB7-9EC1-E19F7D3D0931}" type="datetimeFigureOut">
+            <a:fld id="{317934FC-3264-40BE-99B1-E01E91DAF153}" type="datetime1">
               <a:rPr lang="en-GB" smtClean="0"/>
-              <a:t>28/08/2023</a:t>
+              <a:t>29/08/2023</a:t>
             </a:fld>
             <a:endParaRPr lang="en-GB"/>
           </a:p>
@@ -976,9 +1716,9 @@
           <a:bodyPr/>
           <a:lstStyle/>
           <a:p>
-            <a:fld id="{B68DA304-7009-4EB7-9EC1-E19F7D3D0931}" type="datetimeFigureOut">
+            <a:fld id="{ABC06397-985D-4758-A1D0-6486593FC8BF}" type="datetime1">
               <a:rPr lang="en-GB" smtClean="0"/>
-              <a:t>28/08/2023</a:t>
+              <a:t>29/08/2023</a:t>
             </a:fld>
             <a:endParaRPr lang="en-GB"/>
           </a:p>
@@ -1319,9 +2059,9 @@
           <a:bodyPr/>
           <a:lstStyle/>
           <a:p>
-            <a:fld id="{B68DA304-7009-4EB7-9EC1-E19F7D3D0931}" type="datetimeFigureOut">
+            <a:fld id="{FDA121CD-E0E1-41C8-B9D8-6BE6EBE743C0}" type="datetime1">
               <a:rPr lang="en-GB" smtClean="0"/>
-              <a:t>28/08/2023</a:t>
+              <a:t>29/08/2023</a:t>
             </a:fld>
             <a:endParaRPr lang="en-GB"/>
           </a:p>
@@ -1594,9 +2334,9 @@
           <a:bodyPr/>
           <a:lstStyle/>
           <a:p>
-            <a:fld id="{B68DA304-7009-4EB7-9EC1-E19F7D3D0931}" type="datetimeFigureOut">
+            <a:fld id="{43126390-DA8B-428E-BB80-BA8AAF2CE3F7}" type="datetime1">
               <a:rPr lang="en-GB" smtClean="0"/>
-              <a:t>28/08/2023</a:t>
+              <a:t>29/08/2023</a:t>
             </a:fld>
             <a:endParaRPr lang="en-GB"/>
           </a:p>
@@ -1973,9 +2713,9 @@
           <a:bodyPr/>
           <a:lstStyle/>
           <a:p>
-            <a:fld id="{B68DA304-7009-4EB7-9EC1-E19F7D3D0931}" type="datetimeFigureOut">
+            <a:fld id="{14C83330-CD0E-4E23-9F18-4C49BBA2733B}" type="datetime1">
               <a:rPr lang="en-GB" smtClean="0"/>
-              <a:t>28/08/2023</a:t>
+              <a:t>29/08/2023</a:t>
             </a:fld>
             <a:endParaRPr lang="en-GB"/>
           </a:p>
@@ -2091,9 +2831,9 @@
           <a:bodyPr/>
           <a:lstStyle/>
           <a:p>
-            <a:fld id="{B68DA304-7009-4EB7-9EC1-E19F7D3D0931}" type="datetimeFigureOut">
+            <a:fld id="{B109A2A1-6BCB-42CB-82E1-6615D0BAD0F4}" type="datetime1">
               <a:rPr lang="en-GB" smtClean="0"/>
-              <a:t>28/08/2023</a:t>
+              <a:t>29/08/2023</a:t>
             </a:fld>
             <a:endParaRPr lang="en-GB"/>
           </a:p>
@@ -2262,9 +3002,9 @@
           <a:bodyPr/>
           <a:lstStyle/>
           <a:p>
-            <a:fld id="{B68DA304-7009-4EB7-9EC1-E19F7D3D0931}" type="datetimeFigureOut">
+            <a:fld id="{1CA09334-B197-46E3-84E0-287ABA66A5B3}" type="datetime1">
               <a:rPr lang="en-GB" smtClean="0"/>
-              <a:t>28/08/2023</a:t>
+              <a:t>29/08/2023</a:t>
             </a:fld>
             <a:endParaRPr lang="en-GB"/>
           </a:p>
@@ -2616,9 +3356,9 @@
             </a:lvl1pPr>
           </a:lstStyle>
           <a:p>
-            <a:fld id="{B68DA304-7009-4EB7-9EC1-E19F7D3D0931}" type="datetimeFigureOut">
+            <a:fld id="{AA2AE584-DAFC-4BDA-883B-E8CCDDC61B97}" type="datetime1">
               <a:rPr lang="en-GB" smtClean="0"/>
-              <a:t>28/08/2023</a:t>
+              <a:t>29/08/2023</a:t>
             </a:fld>
             <a:endParaRPr lang="en-GB"/>
           </a:p>
@@ -2993,9 +3733,9 @@
           <a:bodyPr/>
           <a:lstStyle/>
           <a:p>
-            <a:fld id="{B68DA304-7009-4EB7-9EC1-E19F7D3D0931}" type="datetimeFigureOut">
+            <a:fld id="{2B8D6311-9579-4B11-9452-2E0543F25B3F}" type="datetime1">
               <a:rPr lang="en-GB" smtClean="0"/>
-              <a:t>28/08/2023</a:t>
+              <a:t>29/08/2023</a:t>
             </a:fld>
             <a:endParaRPr lang="en-GB"/>
           </a:p>
@@ -3280,9 +4020,9 @@
             </a:lvl1pPr>
           </a:lstStyle>
           <a:p>
-            <a:fld id="{B68DA304-7009-4EB7-9EC1-E19F7D3D0931}" type="datetimeFigureOut">
+            <a:fld id="{F55059E5-08DE-414B-8414-11009CC039F5}" type="datetime1">
               <a:rPr lang="en-GB" smtClean="0"/>
-              <a:t>28/08/2023</a:t>
+              <a:t>29/08/2023</a:t>
             </a:fld>
             <a:endParaRPr lang="en-GB"/>
           </a:p>
@@ -3421,6 +4161,7 @@
     <p:sldLayoutId id="2147483712" r:id="rId10"/>
     <p:sldLayoutId id="2147483713" r:id="rId11"/>
   </p:sldLayoutIdLst>
+  <p:hf hdr="0" ftr="0" dt="0"/>
   <p:txStyles>
     <p:titleStyle>
       <a:lvl1pPr algn="l" defTabSz="914400" rtl="0" eaLnBrk="1" latinLnBrk="0" hangingPunct="1">
@@ -3907,7 +4648,7 @@
           <p:cNvPr id="2" name="Title 1">
             <a:extLst>
               <a:ext uri="{FF2B5EF4-FFF2-40B4-BE49-F238E27FC236}">
-                <a16:creationId xmlns:a16="http://schemas.microsoft.com/office/drawing/2014/main" id="{A7F99953-ACBC-C4C1-2E80-2223E4D820FA}"/>
+                <a16:creationId xmlns:a16="http://schemas.microsoft.com/office/drawing/2014/main" id="{7CA1BFFF-94DB-93E6-7FB7-FEC33B352698}"/>
               </a:ext>
             </a:extLst>
           </p:cNvPr>
@@ -3920,22 +4661,28 @@
         </p:nvSpPr>
         <p:spPr/>
         <p:txBody>
-          <a:bodyPr/>
+          <a:bodyPr>
+            <a:noAutofit/>
+          </a:bodyPr>
           <a:lstStyle/>
           <a:p>
             <a:r>
-              <a:rPr lang="en-GB" dirty="0"/>
-              <a:t>Action</a:t>
-            </a:r>
-          </a:p>
-        </p:txBody>
-      </p:sp>
-      <p:sp>
-        <p:nvSpPr>
-          <p:cNvPr id="3" name="Content Placeholder 2">
+              <a:rPr lang="en-GB" sz="6600" dirty="0"/>
+              <a:t>2. Which areas have the best and worst ratings? </a:t>
+            </a:r>
+            <a:br>
+              <a:rPr lang="en-GB" sz="6600" dirty="0"/>
+            </a:br>
+            <a:endParaRPr lang="en-GB" sz="6600" dirty="0"/>
+          </a:p>
+        </p:txBody>
+      </p:sp>
+      <p:sp>
+        <p:nvSpPr>
+          <p:cNvPr id="6" name="Text Placeholder 5">
             <a:extLst>
               <a:ext uri="{FF2B5EF4-FFF2-40B4-BE49-F238E27FC236}">
-                <a16:creationId xmlns:a16="http://schemas.microsoft.com/office/drawing/2014/main" id="{DD0D4818-A64A-187A-4964-E9BA2DC4BB09}"/>
+                <a16:creationId xmlns:a16="http://schemas.microsoft.com/office/drawing/2014/main" id="{5A5900C4-248D-2C7D-57CB-D90BBDD64228}"/>
               </a:ext>
             </a:extLst>
           </p:cNvPr>
@@ -3943,7 +4690,7 @@
             <a:spLocks noGrp="1"/>
           </p:cNvSpPr>
           <p:nvPr>
-            <p:ph idx="1"/>
+            <p:ph type="body" idx="1"/>
           </p:nvPr>
         </p:nvSpPr>
         <p:spPr/>
@@ -3951,14 +4698,46 @@
           <a:bodyPr/>
           <a:lstStyle/>
           <a:p>
-            <a:endParaRPr lang="en-GB"/>
+            <a:r>
+              <a:rPr lang="en-GB" dirty="0"/>
+              <a:t>Explored through maps</a:t>
+            </a:r>
+          </a:p>
+        </p:txBody>
+      </p:sp>
+      <p:sp>
+        <p:nvSpPr>
+          <p:cNvPr id="7" name="Slide Number Placeholder 6">
+            <a:extLst>
+              <a:ext uri="{FF2B5EF4-FFF2-40B4-BE49-F238E27FC236}">
+                <a16:creationId xmlns:a16="http://schemas.microsoft.com/office/drawing/2014/main" id="{20A8038B-0A8B-024A-181D-090C8A1BAAB3}"/>
+              </a:ext>
+            </a:extLst>
+          </p:cNvPr>
+          <p:cNvSpPr>
+            <a:spLocks noGrp="1"/>
+          </p:cNvSpPr>
+          <p:nvPr>
+            <p:ph type="sldNum" sz="quarter" idx="12"/>
+          </p:nvPr>
+        </p:nvSpPr>
+        <p:spPr/>
+        <p:txBody>
+          <a:bodyPr/>
+          <a:lstStyle/>
+          <a:p>
+            <a:fld id="{1D85C9CE-5A10-4592-9F88-5339DD41B12B}" type="slidenum">
+              <a:rPr lang="en-GB" sz="1600" smtClean="0"/>
+              <a:t>10</a:t>
+            </a:fld>
+            <a:endParaRPr lang="en-GB" sz="1600" dirty="0"/>
           </a:p>
         </p:txBody>
       </p:sp>
     </p:spTree>
     <p:extLst>
       <p:ext uri="{BB962C8B-B14F-4D97-AF65-F5344CB8AC3E}">
-        <p14:creationId xmlns:p14="http://schemas.microsoft.com/office/powerpoint/2010/main" val="1142641468"/>
+        <p14:creationId xmlns:p14="http://schemas.microsoft.com/office/powerpoint/2010/main" val="2208104668"/>
       </p:ext>
     </p:extLst>
   </p:cSld>
@@ -3969,1802 +4748,6 @@
 </file>
 
 <file path=ppt/slides/slide11.xml><?xml version="1.0" encoding="utf-8"?>
-<p:sld xmlns:a="http://schemas.openxmlformats.org/drawingml/2006/main" xmlns:r="http://schemas.openxmlformats.org/officeDocument/2006/relationships" xmlns:p="http://schemas.openxmlformats.org/presentationml/2006/main">
-  <p:cSld>
-    <p:spTree>
-      <p:nvGrpSpPr>
-        <p:cNvPr id="1" name=""/>
-        <p:cNvGrpSpPr/>
-        <p:nvPr/>
-      </p:nvGrpSpPr>
-      <p:grpSpPr>
-        <a:xfrm>
-          <a:off x="0" y="0"/>
-          <a:ext cx="0" cy="0"/>
-          <a:chOff x="0" y="0"/>
-          <a:chExt cx="0" cy="0"/>
-        </a:xfrm>
-      </p:grpSpPr>
-      <p:sp>
-        <p:nvSpPr>
-          <p:cNvPr id="2" name="Title 1">
-            <a:extLst>
-              <a:ext uri="{FF2B5EF4-FFF2-40B4-BE49-F238E27FC236}">
-                <a16:creationId xmlns:a16="http://schemas.microsoft.com/office/drawing/2014/main" id="{B15ABF18-765C-A8B0-5118-DD518D0ADD97}"/>
-              </a:ext>
-            </a:extLst>
-          </p:cNvPr>
-          <p:cNvSpPr>
-            <a:spLocks noGrp="1"/>
-          </p:cNvSpPr>
-          <p:nvPr>
-            <p:ph type="title"/>
-          </p:nvPr>
-        </p:nvSpPr>
-        <p:spPr/>
-        <p:txBody>
-          <a:bodyPr/>
-          <a:lstStyle/>
-          <a:p>
-            <a:r>
-              <a:rPr lang="en-GB" dirty="0"/>
-              <a:t>Further Ideas</a:t>
-            </a:r>
-          </a:p>
-        </p:txBody>
-      </p:sp>
-      <p:sp>
-        <p:nvSpPr>
-          <p:cNvPr id="3" name="Content Placeholder 2">
-            <a:extLst>
-              <a:ext uri="{FF2B5EF4-FFF2-40B4-BE49-F238E27FC236}">
-                <a16:creationId xmlns:a16="http://schemas.microsoft.com/office/drawing/2014/main" id="{05718D89-BDEF-7FBC-C3B6-648178F04DA5}"/>
-              </a:ext>
-            </a:extLst>
-          </p:cNvPr>
-          <p:cNvSpPr>
-            <a:spLocks noGrp="1"/>
-          </p:cNvSpPr>
-          <p:nvPr>
-            <p:ph idx="1"/>
-          </p:nvPr>
-        </p:nvSpPr>
-        <p:spPr/>
-        <p:txBody>
-          <a:bodyPr/>
-          <a:lstStyle/>
-          <a:p>
-            <a:endParaRPr lang="en-GB"/>
-          </a:p>
-        </p:txBody>
-      </p:sp>
-    </p:spTree>
-    <p:extLst>
-      <p:ext uri="{BB962C8B-B14F-4D97-AF65-F5344CB8AC3E}">
-        <p14:creationId xmlns:p14="http://schemas.microsoft.com/office/powerpoint/2010/main" val="2446263786"/>
-      </p:ext>
-    </p:extLst>
-  </p:cSld>
-  <p:clrMapOvr>
-    <a:masterClrMapping/>
-  </p:clrMapOvr>
-</p:sld>
-</file>
-
-<file path=ppt/slides/slide12.xml><?xml version="1.0" encoding="utf-8"?>
-<p:sld xmlns:a="http://schemas.openxmlformats.org/drawingml/2006/main" xmlns:r="http://schemas.openxmlformats.org/officeDocument/2006/relationships" xmlns:p="http://schemas.openxmlformats.org/presentationml/2006/main">
-  <p:cSld>
-    <p:spTree>
-      <p:nvGrpSpPr>
-        <p:cNvPr id="1" name=""/>
-        <p:cNvGrpSpPr/>
-        <p:nvPr/>
-      </p:nvGrpSpPr>
-      <p:grpSpPr>
-        <a:xfrm>
-          <a:off x="0" y="0"/>
-          <a:ext cx="0" cy="0"/>
-          <a:chOff x="0" y="0"/>
-          <a:chExt cx="0" cy="0"/>
-        </a:xfrm>
-      </p:grpSpPr>
-      <p:sp>
-        <p:nvSpPr>
-          <p:cNvPr id="2" name="Title 1">
-            <a:extLst>
-              <a:ext uri="{FF2B5EF4-FFF2-40B4-BE49-F238E27FC236}">
-                <a16:creationId xmlns:a16="http://schemas.microsoft.com/office/drawing/2014/main" id="{5DCFC5F2-DE9B-34F0-B611-397D51896824}"/>
-              </a:ext>
-            </a:extLst>
-          </p:cNvPr>
-          <p:cNvSpPr>
-            <a:spLocks noGrp="1"/>
-          </p:cNvSpPr>
-          <p:nvPr>
-            <p:ph type="title"/>
-          </p:nvPr>
-        </p:nvSpPr>
-        <p:spPr/>
-        <p:txBody>
-          <a:bodyPr/>
-          <a:lstStyle/>
-          <a:p>
-            <a:r>
-              <a:rPr lang="en-GB" dirty="0"/>
-              <a:t>Reflection</a:t>
-            </a:r>
-          </a:p>
-        </p:txBody>
-      </p:sp>
-      <p:sp>
-        <p:nvSpPr>
-          <p:cNvPr id="3" name="Content Placeholder 2">
-            <a:extLst>
-              <a:ext uri="{FF2B5EF4-FFF2-40B4-BE49-F238E27FC236}">
-                <a16:creationId xmlns:a16="http://schemas.microsoft.com/office/drawing/2014/main" id="{DC475B5A-5762-F6CC-9DD8-B48FB91C1925}"/>
-              </a:ext>
-            </a:extLst>
-          </p:cNvPr>
-          <p:cNvSpPr>
-            <a:spLocks noGrp="1"/>
-          </p:cNvSpPr>
-          <p:nvPr>
-            <p:ph idx="1"/>
-          </p:nvPr>
-        </p:nvSpPr>
-        <p:spPr/>
-        <p:txBody>
-          <a:bodyPr/>
-          <a:lstStyle/>
-          <a:p>
-            <a:endParaRPr lang="en-GB"/>
-          </a:p>
-        </p:txBody>
-      </p:sp>
-    </p:spTree>
-    <p:extLst>
-      <p:ext uri="{BB962C8B-B14F-4D97-AF65-F5344CB8AC3E}">
-        <p14:creationId xmlns:p14="http://schemas.microsoft.com/office/powerpoint/2010/main" val="453805289"/>
-      </p:ext>
-    </p:extLst>
-  </p:cSld>
-  <p:clrMapOvr>
-    <a:masterClrMapping/>
-  </p:clrMapOvr>
-</p:sld>
-</file>
-
-<file path=ppt/slides/slide2.xml><?xml version="1.0" encoding="utf-8"?>
-<p:sld xmlns:a="http://schemas.openxmlformats.org/drawingml/2006/main" xmlns:r="http://schemas.openxmlformats.org/officeDocument/2006/relationships" xmlns:p="http://schemas.openxmlformats.org/presentationml/2006/main">
-  <p:cSld>
-    <p:spTree>
-      <p:nvGrpSpPr>
-        <p:cNvPr id="1" name=""/>
-        <p:cNvGrpSpPr/>
-        <p:nvPr/>
-      </p:nvGrpSpPr>
-      <p:grpSpPr>
-        <a:xfrm>
-          <a:off x="0" y="0"/>
-          <a:ext cx="0" cy="0"/>
-          <a:chOff x="0" y="0"/>
-          <a:chExt cx="0" cy="0"/>
-        </a:xfrm>
-      </p:grpSpPr>
-      <p:sp>
-        <p:nvSpPr>
-          <p:cNvPr id="2" name="Title 1">
-            <a:extLst>
-              <a:ext uri="{FF2B5EF4-FFF2-40B4-BE49-F238E27FC236}">
-                <a16:creationId xmlns:a16="http://schemas.microsoft.com/office/drawing/2014/main" id="{C3F933D4-35C2-4E31-A612-8A764A5DB19A}"/>
-              </a:ext>
-            </a:extLst>
-          </p:cNvPr>
-          <p:cNvSpPr>
-            <a:spLocks noGrp="1"/>
-          </p:cNvSpPr>
-          <p:nvPr>
-            <p:ph type="title"/>
-          </p:nvPr>
-        </p:nvSpPr>
-        <p:spPr/>
-        <p:txBody>
-          <a:bodyPr/>
-          <a:lstStyle/>
-          <a:p>
-            <a:r>
-              <a:rPr lang="en-GB" dirty="0"/>
-              <a:t>Scottish Household Survey</a:t>
-            </a:r>
-          </a:p>
-        </p:txBody>
-      </p:sp>
-      <p:sp>
-        <p:nvSpPr>
-          <p:cNvPr id="3" name="Content Placeholder 2">
-            <a:extLst>
-              <a:ext uri="{FF2B5EF4-FFF2-40B4-BE49-F238E27FC236}">
-                <a16:creationId xmlns:a16="http://schemas.microsoft.com/office/drawing/2014/main" id="{003C209B-E2A6-2135-9A0F-C5D2AA48D051}"/>
-              </a:ext>
-            </a:extLst>
-          </p:cNvPr>
-          <p:cNvSpPr>
-            <a:spLocks noGrp="1"/>
-          </p:cNvSpPr>
-          <p:nvPr>
-            <p:ph idx="1"/>
-          </p:nvPr>
-        </p:nvSpPr>
-        <p:spPr/>
-        <p:txBody>
-          <a:bodyPr/>
-          <a:lstStyle/>
-          <a:p>
-            <a:pPr>
-              <a:buFont typeface="Wingdings" panose="05000000000000000000" pitchFamily="2" charset="2"/>
-              <a:buChar char="§"/>
-            </a:pPr>
-            <a:r>
-              <a:rPr lang="en-GB" dirty="0"/>
-              <a:t>Annual cross-sectional survey of random people in private residences across Scotland</a:t>
-            </a:r>
-          </a:p>
-          <a:p>
-            <a:pPr>
-              <a:buFont typeface="Wingdings" panose="05000000000000000000" pitchFamily="2" charset="2"/>
-              <a:buChar char="§"/>
-            </a:pPr>
-            <a:r>
-              <a:rPr lang="en-GB" dirty="0"/>
-              <a:t>In 2019 </a:t>
-            </a:r>
-            <a:r>
-              <a:rPr lang="en-GB" b="1" dirty="0"/>
-              <a:t>10,577</a:t>
-            </a:r>
-            <a:r>
-              <a:rPr lang="en-GB" dirty="0"/>
-              <a:t> householders agreed to take part</a:t>
-            </a:r>
-          </a:p>
-          <a:p>
-            <a:pPr>
-              <a:buFont typeface="Wingdings" panose="05000000000000000000" pitchFamily="2" charset="2"/>
-              <a:buChar char="§"/>
-            </a:pPr>
-            <a:r>
-              <a:rPr lang="en-GB" dirty="0"/>
-              <a:t>Running since 1999</a:t>
-            </a:r>
-          </a:p>
-          <a:p>
-            <a:pPr>
-              <a:buFont typeface="Wingdings" panose="05000000000000000000" pitchFamily="2" charset="2"/>
-              <a:buChar char="§"/>
-            </a:pPr>
-            <a:r>
-              <a:rPr lang="en-GB" dirty="0"/>
-              <a:t>Redesigned in 2011 and 2020</a:t>
-            </a:r>
-          </a:p>
-          <a:p>
-            <a:pPr>
-              <a:buFont typeface="Wingdings" panose="05000000000000000000" pitchFamily="2" charset="2"/>
-              <a:buChar char="§"/>
-            </a:pPr>
-            <a:r>
-              <a:rPr lang="en-GB" dirty="0"/>
-              <a:t>Aims to provide policy relevant data and be useful to stakeholders</a:t>
-            </a:r>
-          </a:p>
-        </p:txBody>
-      </p:sp>
-    </p:spTree>
-    <p:extLst>
-      <p:ext uri="{BB962C8B-B14F-4D97-AF65-F5344CB8AC3E}">
-        <p14:creationId xmlns:p14="http://schemas.microsoft.com/office/powerpoint/2010/main" val="1545199600"/>
-      </p:ext>
-    </p:extLst>
-  </p:cSld>
-  <p:clrMapOvr>
-    <a:masterClrMapping/>
-  </p:clrMapOvr>
-</p:sld>
-</file>
-
-<file path=ppt/slides/slide3.xml><?xml version="1.0" encoding="utf-8"?>
-<p:sld xmlns:a="http://schemas.openxmlformats.org/drawingml/2006/main" xmlns:r="http://schemas.openxmlformats.org/officeDocument/2006/relationships" xmlns:p="http://schemas.openxmlformats.org/presentationml/2006/main">
-  <p:cSld>
-    <p:spTree>
-      <p:nvGrpSpPr>
-        <p:cNvPr id="1" name=""/>
-        <p:cNvGrpSpPr/>
-        <p:nvPr/>
-      </p:nvGrpSpPr>
-      <p:grpSpPr>
-        <a:xfrm>
-          <a:off x="0" y="0"/>
-          <a:ext cx="0" cy="0"/>
-          <a:chOff x="0" y="0"/>
-          <a:chExt cx="0" cy="0"/>
-        </a:xfrm>
-      </p:grpSpPr>
-      <p:sp>
-        <p:nvSpPr>
-          <p:cNvPr id="2" name="Title 1">
-            <a:extLst>
-              <a:ext uri="{FF2B5EF4-FFF2-40B4-BE49-F238E27FC236}">
-                <a16:creationId xmlns:a16="http://schemas.microsoft.com/office/drawing/2014/main" id="{35C377BD-9620-BE32-683F-4B1E7EAD583F}"/>
-              </a:ext>
-            </a:extLst>
-          </p:cNvPr>
-          <p:cNvSpPr>
-            <a:spLocks noGrp="1"/>
-          </p:cNvSpPr>
-          <p:nvPr>
-            <p:ph type="title"/>
-          </p:nvPr>
-        </p:nvSpPr>
-        <p:spPr>
-          <a:xfrm>
-            <a:off x="1097280" y="286604"/>
-            <a:ext cx="10058400" cy="1421426"/>
-          </a:xfrm>
-        </p:spPr>
-        <p:txBody>
-          <a:bodyPr/>
-          <a:lstStyle/>
-          <a:p>
-            <a:r>
-              <a:rPr lang="en-GB" dirty="0"/>
-              <a:t>Definitions</a:t>
-            </a:r>
-          </a:p>
-        </p:txBody>
-      </p:sp>
-      <p:sp>
-        <p:nvSpPr>
-          <p:cNvPr id="3" name="Content Placeholder 2">
-            <a:extLst>
-              <a:ext uri="{FF2B5EF4-FFF2-40B4-BE49-F238E27FC236}">
-                <a16:creationId xmlns:a16="http://schemas.microsoft.com/office/drawing/2014/main" id="{B5E26AB3-6110-E03B-B262-85E79A7D137D}"/>
-              </a:ext>
-            </a:extLst>
-          </p:cNvPr>
-          <p:cNvSpPr>
-            <a:spLocks noGrp="1"/>
-          </p:cNvSpPr>
-          <p:nvPr>
-            <p:ph idx="1"/>
-          </p:nvPr>
-        </p:nvSpPr>
-        <p:spPr/>
-        <p:txBody>
-          <a:bodyPr>
-            <a:normAutofit lnSpcReduction="10000"/>
-          </a:bodyPr>
-          <a:lstStyle/>
-          <a:p>
-            <a:pPr>
-              <a:buFont typeface="Wingdings" panose="05000000000000000000" pitchFamily="2" charset="2"/>
-              <a:buChar char="§"/>
-            </a:pPr>
-            <a:r>
-              <a:rPr lang="en-GB" b="1" dirty="0"/>
-              <a:t>Neighbourhood rating</a:t>
-            </a:r>
-            <a:r>
-              <a:rPr lang="en-GB" dirty="0"/>
-              <a:t>: "THINKING NOW ABOUT THE NEIGHBOURHOOD YOU LIVE IN, HOW WOULD YOU RATE IT AS A PLACE TO LIVE? If pressed, define 'your neighbourhood' as: 'the street you live in and the streets nearby' (urban) or 'the local area' (rural).”</a:t>
-            </a:r>
-          </a:p>
-          <a:p>
-            <a:pPr marL="0" indent="0">
-              <a:buNone/>
-            </a:pPr>
-            <a:r>
-              <a:rPr lang="en-GB" dirty="0"/>
-              <a:t>(1) Very good   (2) Fairly good   (3) Fairly poor   (4) Very poor   No opinion</a:t>
-            </a:r>
-          </a:p>
-          <a:p>
-            <a:pPr>
-              <a:buFont typeface="Wingdings" panose="05000000000000000000" pitchFamily="2" charset="2"/>
-              <a:buChar char="§"/>
-            </a:pPr>
-            <a:r>
-              <a:rPr lang="en-GB" b="1" dirty="0"/>
-              <a:t>Community belonging</a:t>
-            </a:r>
-            <a:r>
-              <a:rPr lang="en-GB" dirty="0"/>
-              <a:t>: "HOW STRONGLY DO YOU FEEL YOU BELONG TO YOUR IMMEDIATE NEIGHBOURHOOD?“</a:t>
-            </a:r>
-          </a:p>
-          <a:p>
-            <a:pPr marL="0" indent="0">
-              <a:buNone/>
-            </a:pPr>
-            <a:r>
-              <a:rPr lang="en-GB" dirty="0"/>
-              <a:t>(1) Very strongly  (2) Fairly strongly  (3) Not very strongly  (4) Not at all strongly  Don't know</a:t>
-            </a:r>
-          </a:p>
-          <a:p>
-            <a:pPr>
-              <a:buFont typeface="Wingdings" panose="05000000000000000000" pitchFamily="2" charset="2"/>
-              <a:buChar char="§"/>
-            </a:pPr>
-            <a:r>
-              <a:rPr lang="en-GB" dirty="0"/>
-              <a:t> </a:t>
-            </a:r>
-            <a:r>
-              <a:rPr lang="en-GB" i="1" dirty="0"/>
-              <a:t>SIMD quintile</a:t>
-            </a:r>
-            <a:r>
-              <a:rPr lang="en-GB" dirty="0"/>
-              <a:t>: </a:t>
-            </a:r>
-            <a:r>
-              <a:rPr lang="en-GB" b="0" i="0" dirty="0">
-                <a:effectLst/>
-              </a:rPr>
-              <a:t>Scottish Index of Multiple Deprivation. This categorises 6,976 small areas of Scotland based on income, employment, education, health, access to services, crime, and housing.</a:t>
-            </a:r>
-          </a:p>
-          <a:p>
-            <a:pPr>
-              <a:buFont typeface="Wingdings" panose="05000000000000000000" pitchFamily="2" charset="2"/>
-              <a:buChar char="§"/>
-            </a:pPr>
-            <a:r>
-              <a:rPr lang="en-GB" i="1" dirty="0"/>
-              <a:t>Social rented</a:t>
-            </a:r>
-            <a:r>
-              <a:rPr lang="en-GB" dirty="0"/>
-              <a:t>: Managed by public authorities and housing associations with support from the Scottish Government.</a:t>
-            </a:r>
-          </a:p>
-        </p:txBody>
-      </p:sp>
-    </p:spTree>
-    <p:extLst>
-      <p:ext uri="{BB962C8B-B14F-4D97-AF65-F5344CB8AC3E}">
-        <p14:creationId xmlns:p14="http://schemas.microsoft.com/office/powerpoint/2010/main" val="2671449566"/>
-      </p:ext>
-    </p:extLst>
-  </p:cSld>
-  <p:clrMapOvr>
-    <a:masterClrMapping/>
-  </p:clrMapOvr>
-</p:sld>
-</file>
-
-<file path=ppt/slides/slide4.xml><?xml version="1.0" encoding="utf-8"?>
-<p:sld xmlns:a="http://schemas.openxmlformats.org/drawingml/2006/main" xmlns:r="http://schemas.openxmlformats.org/officeDocument/2006/relationships" xmlns:p="http://schemas.openxmlformats.org/presentationml/2006/main">
-  <p:cSld>
-    <p:spTree>
-      <p:nvGrpSpPr>
-        <p:cNvPr id="1" name=""/>
-        <p:cNvGrpSpPr/>
-        <p:nvPr/>
-      </p:nvGrpSpPr>
-      <p:grpSpPr>
-        <a:xfrm>
-          <a:off x="0" y="0"/>
-          <a:ext cx="0" cy="0"/>
-          <a:chOff x="0" y="0"/>
-          <a:chExt cx="0" cy="0"/>
-        </a:xfrm>
-      </p:grpSpPr>
-      <p:sp>
-        <p:nvSpPr>
-          <p:cNvPr id="2" name="Title 1">
-            <a:extLst>
-              <a:ext uri="{FF2B5EF4-FFF2-40B4-BE49-F238E27FC236}">
-                <a16:creationId xmlns:a16="http://schemas.microsoft.com/office/drawing/2014/main" id="{03331F46-1AE2-D1E0-45EE-5DFC66EEBB34}"/>
-              </a:ext>
-            </a:extLst>
-          </p:cNvPr>
-          <p:cNvSpPr>
-            <a:spLocks noGrp="1"/>
-          </p:cNvSpPr>
-          <p:nvPr>
-            <p:ph type="title"/>
-          </p:nvPr>
-        </p:nvSpPr>
-        <p:spPr/>
-        <p:txBody>
-          <a:bodyPr/>
-          <a:lstStyle/>
-          <a:p>
-            <a:r>
-              <a:rPr lang="en-GB" dirty="0"/>
-              <a:t>Key Questions</a:t>
-            </a:r>
-          </a:p>
-        </p:txBody>
-      </p:sp>
-      <p:sp>
-        <p:nvSpPr>
-          <p:cNvPr id="3" name="Content Placeholder 2">
-            <a:extLst>
-              <a:ext uri="{FF2B5EF4-FFF2-40B4-BE49-F238E27FC236}">
-                <a16:creationId xmlns:a16="http://schemas.microsoft.com/office/drawing/2014/main" id="{A920BE4C-E4CB-7E17-C08B-6B3EE40FCE08}"/>
-              </a:ext>
-            </a:extLst>
-          </p:cNvPr>
-          <p:cNvSpPr>
-            <a:spLocks noGrp="1"/>
-          </p:cNvSpPr>
-          <p:nvPr>
-            <p:ph idx="1"/>
-          </p:nvPr>
-        </p:nvSpPr>
-        <p:spPr/>
-        <p:txBody>
-          <a:bodyPr/>
-          <a:lstStyle/>
-          <a:p>
-            <a:pPr marL="457200" indent="-457200">
-              <a:lnSpc>
-                <a:spcPct val="300000"/>
-              </a:lnSpc>
-              <a:buFont typeface="+mj-lt"/>
-              <a:buAutoNum type="arabicPeriod"/>
-            </a:pPr>
-            <a:r>
-              <a:rPr lang="en-GB" dirty="0"/>
-              <a:t>Does access to greenspace increase neighbourhood ratings and/or community belonging?</a:t>
-            </a:r>
-          </a:p>
-          <a:p>
-            <a:pPr marL="457200" indent="-457200">
-              <a:lnSpc>
-                <a:spcPct val="300000"/>
-              </a:lnSpc>
-              <a:buFont typeface="+mj-lt"/>
-              <a:buAutoNum type="arabicPeriod"/>
-            </a:pPr>
-            <a:r>
-              <a:rPr lang="en-GB" dirty="0"/>
-              <a:t>Which areas have the best and worst ratings? Does this correlate with certain factors?</a:t>
-            </a:r>
-          </a:p>
-          <a:p>
-            <a:pPr marL="457200" indent="-457200">
-              <a:lnSpc>
-                <a:spcPct val="300000"/>
-              </a:lnSpc>
-              <a:buFont typeface="+mj-lt"/>
-              <a:buAutoNum type="arabicPeriod"/>
-            </a:pPr>
-            <a:r>
-              <a:rPr lang="en-GB" dirty="0"/>
-              <a:t>What other factors influence neighbourhood ratings and community belonging?</a:t>
-            </a:r>
-          </a:p>
-        </p:txBody>
-      </p:sp>
-    </p:spTree>
-    <p:extLst>
-      <p:ext uri="{BB962C8B-B14F-4D97-AF65-F5344CB8AC3E}">
-        <p14:creationId xmlns:p14="http://schemas.microsoft.com/office/powerpoint/2010/main" val="241634540"/>
-      </p:ext>
-    </p:extLst>
-  </p:cSld>
-  <p:clrMapOvr>
-    <a:masterClrMapping/>
-  </p:clrMapOvr>
-</p:sld>
-</file>
-
-<file path=ppt/slides/slide5.xml><?xml version="1.0" encoding="utf-8"?>
-<p:sld xmlns:a="http://schemas.openxmlformats.org/drawingml/2006/main" xmlns:r="http://schemas.openxmlformats.org/officeDocument/2006/relationships" xmlns:p="http://schemas.openxmlformats.org/presentationml/2006/main">
-  <p:cSld>
-    <p:spTree>
-      <p:nvGrpSpPr>
-        <p:cNvPr id="1" name=""/>
-        <p:cNvGrpSpPr/>
-        <p:nvPr/>
-      </p:nvGrpSpPr>
-      <p:grpSpPr>
-        <a:xfrm>
-          <a:off x="0" y="0"/>
-          <a:ext cx="0" cy="0"/>
-          <a:chOff x="0" y="0"/>
-          <a:chExt cx="0" cy="0"/>
-        </a:xfrm>
-      </p:grpSpPr>
-      <p:sp>
-        <p:nvSpPr>
-          <p:cNvPr id="2" name="Title 1">
-            <a:extLst>
-              <a:ext uri="{FF2B5EF4-FFF2-40B4-BE49-F238E27FC236}">
-                <a16:creationId xmlns:a16="http://schemas.microsoft.com/office/drawing/2014/main" id="{1C79518F-5D00-1F9F-A1DF-1EBFD9E89AC8}"/>
-              </a:ext>
-            </a:extLst>
-          </p:cNvPr>
-          <p:cNvSpPr>
-            <a:spLocks noGrp="1"/>
-          </p:cNvSpPr>
-          <p:nvPr>
-            <p:ph type="title"/>
-          </p:nvPr>
-        </p:nvSpPr>
-        <p:spPr>
-          <a:xfrm>
-            <a:off x="1097280" y="286603"/>
-            <a:ext cx="10058400" cy="1034427"/>
-          </a:xfrm>
-        </p:spPr>
-        <p:txBody>
-          <a:bodyPr/>
-          <a:lstStyle/>
-          <a:p>
-            <a:r>
-              <a:rPr lang="en-GB" dirty="0"/>
-              <a:t>Data Cleaning</a:t>
-            </a:r>
-          </a:p>
-        </p:txBody>
-      </p:sp>
-      <p:pic>
-        <p:nvPicPr>
-          <p:cNvPr id="5" name="Picture 4">
-            <a:extLst>
-              <a:ext uri="{FF2B5EF4-FFF2-40B4-BE49-F238E27FC236}">
-                <a16:creationId xmlns:a16="http://schemas.microsoft.com/office/drawing/2014/main" id="{8678A037-3A25-F7DD-A693-D8A590979358}"/>
-              </a:ext>
-            </a:extLst>
-          </p:cNvPr>
-          <p:cNvPicPr>
-            <a:picLocks noChangeAspect="1"/>
-          </p:cNvPicPr>
-          <p:nvPr/>
-        </p:nvPicPr>
-        <p:blipFill>
-          <a:blip r:embed="rId2"/>
-          <a:stretch>
-            <a:fillRect/>
-          </a:stretch>
-        </p:blipFill>
-        <p:spPr>
-          <a:xfrm>
-            <a:off x="0" y="1559033"/>
-            <a:ext cx="12192000" cy="1916883"/>
-          </a:xfrm>
-          <a:prstGeom prst="rect">
-            <a:avLst/>
-          </a:prstGeom>
-        </p:spPr>
-      </p:pic>
-      <p:sp>
-        <p:nvSpPr>
-          <p:cNvPr id="6" name="TextBox 5">
-            <a:extLst>
-              <a:ext uri="{FF2B5EF4-FFF2-40B4-BE49-F238E27FC236}">
-                <a16:creationId xmlns:a16="http://schemas.microsoft.com/office/drawing/2014/main" id="{0E36BF1D-9ECF-D5D5-B79E-4B09C4C033DC}"/>
-              </a:ext>
-            </a:extLst>
-          </p:cNvPr>
-          <p:cNvSpPr txBox="1"/>
-          <p:nvPr/>
-        </p:nvSpPr>
-        <p:spPr>
-          <a:xfrm>
-            <a:off x="1337094" y="3739507"/>
-            <a:ext cx="9116291" cy="707886"/>
-          </a:xfrm>
-          <a:prstGeom prst="rect">
-            <a:avLst/>
-          </a:prstGeom>
-          <a:noFill/>
-        </p:spPr>
-        <p:txBody>
-          <a:bodyPr wrap="square" rtlCol="0">
-            <a:spAutoFit/>
-          </a:bodyPr>
-          <a:lstStyle/>
-          <a:p>
-            <a:pPr algn="ctr"/>
-            <a:r>
-              <a:rPr lang="en-GB" sz="2000" dirty="0"/>
-              <a:t>Row 9: </a:t>
-            </a:r>
-            <a:r>
-              <a:rPr lang="en-GB" sz="2000" dirty="0">
-                <a:solidFill>
-                  <a:schemeClr val="accent2">
-                    <a:lumMod val="75000"/>
-                  </a:schemeClr>
-                </a:solidFill>
-              </a:rPr>
-              <a:t>42</a:t>
-            </a:r>
-            <a:r>
-              <a:rPr lang="en-GB" sz="2000" dirty="0">
-                <a:solidFill>
-                  <a:schemeClr val="accent2">
-                    <a:lumMod val="60000"/>
-                    <a:lumOff val="40000"/>
-                  </a:schemeClr>
-                </a:solidFill>
-              </a:rPr>
-              <a:t>%</a:t>
-            </a:r>
-            <a:r>
-              <a:rPr lang="en-GB" sz="2000" dirty="0">
-                <a:solidFill>
-                  <a:schemeClr val="accent2">
-                    <a:lumMod val="75000"/>
-                  </a:schemeClr>
-                </a:solidFill>
-              </a:rPr>
-              <a:t> </a:t>
-            </a:r>
-            <a:r>
-              <a:rPr lang="en-GB" sz="2000" dirty="0"/>
-              <a:t>of adults in </a:t>
-            </a:r>
-            <a:r>
-              <a:rPr lang="en-GB" sz="2000" dirty="0">
-                <a:solidFill>
-                  <a:schemeClr val="bg2">
-                    <a:lumMod val="75000"/>
-                  </a:schemeClr>
-                </a:solidFill>
-              </a:rPr>
-              <a:t>a particular area </a:t>
-            </a:r>
-            <a:r>
-              <a:rPr lang="en-GB" sz="2000" dirty="0"/>
-              <a:t>in </a:t>
-            </a:r>
-            <a:r>
-              <a:rPr lang="en-GB" sz="2000" dirty="0">
-                <a:solidFill>
-                  <a:schemeClr val="accent1">
-                    <a:lumMod val="60000"/>
-                    <a:lumOff val="40000"/>
-                  </a:schemeClr>
-                </a:solidFill>
-              </a:rPr>
-              <a:t>2019</a:t>
-            </a:r>
-            <a:r>
-              <a:rPr lang="en-GB" sz="2000" dirty="0"/>
-              <a:t> with </a:t>
-            </a:r>
-            <a:r>
-              <a:rPr lang="en-GB" sz="2000" dirty="0">
-                <a:solidFill>
-                  <a:schemeClr val="accent5">
-                    <a:lumMod val="75000"/>
-                  </a:schemeClr>
-                </a:solidFill>
-              </a:rPr>
-              <a:t>a walking distance of more than 10 minutes to their nearest greenspace</a:t>
-            </a:r>
-            <a:r>
-              <a:rPr lang="en-GB" sz="2000" dirty="0"/>
-              <a:t> rated their neighbourhood </a:t>
-            </a:r>
-            <a:r>
-              <a:rPr lang="en-GB" sz="2000" dirty="0">
-                <a:solidFill>
-                  <a:schemeClr val="accent6">
-                    <a:lumMod val="75000"/>
-                  </a:schemeClr>
-                </a:solidFill>
-              </a:rPr>
-              <a:t>“Very good”.</a:t>
-            </a:r>
-          </a:p>
-        </p:txBody>
-      </p:sp>
-      <p:sp>
-        <p:nvSpPr>
-          <p:cNvPr id="7" name="Rectangle 6">
-            <a:extLst>
-              <a:ext uri="{FF2B5EF4-FFF2-40B4-BE49-F238E27FC236}">
-                <a16:creationId xmlns:a16="http://schemas.microsoft.com/office/drawing/2014/main" id="{51AF3587-D941-E2CB-4572-0FB04A419C77}"/>
-              </a:ext>
-            </a:extLst>
-          </p:cNvPr>
-          <p:cNvSpPr/>
-          <p:nvPr/>
-        </p:nvSpPr>
-        <p:spPr>
-          <a:xfrm>
-            <a:off x="3907766" y="3269412"/>
-            <a:ext cx="448575" cy="200666"/>
-          </a:xfrm>
-          <a:prstGeom prst="rect">
-            <a:avLst/>
-          </a:prstGeom>
-          <a:noFill/>
-          <a:ln w="57150">
-            <a:solidFill>
-              <a:schemeClr val="accent2">
-                <a:lumMod val="75000"/>
-              </a:schemeClr>
-            </a:solidFill>
-          </a:ln>
-        </p:spPr>
-        <p:style>
-          <a:lnRef idx="2">
-            <a:schemeClr val="accent1">
-              <a:shade val="15000"/>
-            </a:schemeClr>
-          </a:lnRef>
-          <a:fillRef idx="1">
-            <a:schemeClr val="accent1"/>
-          </a:fillRef>
-          <a:effectRef idx="0">
-            <a:schemeClr val="accent1"/>
-          </a:effectRef>
-          <a:fontRef idx="minor">
-            <a:schemeClr val="lt1"/>
-          </a:fontRef>
-        </p:style>
-        <p:txBody>
-          <a:bodyPr rtlCol="0" anchor="ctr"/>
-          <a:lstStyle/>
-          <a:p>
-            <a:pPr algn="ctr"/>
-            <a:endParaRPr lang="en-GB"/>
-          </a:p>
-        </p:txBody>
-      </p:sp>
-      <p:sp>
-        <p:nvSpPr>
-          <p:cNvPr id="8" name="Rectangle 7">
-            <a:extLst>
-              <a:ext uri="{FF2B5EF4-FFF2-40B4-BE49-F238E27FC236}">
-                <a16:creationId xmlns:a16="http://schemas.microsoft.com/office/drawing/2014/main" id="{231A59BD-1F70-EA91-6346-038B9DC41ADA}"/>
-              </a:ext>
-            </a:extLst>
-          </p:cNvPr>
-          <p:cNvSpPr/>
-          <p:nvPr/>
-        </p:nvSpPr>
-        <p:spPr>
-          <a:xfrm>
-            <a:off x="1682151" y="3255351"/>
-            <a:ext cx="379563" cy="206505"/>
-          </a:xfrm>
-          <a:prstGeom prst="rect">
-            <a:avLst/>
-          </a:prstGeom>
-          <a:noFill/>
-          <a:ln w="57150">
-            <a:solidFill>
-              <a:schemeClr val="accent2">
-                <a:lumMod val="60000"/>
-                <a:lumOff val="40000"/>
-              </a:schemeClr>
-            </a:solidFill>
-          </a:ln>
-        </p:spPr>
-        <p:style>
-          <a:lnRef idx="2">
-            <a:schemeClr val="accent1">
-              <a:shade val="15000"/>
-            </a:schemeClr>
-          </a:lnRef>
-          <a:fillRef idx="1">
-            <a:schemeClr val="accent1"/>
-          </a:fillRef>
-          <a:effectRef idx="0">
-            <a:schemeClr val="accent1"/>
-          </a:effectRef>
-          <a:fontRef idx="minor">
-            <a:schemeClr val="lt1"/>
-          </a:fontRef>
-        </p:style>
-        <p:txBody>
-          <a:bodyPr rtlCol="0" anchor="ctr"/>
-          <a:lstStyle/>
-          <a:p>
-            <a:pPr algn="ctr"/>
-            <a:endParaRPr lang="en-GB"/>
-          </a:p>
-        </p:txBody>
-      </p:sp>
-      <p:sp>
-        <p:nvSpPr>
-          <p:cNvPr id="9" name="Rectangle 8">
-            <a:extLst>
-              <a:ext uri="{FF2B5EF4-FFF2-40B4-BE49-F238E27FC236}">
-                <a16:creationId xmlns:a16="http://schemas.microsoft.com/office/drawing/2014/main" id="{30FDDDBC-E669-2DA1-86AD-84504810A366}"/>
-              </a:ext>
-            </a:extLst>
-          </p:cNvPr>
-          <p:cNvSpPr/>
-          <p:nvPr/>
-        </p:nvSpPr>
-        <p:spPr>
-          <a:xfrm>
-            <a:off x="1302588" y="3255352"/>
-            <a:ext cx="379563" cy="206505"/>
-          </a:xfrm>
-          <a:prstGeom prst="rect">
-            <a:avLst/>
-          </a:prstGeom>
-          <a:noFill/>
-          <a:ln w="57150">
-            <a:solidFill>
-              <a:schemeClr val="accent1">
-                <a:lumMod val="60000"/>
-                <a:lumOff val="40000"/>
-              </a:schemeClr>
-            </a:solidFill>
-          </a:ln>
-        </p:spPr>
-        <p:style>
-          <a:lnRef idx="2">
-            <a:schemeClr val="accent1">
-              <a:shade val="15000"/>
-            </a:schemeClr>
-          </a:lnRef>
-          <a:fillRef idx="1">
-            <a:schemeClr val="accent1"/>
-          </a:fillRef>
-          <a:effectRef idx="0">
-            <a:schemeClr val="accent1"/>
-          </a:effectRef>
-          <a:fontRef idx="minor">
-            <a:schemeClr val="lt1"/>
-          </a:fontRef>
-        </p:style>
-        <p:txBody>
-          <a:bodyPr rtlCol="0" anchor="ctr"/>
-          <a:lstStyle/>
-          <a:p>
-            <a:pPr algn="ctr"/>
-            <a:endParaRPr lang="en-GB"/>
-          </a:p>
-        </p:txBody>
-      </p:sp>
-      <p:sp>
-        <p:nvSpPr>
-          <p:cNvPr id="10" name="Rectangle 9">
-            <a:extLst>
-              <a:ext uri="{FF2B5EF4-FFF2-40B4-BE49-F238E27FC236}">
-                <a16:creationId xmlns:a16="http://schemas.microsoft.com/office/drawing/2014/main" id="{BC5F5E9A-7F2E-45D9-05F9-B6525959FEE8}"/>
-              </a:ext>
-            </a:extLst>
-          </p:cNvPr>
-          <p:cNvSpPr/>
-          <p:nvPr/>
-        </p:nvSpPr>
-        <p:spPr>
-          <a:xfrm>
-            <a:off x="241540" y="3275251"/>
-            <a:ext cx="596660" cy="200666"/>
-          </a:xfrm>
-          <a:prstGeom prst="rect">
-            <a:avLst/>
-          </a:prstGeom>
-          <a:noFill/>
-          <a:ln w="57150">
-            <a:solidFill>
-              <a:schemeClr val="bg2">
-                <a:lumMod val="75000"/>
-              </a:schemeClr>
-            </a:solidFill>
-          </a:ln>
-        </p:spPr>
-        <p:style>
-          <a:lnRef idx="2">
-            <a:schemeClr val="accent1">
-              <a:shade val="15000"/>
-            </a:schemeClr>
-          </a:lnRef>
-          <a:fillRef idx="1">
-            <a:schemeClr val="accent1"/>
-          </a:fillRef>
-          <a:effectRef idx="0">
-            <a:schemeClr val="accent1"/>
-          </a:effectRef>
-          <a:fontRef idx="minor">
-            <a:schemeClr val="lt1"/>
-          </a:fontRef>
-        </p:style>
-        <p:txBody>
-          <a:bodyPr rtlCol="0" anchor="ctr"/>
-          <a:lstStyle/>
-          <a:p>
-            <a:pPr algn="ctr"/>
-            <a:endParaRPr lang="en-GB"/>
-          </a:p>
-        </p:txBody>
-      </p:sp>
-      <p:sp>
-        <p:nvSpPr>
-          <p:cNvPr id="11" name="Rectangle 10">
-            <a:extLst>
-              <a:ext uri="{FF2B5EF4-FFF2-40B4-BE49-F238E27FC236}">
-                <a16:creationId xmlns:a16="http://schemas.microsoft.com/office/drawing/2014/main" id="{2ADB50D6-23A9-5EA5-D768-713A4BC867CA}"/>
-              </a:ext>
-            </a:extLst>
-          </p:cNvPr>
-          <p:cNvSpPr/>
-          <p:nvPr/>
-        </p:nvSpPr>
-        <p:spPr>
-          <a:xfrm>
-            <a:off x="4356341" y="3269411"/>
-            <a:ext cx="474453" cy="206505"/>
-          </a:xfrm>
-          <a:prstGeom prst="rect">
-            <a:avLst/>
-          </a:prstGeom>
-          <a:noFill/>
-          <a:ln w="57150">
-            <a:solidFill>
-              <a:schemeClr val="accent6">
-                <a:lumMod val="75000"/>
-              </a:schemeClr>
-            </a:solidFill>
-          </a:ln>
-        </p:spPr>
-        <p:style>
-          <a:lnRef idx="2">
-            <a:schemeClr val="accent1">
-              <a:shade val="15000"/>
-            </a:schemeClr>
-          </a:lnRef>
-          <a:fillRef idx="1">
-            <a:schemeClr val="accent1"/>
-          </a:fillRef>
-          <a:effectRef idx="0">
-            <a:schemeClr val="accent1"/>
-          </a:effectRef>
-          <a:fontRef idx="minor">
-            <a:schemeClr val="lt1"/>
-          </a:fontRef>
-        </p:style>
-        <p:txBody>
-          <a:bodyPr rtlCol="0" anchor="ctr"/>
-          <a:lstStyle/>
-          <a:p>
-            <a:pPr algn="ctr"/>
-            <a:endParaRPr lang="en-GB"/>
-          </a:p>
-        </p:txBody>
-      </p:sp>
-      <p:sp>
-        <p:nvSpPr>
-          <p:cNvPr id="12" name="Rectangle 11">
-            <a:extLst>
-              <a:ext uri="{FF2B5EF4-FFF2-40B4-BE49-F238E27FC236}">
-                <a16:creationId xmlns:a16="http://schemas.microsoft.com/office/drawing/2014/main" id="{C5E03671-D691-EC9A-30C3-12BFA38A6F7F}"/>
-              </a:ext>
-            </a:extLst>
-          </p:cNvPr>
-          <p:cNvSpPr/>
-          <p:nvPr/>
-        </p:nvSpPr>
-        <p:spPr>
-          <a:xfrm>
-            <a:off x="10372436" y="3271989"/>
-            <a:ext cx="981364" cy="206505"/>
-          </a:xfrm>
-          <a:prstGeom prst="rect">
-            <a:avLst/>
-          </a:prstGeom>
-          <a:noFill/>
-          <a:ln w="57150">
-            <a:solidFill>
-              <a:schemeClr val="accent5">
-                <a:lumMod val="75000"/>
-              </a:schemeClr>
-            </a:solidFill>
-          </a:ln>
-        </p:spPr>
-        <p:style>
-          <a:lnRef idx="2">
-            <a:schemeClr val="accent1">
-              <a:shade val="15000"/>
-            </a:schemeClr>
-          </a:lnRef>
-          <a:fillRef idx="1">
-            <a:schemeClr val="accent1"/>
-          </a:fillRef>
-          <a:effectRef idx="0">
-            <a:schemeClr val="accent1"/>
-          </a:effectRef>
-          <a:fontRef idx="minor">
-            <a:schemeClr val="lt1"/>
-          </a:fontRef>
-        </p:style>
-        <p:txBody>
-          <a:bodyPr rtlCol="0" anchor="ctr"/>
-          <a:lstStyle/>
-          <a:p>
-            <a:pPr algn="ctr"/>
-            <a:endParaRPr lang="en-GB"/>
-          </a:p>
-        </p:txBody>
-      </p:sp>
-      <p:sp>
-        <p:nvSpPr>
-          <p:cNvPr id="23" name="Multiplication Sign 22">
-            <a:extLst>
-              <a:ext uri="{FF2B5EF4-FFF2-40B4-BE49-F238E27FC236}">
-                <a16:creationId xmlns:a16="http://schemas.microsoft.com/office/drawing/2014/main" id="{F79835EF-A6D3-C8FA-6A59-68C8EB6CBBC7}"/>
-              </a:ext>
-            </a:extLst>
-          </p:cNvPr>
-          <p:cNvSpPr/>
-          <p:nvPr/>
-        </p:nvSpPr>
-        <p:spPr>
-          <a:xfrm>
-            <a:off x="3068431" y="1485637"/>
-            <a:ext cx="923027" cy="2058012"/>
-          </a:xfrm>
-          <a:prstGeom prst="mathMultiply">
-            <a:avLst/>
-          </a:prstGeom>
-          <a:solidFill>
-            <a:srgbClr val="FF0000"/>
-          </a:solidFill>
-          <a:ln>
-            <a:solidFill>
-              <a:srgbClr val="C00000"/>
-            </a:solidFill>
-          </a:ln>
-        </p:spPr>
-        <p:style>
-          <a:lnRef idx="2">
-            <a:schemeClr val="accent1">
-              <a:shade val="15000"/>
-            </a:schemeClr>
-          </a:lnRef>
-          <a:fillRef idx="1">
-            <a:schemeClr val="accent1"/>
-          </a:fillRef>
-          <a:effectRef idx="0">
-            <a:schemeClr val="accent1"/>
-          </a:effectRef>
-          <a:fontRef idx="minor">
-            <a:schemeClr val="lt1"/>
-          </a:fontRef>
-        </p:style>
-        <p:txBody>
-          <a:bodyPr rtlCol="0" anchor="ctr"/>
-          <a:lstStyle/>
-          <a:p>
-            <a:pPr algn="ctr"/>
-            <a:endParaRPr lang="en-GB" dirty="0"/>
-          </a:p>
-        </p:txBody>
-      </p:sp>
-      <p:sp>
-        <p:nvSpPr>
-          <p:cNvPr id="24" name="Rectangle 23">
-            <a:extLst>
-              <a:ext uri="{FF2B5EF4-FFF2-40B4-BE49-F238E27FC236}">
-                <a16:creationId xmlns:a16="http://schemas.microsoft.com/office/drawing/2014/main" id="{6515246D-D44B-2541-2B5F-2A3B434F018A}"/>
-              </a:ext>
-            </a:extLst>
-          </p:cNvPr>
-          <p:cNvSpPr/>
-          <p:nvPr/>
-        </p:nvSpPr>
-        <p:spPr>
-          <a:xfrm>
-            <a:off x="5478382" y="1584621"/>
-            <a:ext cx="6713617" cy="206505"/>
-          </a:xfrm>
-          <a:prstGeom prst="rect">
-            <a:avLst/>
-          </a:prstGeom>
-          <a:noFill/>
-          <a:ln w="57150">
-            <a:solidFill>
-              <a:schemeClr val="accent6">
-                <a:lumMod val="60000"/>
-                <a:lumOff val="40000"/>
-              </a:schemeClr>
-            </a:solidFill>
-          </a:ln>
-        </p:spPr>
-        <p:style>
-          <a:lnRef idx="2">
-            <a:schemeClr val="accent1">
-              <a:shade val="15000"/>
-            </a:schemeClr>
-          </a:lnRef>
-          <a:fillRef idx="1">
-            <a:schemeClr val="accent1"/>
-          </a:fillRef>
-          <a:effectRef idx="0">
-            <a:schemeClr val="accent1"/>
-          </a:effectRef>
-          <a:fontRef idx="minor">
-            <a:schemeClr val="lt1"/>
-          </a:fontRef>
-        </p:style>
-        <p:txBody>
-          <a:bodyPr rtlCol="0" anchor="ctr"/>
-          <a:lstStyle/>
-          <a:p>
-            <a:pPr algn="ctr"/>
-            <a:endParaRPr lang="en-GB"/>
-          </a:p>
-        </p:txBody>
-      </p:sp>
-      <p:sp>
-        <p:nvSpPr>
-          <p:cNvPr id="25" name="TextBox 24">
-            <a:extLst>
-              <a:ext uri="{FF2B5EF4-FFF2-40B4-BE49-F238E27FC236}">
-                <a16:creationId xmlns:a16="http://schemas.microsoft.com/office/drawing/2014/main" id="{E02C6388-C1A0-0B6C-53D6-F598642517BF}"/>
-              </a:ext>
-            </a:extLst>
-          </p:cNvPr>
-          <p:cNvSpPr txBox="1"/>
-          <p:nvPr/>
-        </p:nvSpPr>
-        <p:spPr>
-          <a:xfrm>
-            <a:off x="1043796" y="4865298"/>
-            <a:ext cx="9946257" cy="1200329"/>
-          </a:xfrm>
-          <a:prstGeom prst="rect">
-            <a:avLst/>
-          </a:prstGeom>
-          <a:noFill/>
-        </p:spPr>
-        <p:txBody>
-          <a:bodyPr wrap="square" rtlCol="0">
-            <a:spAutoFit/>
-          </a:bodyPr>
-          <a:lstStyle/>
-          <a:p>
-            <a:pPr algn="ctr"/>
-            <a:r>
-              <a:rPr lang="en-GB" dirty="0"/>
-              <a:t>STEPS</a:t>
-            </a:r>
-          </a:p>
-          <a:p>
-            <a:pPr marL="342900" indent="-342900">
-              <a:buAutoNum type="arabicPeriod"/>
-            </a:pPr>
-            <a:r>
-              <a:rPr lang="en-GB" dirty="0"/>
-              <a:t>Join council area names based on feature code</a:t>
-            </a:r>
-          </a:p>
-          <a:p>
-            <a:pPr marL="342900" indent="-342900">
-              <a:buAutoNum type="arabicPeriod"/>
-            </a:pPr>
-            <a:r>
-              <a:rPr lang="en-GB" dirty="0"/>
-              <a:t>Factor the neighbourhood ratings</a:t>
-            </a:r>
-          </a:p>
-          <a:p>
-            <a:pPr marL="342900" indent="-342900">
-              <a:buAutoNum type="arabicPeriod"/>
-            </a:pPr>
-            <a:r>
-              <a:rPr lang="en-GB" dirty="0"/>
-              <a:t>Create a column to calculate a score for each row based on the rating and value</a:t>
-            </a:r>
-          </a:p>
-        </p:txBody>
-      </p:sp>
-    </p:spTree>
-    <p:extLst>
-      <p:ext uri="{BB962C8B-B14F-4D97-AF65-F5344CB8AC3E}">
-        <p14:creationId xmlns:p14="http://schemas.microsoft.com/office/powerpoint/2010/main" val="2418415632"/>
-      </p:ext>
-    </p:extLst>
-  </p:cSld>
-  <p:clrMapOvr>
-    <a:masterClrMapping/>
-  </p:clrMapOvr>
-  <p:timing>
-    <p:tnLst>
-      <p:par>
-        <p:cTn id="1" dur="indefinite" restart="never" nodeType="tmRoot">
-          <p:childTnLst>
-            <p:seq concurrent="1" nextAc="seek">
-              <p:cTn id="2" dur="indefinite" nodeType="mainSeq">
-                <p:childTnLst>
-                  <p:par>
-                    <p:cTn id="3" fill="hold">
-                      <p:stCondLst>
-                        <p:cond delay="indefinite"/>
-                      </p:stCondLst>
-                      <p:childTnLst>
-                        <p:par>
-                          <p:cTn id="4" fill="hold">
-                            <p:stCondLst>
-                              <p:cond delay="0"/>
-                            </p:stCondLst>
-                            <p:childTnLst>
-                              <p:par>
-                                <p:cTn id="5" presetID="1" presetClass="entr" presetSubtype="0" fill="hold" grpId="0" nodeType="clickEffect">
-                                  <p:stCondLst>
-                                    <p:cond delay="0"/>
-                                  </p:stCondLst>
-                                  <p:childTnLst>
-                                    <p:set>
-                                      <p:cBhvr>
-                                        <p:cTn id="6" dur="1" fill="hold">
-                                          <p:stCondLst>
-                                            <p:cond delay="0"/>
-                                          </p:stCondLst>
-                                        </p:cTn>
-                                        <p:tgtEl>
-                                          <p:spTgt spid="23"/>
-                                        </p:tgtEl>
-                                        <p:attrNameLst>
-                                          <p:attrName>style.visibility</p:attrName>
-                                        </p:attrNameLst>
-                                      </p:cBhvr>
-                                      <p:to>
-                                        <p:strVal val="visible"/>
-                                      </p:to>
-                                    </p:set>
-                                  </p:childTnLst>
-                                </p:cTn>
-                              </p:par>
-                            </p:childTnLst>
-                          </p:cTn>
-                        </p:par>
-                      </p:childTnLst>
-                    </p:cTn>
-                  </p:par>
-                  <p:par>
-                    <p:cTn id="7" fill="hold">
-                      <p:stCondLst>
-                        <p:cond delay="indefinite"/>
-                      </p:stCondLst>
-                      <p:childTnLst>
-                        <p:par>
-                          <p:cTn id="8" fill="hold">
-                            <p:stCondLst>
-                              <p:cond delay="0"/>
-                            </p:stCondLst>
-                            <p:childTnLst>
-                              <p:par>
-                                <p:cTn id="9" presetID="1" presetClass="entr" presetSubtype="0" fill="hold" grpId="0" nodeType="clickEffect">
-                                  <p:stCondLst>
-                                    <p:cond delay="0"/>
-                                  </p:stCondLst>
-                                  <p:childTnLst>
-                                    <p:set>
-                                      <p:cBhvr>
-                                        <p:cTn id="10" dur="1" fill="hold">
-                                          <p:stCondLst>
-                                            <p:cond delay="0"/>
-                                          </p:stCondLst>
-                                        </p:cTn>
-                                        <p:tgtEl>
-                                          <p:spTgt spid="24"/>
-                                        </p:tgtEl>
-                                        <p:attrNameLst>
-                                          <p:attrName>style.visibility</p:attrName>
-                                        </p:attrNameLst>
-                                      </p:cBhvr>
-                                      <p:to>
-                                        <p:strVal val="visible"/>
-                                      </p:to>
-                                    </p:set>
-                                  </p:childTnLst>
-                                </p:cTn>
-                              </p:par>
-                            </p:childTnLst>
-                          </p:cTn>
-                        </p:par>
-                      </p:childTnLst>
-                    </p:cTn>
-                  </p:par>
-                </p:childTnLst>
-              </p:cTn>
-              <p:prevCondLst>
-                <p:cond evt="onPrev" delay="0">
-                  <p:tgtEl>
-                    <p:sldTgt/>
-                  </p:tgtEl>
-                </p:cond>
-              </p:prevCondLst>
-              <p:nextCondLst>
-                <p:cond evt="onNext" delay="0">
-                  <p:tgtEl>
-                    <p:sldTgt/>
-                  </p:tgtEl>
-                </p:cond>
-              </p:nextCondLst>
-            </p:seq>
-          </p:childTnLst>
-        </p:cTn>
-      </p:par>
-    </p:tnLst>
-    <p:bldLst>
-      <p:bldP spid="23" grpId="0" animBg="1"/>
-      <p:bldP spid="24" grpId="0" animBg="1"/>
-    </p:bldLst>
-  </p:timing>
-</p:sld>
-</file>
-
-<file path=ppt/slides/slide6.xml><?xml version="1.0" encoding="utf-8"?>
-<p:sld xmlns:a="http://schemas.openxmlformats.org/drawingml/2006/main" xmlns:r="http://schemas.openxmlformats.org/officeDocument/2006/relationships" xmlns:p="http://schemas.openxmlformats.org/presentationml/2006/main">
-  <p:cSld>
-    <p:spTree>
-      <p:nvGrpSpPr>
-        <p:cNvPr id="1" name=""/>
-        <p:cNvGrpSpPr/>
-        <p:nvPr/>
-      </p:nvGrpSpPr>
-      <p:grpSpPr>
-        <a:xfrm>
-          <a:off x="0" y="0"/>
-          <a:ext cx="0" cy="0"/>
-          <a:chOff x="0" y="0"/>
-          <a:chExt cx="0" cy="0"/>
-        </a:xfrm>
-      </p:grpSpPr>
-      <p:sp>
-        <p:nvSpPr>
-          <p:cNvPr id="2" name="Title 1">
-            <a:extLst>
-              <a:ext uri="{FF2B5EF4-FFF2-40B4-BE49-F238E27FC236}">
-                <a16:creationId xmlns:a16="http://schemas.microsoft.com/office/drawing/2014/main" id="{1E03AA5D-DDCA-6C68-21D2-669F2BD82EA2}"/>
-              </a:ext>
-            </a:extLst>
-          </p:cNvPr>
-          <p:cNvSpPr>
-            <a:spLocks noGrp="1"/>
-          </p:cNvSpPr>
-          <p:nvPr>
-            <p:ph type="title"/>
-          </p:nvPr>
-        </p:nvSpPr>
-        <p:spPr>
-          <a:xfrm>
-            <a:off x="1097280" y="286604"/>
-            <a:ext cx="10058400" cy="946974"/>
-          </a:xfrm>
-        </p:spPr>
-        <p:txBody>
-          <a:bodyPr>
-            <a:noAutofit/>
-          </a:bodyPr>
-          <a:lstStyle/>
-          <a:p>
-            <a:r>
-              <a:rPr lang="en-GB" sz="3200" dirty="0"/>
-              <a:t>Does Access to Greenspace Impact Community Belonging?</a:t>
-            </a:r>
-          </a:p>
-        </p:txBody>
-      </p:sp>
-      <p:pic>
-        <p:nvPicPr>
-          <p:cNvPr id="7" name="Picture 6" descr="A graph of a number of people&#10;&#10;Description automatically generated with medium confidence">
-            <a:extLst>
-              <a:ext uri="{FF2B5EF4-FFF2-40B4-BE49-F238E27FC236}">
-                <a16:creationId xmlns:a16="http://schemas.microsoft.com/office/drawing/2014/main" id="{F206DE77-6DBB-AE45-2DAE-308442697B11}"/>
-              </a:ext>
-            </a:extLst>
-          </p:cNvPr>
-          <p:cNvPicPr>
-            <a:picLocks noChangeAspect="1"/>
-          </p:cNvPicPr>
-          <p:nvPr/>
-        </p:nvPicPr>
-        <p:blipFill>
-          <a:blip r:embed="rId2">
-            <a:extLst>
-              <a:ext uri="{28A0092B-C50C-407E-A947-70E740481C1C}">
-                <a14:useLocalDpi xmlns:a14="http://schemas.microsoft.com/office/drawing/2010/main" val="0"/>
-              </a:ext>
-            </a:extLst>
-          </a:blip>
-          <a:stretch>
-            <a:fillRect/>
-          </a:stretch>
-        </p:blipFill>
-        <p:spPr>
-          <a:xfrm>
-            <a:off x="804896" y="1679566"/>
-            <a:ext cx="6759686" cy="4169554"/>
-          </a:xfrm>
-          <a:prstGeom prst="rect">
-            <a:avLst/>
-          </a:prstGeom>
-        </p:spPr>
-      </p:pic>
-      <p:pic>
-        <p:nvPicPr>
-          <p:cNvPr id="9" name="Picture 8">
-            <a:extLst>
-              <a:ext uri="{FF2B5EF4-FFF2-40B4-BE49-F238E27FC236}">
-                <a16:creationId xmlns:a16="http://schemas.microsoft.com/office/drawing/2014/main" id="{3D2E53E2-A482-E71F-F0EE-752BED2D4639}"/>
-              </a:ext>
-            </a:extLst>
-          </p:cNvPr>
-          <p:cNvPicPr>
-            <a:picLocks noChangeAspect="1"/>
-          </p:cNvPicPr>
-          <p:nvPr/>
-        </p:nvPicPr>
-        <p:blipFill rotWithShape="1">
-          <a:blip r:embed="rId3"/>
-          <a:srcRect t="1965"/>
-          <a:stretch/>
-        </p:blipFill>
-        <p:spPr>
-          <a:xfrm>
-            <a:off x="7634936" y="2106692"/>
-            <a:ext cx="4379764" cy="3225993"/>
-          </a:xfrm>
-          <a:prstGeom prst="rect">
-            <a:avLst/>
-          </a:prstGeom>
-        </p:spPr>
-      </p:pic>
-      <p:sp>
-        <p:nvSpPr>
-          <p:cNvPr id="10" name="TextBox 9">
-            <a:extLst>
-              <a:ext uri="{FF2B5EF4-FFF2-40B4-BE49-F238E27FC236}">
-                <a16:creationId xmlns:a16="http://schemas.microsoft.com/office/drawing/2014/main" id="{A7AD97AF-3BF4-32FF-7486-13B9891DD86E}"/>
-              </a:ext>
-            </a:extLst>
-          </p:cNvPr>
-          <p:cNvSpPr txBox="1"/>
-          <p:nvPr/>
-        </p:nvSpPr>
-        <p:spPr>
-          <a:xfrm>
-            <a:off x="7564582" y="1737360"/>
-            <a:ext cx="4379764" cy="369332"/>
-          </a:xfrm>
-          <a:prstGeom prst="rect">
-            <a:avLst/>
-          </a:prstGeom>
-          <a:noFill/>
-        </p:spPr>
-        <p:txBody>
-          <a:bodyPr wrap="square" rtlCol="0">
-            <a:spAutoFit/>
-          </a:bodyPr>
-          <a:lstStyle/>
-          <a:p>
-            <a:r>
-              <a:rPr lang="en-GB" dirty="0"/>
-              <a:t>Function to create visualisations</a:t>
-            </a:r>
-          </a:p>
-        </p:txBody>
-      </p:sp>
-      <p:sp>
-        <p:nvSpPr>
-          <p:cNvPr id="11" name="TextBox 10">
-            <a:extLst>
-              <a:ext uri="{FF2B5EF4-FFF2-40B4-BE49-F238E27FC236}">
-                <a16:creationId xmlns:a16="http://schemas.microsoft.com/office/drawing/2014/main" id="{8D5A3B88-9EFB-B6BA-E87B-4F7273339299}"/>
-              </a:ext>
-            </a:extLst>
-          </p:cNvPr>
-          <p:cNvSpPr txBox="1"/>
-          <p:nvPr/>
-        </p:nvSpPr>
-        <p:spPr>
-          <a:xfrm>
-            <a:off x="5412508" y="1169418"/>
-            <a:ext cx="1911927" cy="923330"/>
-          </a:xfrm>
-          <a:prstGeom prst="rect">
-            <a:avLst/>
-          </a:prstGeom>
-          <a:noFill/>
-        </p:spPr>
-        <p:txBody>
-          <a:bodyPr wrap="square" rtlCol="0">
-            <a:spAutoFit/>
-          </a:bodyPr>
-          <a:lstStyle/>
-          <a:p>
-            <a:r>
-              <a:rPr lang="en-GB" i="1" dirty="0">
-                <a:solidFill>
-                  <a:srgbClr val="FF0000"/>
-                </a:solidFill>
-              </a:rPr>
-              <a:t>Walking distance to nearest greenspace</a:t>
-            </a:r>
-          </a:p>
-        </p:txBody>
-      </p:sp>
-      <p:cxnSp>
-        <p:nvCxnSpPr>
-          <p:cNvPr id="13" name="Straight Arrow Connector 12">
-            <a:extLst>
-              <a:ext uri="{FF2B5EF4-FFF2-40B4-BE49-F238E27FC236}">
-                <a16:creationId xmlns:a16="http://schemas.microsoft.com/office/drawing/2014/main" id="{638DA13F-E1D6-B364-FA03-FBD6D59E9D09}"/>
-              </a:ext>
-            </a:extLst>
-          </p:cNvPr>
-          <p:cNvCxnSpPr>
-            <a:cxnSpLocks/>
-          </p:cNvCxnSpPr>
-          <p:nvPr/>
-        </p:nvCxnSpPr>
-        <p:spPr>
-          <a:xfrm>
-            <a:off x="6096000" y="2092748"/>
-            <a:ext cx="0" cy="667705"/>
-          </a:xfrm>
-          <a:prstGeom prst="straightConnector1">
-            <a:avLst/>
-          </a:prstGeom>
-          <a:ln>
-            <a:tailEnd type="triangle"/>
-          </a:ln>
-        </p:spPr>
-        <p:style>
-          <a:lnRef idx="1">
-            <a:schemeClr val="dk1"/>
-          </a:lnRef>
-          <a:fillRef idx="0">
-            <a:schemeClr val="dk1"/>
-          </a:fillRef>
-          <a:effectRef idx="0">
-            <a:schemeClr val="dk1"/>
-          </a:effectRef>
-          <a:fontRef idx="minor">
-            <a:schemeClr val="tx1"/>
-          </a:fontRef>
-        </p:style>
-      </p:cxnSp>
-    </p:spTree>
-    <p:extLst>
-      <p:ext uri="{BB962C8B-B14F-4D97-AF65-F5344CB8AC3E}">
-        <p14:creationId xmlns:p14="http://schemas.microsoft.com/office/powerpoint/2010/main" val="4227624480"/>
-      </p:ext>
-    </p:extLst>
-  </p:cSld>
-  <p:clrMapOvr>
-    <a:masterClrMapping/>
-  </p:clrMapOvr>
-</p:sld>
-</file>
-
-<file path=ppt/slides/slide7.xml><?xml version="1.0" encoding="utf-8"?>
-<p:sld xmlns:a="http://schemas.openxmlformats.org/drawingml/2006/main" xmlns:r="http://schemas.openxmlformats.org/officeDocument/2006/relationships" xmlns:p="http://schemas.openxmlformats.org/presentationml/2006/main">
-  <p:cSld>
-    <p:spTree>
-      <p:nvGrpSpPr>
-        <p:cNvPr id="1" name=""/>
-        <p:cNvGrpSpPr/>
-        <p:nvPr/>
-      </p:nvGrpSpPr>
-      <p:grpSpPr>
-        <a:xfrm>
-          <a:off x="0" y="0"/>
-          <a:ext cx="0" cy="0"/>
-          <a:chOff x="0" y="0"/>
-          <a:chExt cx="0" cy="0"/>
-        </a:xfrm>
-      </p:grpSpPr>
-      <p:sp>
-        <p:nvSpPr>
-          <p:cNvPr id="2" name="Title 1">
-            <a:extLst>
-              <a:ext uri="{FF2B5EF4-FFF2-40B4-BE49-F238E27FC236}">
-                <a16:creationId xmlns:a16="http://schemas.microsoft.com/office/drawing/2014/main" id="{48FF0A96-8B70-355F-B3E0-3E878F3C83C8}"/>
-              </a:ext>
-            </a:extLst>
-          </p:cNvPr>
-          <p:cNvSpPr>
-            <a:spLocks noGrp="1"/>
-          </p:cNvSpPr>
-          <p:nvPr>
-            <p:ph type="title"/>
-          </p:nvPr>
-        </p:nvSpPr>
-        <p:spPr>
-          <a:xfrm>
-            <a:off x="1097280" y="286603"/>
-            <a:ext cx="10058400" cy="886415"/>
-          </a:xfrm>
-        </p:spPr>
-        <p:txBody>
-          <a:bodyPr/>
-          <a:lstStyle/>
-          <a:p>
-            <a:r>
-              <a:rPr lang="en-GB" dirty="0"/>
-              <a:t>R Shiny App</a:t>
-            </a:r>
-          </a:p>
-        </p:txBody>
-      </p:sp>
-      <p:sp>
-        <p:nvSpPr>
-          <p:cNvPr id="7" name="Content Placeholder 6">
-            <a:extLst>
-              <a:ext uri="{FF2B5EF4-FFF2-40B4-BE49-F238E27FC236}">
-                <a16:creationId xmlns:a16="http://schemas.microsoft.com/office/drawing/2014/main" id="{E7BBEC87-0FF0-0869-2905-9022CF347B5D}"/>
-              </a:ext>
-            </a:extLst>
-          </p:cNvPr>
-          <p:cNvSpPr>
-            <a:spLocks noGrp="1"/>
-          </p:cNvSpPr>
-          <p:nvPr>
-            <p:ph idx="1"/>
-          </p:nvPr>
-        </p:nvSpPr>
-        <p:spPr/>
-        <p:txBody>
-          <a:bodyPr/>
-          <a:lstStyle/>
-          <a:p>
-            <a:endParaRPr lang="en-GB"/>
-          </a:p>
-        </p:txBody>
-      </p:sp>
-      <p:pic>
-        <p:nvPicPr>
-          <p:cNvPr id="13" name="Picture 12">
-            <a:extLst>
-              <a:ext uri="{FF2B5EF4-FFF2-40B4-BE49-F238E27FC236}">
-                <a16:creationId xmlns:a16="http://schemas.microsoft.com/office/drawing/2014/main" id="{B1AF7445-9D5A-108A-7F56-D85006BF7157}"/>
-              </a:ext>
-            </a:extLst>
-          </p:cNvPr>
-          <p:cNvPicPr>
-            <a:picLocks noChangeAspect="1"/>
-          </p:cNvPicPr>
-          <p:nvPr/>
-        </p:nvPicPr>
-        <p:blipFill>
-          <a:blip r:embed="rId2"/>
-          <a:stretch>
-            <a:fillRect/>
-          </a:stretch>
-        </p:blipFill>
-        <p:spPr>
-          <a:xfrm>
-            <a:off x="845127" y="1128505"/>
-            <a:ext cx="10501745" cy="5457817"/>
-          </a:xfrm>
-          <a:prstGeom prst="rect">
-            <a:avLst/>
-          </a:prstGeom>
-        </p:spPr>
-      </p:pic>
-    </p:spTree>
-    <p:extLst>
-      <p:ext uri="{BB962C8B-B14F-4D97-AF65-F5344CB8AC3E}">
-        <p14:creationId xmlns:p14="http://schemas.microsoft.com/office/powerpoint/2010/main" val="852846059"/>
-      </p:ext>
-    </p:extLst>
-  </p:cSld>
-  <p:clrMapOvr>
-    <a:masterClrMapping/>
-  </p:clrMapOvr>
-</p:sld>
-</file>
-
-<file path=ppt/slides/slide8.xml><?xml version="1.0" encoding="utf-8"?>
 <p:sld xmlns:a="http://schemas.openxmlformats.org/drawingml/2006/main" xmlns:r="http://schemas.openxmlformats.org/officeDocument/2006/relationships" xmlns:p="http://schemas.openxmlformats.org/presentationml/2006/main">
   <p:cSld>
     <p:bg>
@@ -8673,7 +7656,7 @@
           <p:nvPr/>
         </p:nvPicPr>
         <p:blipFill rotWithShape="1">
-          <a:blip r:embed="rId2">
+          <a:blip r:embed="rId3">
             <a:extLst>
               <a:ext uri="{28A0092B-C50C-407E-A947-70E740481C1C}">
                 <a14:useLocalDpi xmlns:a14="http://schemas.microsoft.com/office/drawing/2010/main" val="0"/>
@@ -8708,7 +7691,7 @@
           <p:nvPr/>
         </p:nvPicPr>
         <p:blipFill rotWithShape="1">
-          <a:blip r:embed="rId3">
+          <a:blip r:embed="rId4">
             <a:extLst>
               <a:ext uri="{28A0092B-C50C-407E-A947-70E740481C1C}">
                 <a14:useLocalDpi xmlns:a14="http://schemas.microsoft.com/office/drawing/2010/main" val="0"/>
@@ -8728,6 +7711,97 @@
           </a:prstGeom>
         </p:spPr>
       </p:pic>
+      <p:sp>
+        <p:nvSpPr>
+          <p:cNvPr id="3" name="Slide Number Placeholder 2">
+            <a:extLst>
+              <a:ext uri="{FF2B5EF4-FFF2-40B4-BE49-F238E27FC236}">
+                <a16:creationId xmlns:a16="http://schemas.microsoft.com/office/drawing/2014/main" id="{9A675D41-0D34-7063-73DA-E1DD87D548C6}"/>
+              </a:ext>
+            </a:extLst>
+          </p:cNvPr>
+          <p:cNvSpPr>
+            <a:spLocks noGrp="1"/>
+          </p:cNvSpPr>
+          <p:nvPr>
+            <p:ph type="sldNum" sz="quarter" idx="12"/>
+          </p:nvPr>
+        </p:nvSpPr>
+        <p:spPr/>
+        <p:txBody>
+          <a:bodyPr/>
+          <a:lstStyle/>
+          <a:p>
+            <a:fld id="{1D85C9CE-5A10-4592-9F88-5339DD41B12B}" type="slidenum">
+              <a:rPr lang="en-GB" sz="1600" smtClean="0"/>
+              <a:t>11</a:t>
+            </a:fld>
+            <a:endParaRPr lang="en-GB" sz="1600" dirty="0"/>
+          </a:p>
+        </p:txBody>
+      </p:sp>
+      <p:sp>
+        <p:nvSpPr>
+          <p:cNvPr id="4" name="Title 1">
+            <a:extLst>
+              <a:ext uri="{FF2B5EF4-FFF2-40B4-BE49-F238E27FC236}">
+                <a16:creationId xmlns:a16="http://schemas.microsoft.com/office/drawing/2014/main" id="{ACDEBFC7-9E27-9BC1-3230-6E0F3FF3B3BD}"/>
+              </a:ext>
+            </a:extLst>
+          </p:cNvPr>
+          <p:cNvSpPr txBox="1">
+            <a:spLocks/>
+          </p:cNvSpPr>
+          <p:nvPr/>
+        </p:nvSpPr>
+        <p:spPr>
+          <a:xfrm>
+            <a:off x="1916382" y="6430297"/>
+            <a:ext cx="8359236" cy="427703"/>
+          </a:xfrm>
+          <a:prstGeom prst="rect">
+            <a:avLst/>
+          </a:prstGeom>
+        </p:spPr>
+        <p:txBody>
+          <a:bodyPr vert="horz" lIns="91440" tIns="45720" rIns="91440" bIns="45720" rtlCol="0" anchor="ctr">
+            <a:noAutofit/>
+          </a:bodyPr>
+          <a:lstStyle>
+            <a:lvl1pPr algn="l" defTabSz="914400" rtl="0" eaLnBrk="1" latinLnBrk="0" hangingPunct="1">
+              <a:lnSpc>
+                <a:spcPct val="85000"/>
+              </a:lnSpc>
+              <a:spcBef>
+                <a:spcPct val="0"/>
+              </a:spcBef>
+              <a:buNone/>
+              <a:defRPr sz="4800" kern="1200" spc="-50" baseline="0">
+                <a:solidFill>
+                  <a:schemeClr val="tx1">
+                    <a:lumMod val="75000"/>
+                    <a:lumOff val="25000"/>
+                  </a:schemeClr>
+                </a:solidFill>
+                <a:latin typeface="+mj-lt"/>
+                <a:ea typeface="+mj-ea"/>
+                <a:cs typeface="+mj-cs"/>
+              </a:defRPr>
+            </a:lvl1pPr>
+          </a:lstStyle>
+          <a:p>
+            <a:pPr algn="ctr"/>
+            <a:r>
+              <a:rPr lang="en-GB" sz="1800" dirty="0">
+                <a:solidFill>
+                  <a:schemeClr val="bg1"/>
+                </a:solidFill>
+              </a:rPr>
+              <a:t>2. Which areas have the best and worst ratings? Does this correlate with certain factors?</a:t>
+            </a:r>
+          </a:p>
+        </p:txBody>
+      </p:sp>
     </p:spTree>
     <p:extLst>
       <p:ext uri="{BB962C8B-B14F-4D97-AF65-F5344CB8AC3E}">
@@ -8741,7 +7815,7 @@
 </p:sld>
 </file>
 
-<file path=ppt/slides/slide9.xml><?xml version="1.0" encoding="utf-8"?>
+<file path=ppt/slides/slide12.xml><?xml version="1.0" encoding="utf-8"?>
 <p:sld xmlns:a="http://schemas.openxmlformats.org/drawingml/2006/main" xmlns:r="http://schemas.openxmlformats.org/officeDocument/2006/relationships" xmlns:p="http://schemas.openxmlformats.org/presentationml/2006/main">
   <p:cSld>
     <p:spTree>
@@ -8763,6 +7837,123 @@
           <p:cNvPr id="2" name="Title 1">
             <a:extLst>
               <a:ext uri="{FF2B5EF4-FFF2-40B4-BE49-F238E27FC236}">
+                <a16:creationId xmlns:a16="http://schemas.microsoft.com/office/drawing/2014/main" id="{7CA1BFFF-94DB-93E6-7FB7-FEC33B352698}"/>
+              </a:ext>
+            </a:extLst>
+          </p:cNvPr>
+          <p:cNvSpPr>
+            <a:spLocks noGrp="1"/>
+          </p:cNvSpPr>
+          <p:nvPr>
+            <p:ph type="title"/>
+          </p:nvPr>
+        </p:nvSpPr>
+        <p:spPr/>
+        <p:txBody>
+          <a:bodyPr>
+            <a:noAutofit/>
+          </a:bodyPr>
+          <a:lstStyle/>
+          <a:p>
+            <a:r>
+              <a:rPr lang="en-GB" sz="6600" dirty="0"/>
+              <a:t>3. What factors influence neighbourhood ratings and community belonging?</a:t>
+            </a:r>
+          </a:p>
+        </p:txBody>
+      </p:sp>
+      <p:sp>
+        <p:nvSpPr>
+          <p:cNvPr id="6" name="Text Placeholder 5">
+            <a:extLst>
+              <a:ext uri="{FF2B5EF4-FFF2-40B4-BE49-F238E27FC236}">
+                <a16:creationId xmlns:a16="http://schemas.microsoft.com/office/drawing/2014/main" id="{5A5900C4-248D-2C7D-57CB-D90BBDD64228}"/>
+              </a:ext>
+            </a:extLst>
+          </p:cNvPr>
+          <p:cNvSpPr>
+            <a:spLocks noGrp="1"/>
+          </p:cNvSpPr>
+          <p:nvPr>
+            <p:ph type="body" idx="1"/>
+          </p:nvPr>
+        </p:nvSpPr>
+        <p:spPr/>
+        <p:txBody>
+          <a:bodyPr/>
+          <a:lstStyle/>
+          <a:p>
+            <a:r>
+              <a:rPr lang="en-GB" dirty="0"/>
+              <a:t>Explored through R Shiny and Visualisations</a:t>
+            </a:r>
+          </a:p>
+        </p:txBody>
+      </p:sp>
+      <p:sp>
+        <p:nvSpPr>
+          <p:cNvPr id="7" name="Slide Number Placeholder 6">
+            <a:extLst>
+              <a:ext uri="{FF2B5EF4-FFF2-40B4-BE49-F238E27FC236}">
+                <a16:creationId xmlns:a16="http://schemas.microsoft.com/office/drawing/2014/main" id="{20A8038B-0A8B-024A-181D-090C8A1BAAB3}"/>
+              </a:ext>
+            </a:extLst>
+          </p:cNvPr>
+          <p:cNvSpPr>
+            <a:spLocks noGrp="1"/>
+          </p:cNvSpPr>
+          <p:nvPr>
+            <p:ph type="sldNum" sz="quarter" idx="12"/>
+          </p:nvPr>
+        </p:nvSpPr>
+        <p:spPr/>
+        <p:txBody>
+          <a:bodyPr/>
+          <a:lstStyle/>
+          <a:p>
+            <a:fld id="{1D85C9CE-5A10-4592-9F88-5339DD41B12B}" type="slidenum">
+              <a:rPr lang="en-GB" sz="1600" smtClean="0"/>
+              <a:t>12</a:t>
+            </a:fld>
+            <a:endParaRPr lang="en-GB" sz="1600" dirty="0"/>
+          </a:p>
+        </p:txBody>
+      </p:sp>
+    </p:spTree>
+    <p:extLst>
+      <p:ext uri="{BB962C8B-B14F-4D97-AF65-F5344CB8AC3E}">
+        <p14:creationId xmlns:p14="http://schemas.microsoft.com/office/powerpoint/2010/main" val="4194583123"/>
+      </p:ext>
+    </p:extLst>
+  </p:cSld>
+  <p:clrMapOvr>
+    <a:masterClrMapping/>
+  </p:clrMapOvr>
+</p:sld>
+</file>
+
+<file path=ppt/slides/slide13.xml><?xml version="1.0" encoding="utf-8"?>
+<p:sld xmlns:a="http://schemas.openxmlformats.org/drawingml/2006/main" xmlns:r="http://schemas.openxmlformats.org/officeDocument/2006/relationships" xmlns:p="http://schemas.openxmlformats.org/presentationml/2006/main">
+  <p:cSld>
+    <p:spTree>
+      <p:nvGrpSpPr>
+        <p:cNvPr id="1" name=""/>
+        <p:cNvGrpSpPr/>
+        <p:nvPr/>
+      </p:nvGrpSpPr>
+      <p:grpSpPr>
+        <a:xfrm>
+          <a:off x="0" y="0"/>
+          <a:ext cx="0" cy="0"/>
+          <a:chOff x="0" y="0"/>
+          <a:chExt cx="0" cy="0"/>
+        </a:xfrm>
+      </p:grpSpPr>
+      <p:sp>
+        <p:nvSpPr>
+          <p:cNvPr id="2" name="Title 1">
+            <a:extLst>
+              <a:ext uri="{FF2B5EF4-FFF2-40B4-BE49-F238E27FC236}">
                 <a16:creationId xmlns:a16="http://schemas.microsoft.com/office/drawing/2014/main" id="{A9AB9D93-FD83-D3E0-5219-54BAACFD49D7}"/>
               </a:ext>
             </a:extLst>
@@ -8804,7 +7995,7 @@
         </p:nvSpPr>
         <p:spPr>
           <a:xfrm>
-            <a:off x="1097280" y="1845734"/>
+            <a:off x="1097280" y="1944057"/>
             <a:ext cx="5130992" cy="4023360"/>
           </a:xfrm>
         </p:spPr>
@@ -8837,7 +8028,7 @@
             </a:pPr>
             <a:r>
               <a:rPr lang="en-GB" dirty="0"/>
-              <a:t>Access to greenspace less than 10 minute walk</a:t>
+              <a:t>Access to greenspace less than 10-minute walk</a:t>
             </a:r>
           </a:p>
           <a:p>
@@ -8867,7 +8058,7 @@
             </a:pPr>
             <a:r>
               <a:rPr lang="en-GB" dirty="0"/>
-              <a:t>Home owners</a:t>
+              <a:t>Homeowners</a:t>
             </a:r>
           </a:p>
           <a:p>
@@ -8898,7 +8089,7 @@
         </p:nvSpPr>
         <p:spPr>
           <a:xfrm>
-            <a:off x="6649816" y="1946376"/>
+            <a:off x="6649816" y="1944057"/>
             <a:ext cx="5130992" cy="4023360"/>
           </a:xfrm>
           <a:prstGeom prst="rect">
@@ -9172,7 +8363,7 @@
             </a:pPr>
             <a:r>
               <a:rPr lang="en-GB" dirty="0"/>
-              <a:t>Pensioners</a:t>
+              <a:t>Adult only households</a:t>
             </a:r>
           </a:p>
           <a:p>
@@ -9182,7 +8373,7 @@
             </a:pPr>
             <a:r>
               <a:rPr lang="en-GB" dirty="0"/>
-              <a:t>Access to greenspace less than 10 minute walk</a:t>
+              <a:t>Access to greenspace more than 10-minute walk</a:t>
             </a:r>
           </a:p>
           <a:p>
@@ -9192,7 +8383,7 @@
             </a:pPr>
             <a:r>
               <a:rPr lang="en-GB" dirty="0"/>
-              <a:t>80% least deprived</a:t>
+              <a:t>20% most deprived</a:t>
             </a:r>
           </a:p>
           <a:p>
@@ -9202,7 +8393,7 @@
             </a:pPr>
             <a:r>
               <a:rPr lang="en-GB" dirty="0"/>
-              <a:t>White</a:t>
+              <a:t>Non-white ethnicity</a:t>
             </a:r>
           </a:p>
           <a:p>
@@ -9212,7 +8403,7 @@
             </a:pPr>
             <a:r>
               <a:rPr lang="en-GB" dirty="0"/>
-              <a:t>Home owners</a:t>
+              <a:t>Private or social rented</a:t>
             </a:r>
           </a:p>
           <a:p>
@@ -9222,7 +8413,98 @@
             </a:pPr>
             <a:r>
               <a:rPr lang="en-GB" dirty="0"/>
-              <a:t>Rural areas</a:t>
+              <a:t>Urban areas</a:t>
+            </a:r>
+          </a:p>
+        </p:txBody>
+      </p:sp>
+      <p:sp>
+        <p:nvSpPr>
+          <p:cNvPr id="5" name="Slide Number Placeholder 4">
+            <a:extLst>
+              <a:ext uri="{FF2B5EF4-FFF2-40B4-BE49-F238E27FC236}">
+                <a16:creationId xmlns:a16="http://schemas.microsoft.com/office/drawing/2014/main" id="{F867B90A-F284-E429-4C3C-C8A54634EA52}"/>
+              </a:ext>
+            </a:extLst>
+          </p:cNvPr>
+          <p:cNvSpPr>
+            <a:spLocks noGrp="1"/>
+          </p:cNvSpPr>
+          <p:nvPr>
+            <p:ph type="sldNum" sz="quarter" idx="12"/>
+          </p:nvPr>
+        </p:nvSpPr>
+        <p:spPr/>
+        <p:txBody>
+          <a:bodyPr/>
+          <a:lstStyle/>
+          <a:p>
+            <a:fld id="{1D85C9CE-5A10-4592-9F88-5339DD41B12B}" type="slidenum">
+              <a:rPr lang="en-GB" sz="1600" smtClean="0"/>
+              <a:t>13</a:t>
+            </a:fld>
+            <a:endParaRPr lang="en-GB" sz="1600"/>
+          </a:p>
+        </p:txBody>
+      </p:sp>
+      <p:sp>
+        <p:nvSpPr>
+          <p:cNvPr id="6" name="Title 1">
+            <a:extLst>
+              <a:ext uri="{FF2B5EF4-FFF2-40B4-BE49-F238E27FC236}">
+                <a16:creationId xmlns:a16="http://schemas.microsoft.com/office/drawing/2014/main" id="{713A05D8-0627-4391-9CCC-0ADB08976841}"/>
+              </a:ext>
+            </a:extLst>
+          </p:cNvPr>
+          <p:cNvSpPr txBox="1">
+            <a:spLocks/>
+          </p:cNvSpPr>
+          <p:nvPr/>
+        </p:nvSpPr>
+        <p:spPr>
+          <a:xfrm>
+            <a:off x="1916382" y="6430297"/>
+            <a:ext cx="8359236" cy="427703"/>
+          </a:xfrm>
+          <a:prstGeom prst="rect">
+            <a:avLst/>
+          </a:prstGeom>
+        </p:spPr>
+        <p:txBody>
+          <a:bodyPr vert="horz" lIns="91440" tIns="45720" rIns="91440" bIns="45720" rtlCol="0" anchor="ctr">
+            <a:noAutofit/>
+          </a:bodyPr>
+          <a:lstStyle>
+            <a:lvl1pPr algn="l" defTabSz="914400" rtl="0" eaLnBrk="1" latinLnBrk="0" hangingPunct="1">
+              <a:lnSpc>
+                <a:spcPct val="85000"/>
+              </a:lnSpc>
+              <a:spcBef>
+                <a:spcPct val="0"/>
+              </a:spcBef>
+              <a:buNone/>
+              <a:defRPr sz="4800" kern="1200" spc="-50" baseline="0">
+                <a:solidFill>
+                  <a:schemeClr val="tx1">
+                    <a:lumMod val="75000"/>
+                    <a:lumOff val="25000"/>
+                  </a:schemeClr>
+                </a:solidFill>
+                <a:latin typeface="+mj-lt"/>
+                <a:ea typeface="+mj-ea"/>
+                <a:cs typeface="+mj-cs"/>
+              </a:defRPr>
+            </a:lvl1pPr>
+          </a:lstStyle>
+          <a:p>
+            <a:pPr algn="ctr"/>
+            <a:r>
+              <a:rPr lang="en-GB" sz="1800" dirty="0">
+                <a:solidFill>
+                  <a:schemeClr val="bg1"/>
+                </a:solidFill>
+              </a:rPr>
+              <a:t>3. What factors influence neighbourhood ratings and community belonging?</a:t>
             </a:r>
           </a:p>
         </p:txBody>
@@ -9231,6 +8513,3119 @@
     <p:extLst>
       <p:ext uri="{BB962C8B-B14F-4D97-AF65-F5344CB8AC3E}">
         <p14:creationId xmlns:p14="http://schemas.microsoft.com/office/powerpoint/2010/main" val="1033130111"/>
+      </p:ext>
+    </p:extLst>
+  </p:cSld>
+  <p:clrMapOvr>
+    <a:masterClrMapping/>
+  </p:clrMapOvr>
+</p:sld>
+</file>
+
+<file path=ppt/slides/slide14.xml><?xml version="1.0" encoding="utf-8"?>
+<p:sld xmlns:a="http://schemas.openxmlformats.org/drawingml/2006/main" xmlns:r="http://schemas.openxmlformats.org/officeDocument/2006/relationships" xmlns:p="http://schemas.openxmlformats.org/presentationml/2006/main">
+  <p:cSld>
+    <p:spTree>
+      <p:nvGrpSpPr>
+        <p:cNvPr id="1" name=""/>
+        <p:cNvGrpSpPr/>
+        <p:nvPr/>
+      </p:nvGrpSpPr>
+      <p:grpSpPr>
+        <a:xfrm>
+          <a:off x="0" y="0"/>
+          <a:ext cx="0" cy="0"/>
+          <a:chOff x="0" y="0"/>
+          <a:chExt cx="0" cy="0"/>
+        </a:xfrm>
+      </p:grpSpPr>
+      <p:sp>
+        <p:nvSpPr>
+          <p:cNvPr id="2" name="Title 1">
+            <a:extLst>
+              <a:ext uri="{FF2B5EF4-FFF2-40B4-BE49-F238E27FC236}">
+                <a16:creationId xmlns:a16="http://schemas.microsoft.com/office/drawing/2014/main" id="{A7F99953-ACBC-C4C1-2E80-2223E4D820FA}"/>
+              </a:ext>
+            </a:extLst>
+          </p:cNvPr>
+          <p:cNvSpPr>
+            <a:spLocks noGrp="1"/>
+          </p:cNvSpPr>
+          <p:nvPr>
+            <p:ph type="title"/>
+          </p:nvPr>
+        </p:nvSpPr>
+        <p:spPr/>
+        <p:txBody>
+          <a:bodyPr/>
+          <a:lstStyle/>
+          <a:p>
+            <a:r>
+              <a:rPr lang="en-GB" dirty="0"/>
+              <a:t>Action</a:t>
+            </a:r>
+          </a:p>
+        </p:txBody>
+      </p:sp>
+      <p:sp>
+        <p:nvSpPr>
+          <p:cNvPr id="3" name="Content Placeholder 2">
+            <a:extLst>
+              <a:ext uri="{FF2B5EF4-FFF2-40B4-BE49-F238E27FC236}">
+                <a16:creationId xmlns:a16="http://schemas.microsoft.com/office/drawing/2014/main" id="{DD0D4818-A64A-187A-4964-E9BA2DC4BB09}"/>
+              </a:ext>
+            </a:extLst>
+          </p:cNvPr>
+          <p:cNvSpPr>
+            <a:spLocks noGrp="1"/>
+          </p:cNvSpPr>
+          <p:nvPr>
+            <p:ph idx="1"/>
+          </p:nvPr>
+        </p:nvSpPr>
+        <p:spPr/>
+        <p:txBody>
+          <a:bodyPr/>
+          <a:lstStyle/>
+          <a:p>
+            <a:pPr>
+              <a:buFont typeface="Wingdings" panose="05000000000000000000" pitchFamily="2" charset="2"/>
+              <a:buChar char="§"/>
+            </a:pPr>
+            <a:r>
+              <a:rPr lang="en-GB" dirty="0"/>
+              <a:t>Increasing access to greenspace where possible may help improve neighbourhoods and communities</a:t>
+            </a:r>
+          </a:p>
+          <a:p>
+            <a:pPr>
+              <a:buFont typeface="Wingdings" panose="05000000000000000000" pitchFamily="2" charset="2"/>
+              <a:buChar char="§"/>
+            </a:pPr>
+            <a:r>
+              <a:rPr lang="en-GB" dirty="0"/>
+              <a:t>Further study could look at what the highest rated areas are doing well, particularly compared to the lowest rated areas</a:t>
+            </a:r>
+          </a:p>
+          <a:p>
+            <a:pPr>
+              <a:buFont typeface="Wingdings" panose="05000000000000000000" pitchFamily="2" charset="2"/>
+              <a:buChar char="§"/>
+            </a:pPr>
+            <a:r>
+              <a:rPr lang="en-GB" dirty="0"/>
+              <a:t>Further investigation should also look at how neighbourhoods and communities can be improved for:</a:t>
+            </a:r>
+          </a:p>
+          <a:p>
+            <a:pPr lvl="1">
+              <a:buFont typeface="Wingdings" panose="05000000000000000000" pitchFamily="2" charset="2"/>
+              <a:buChar char="§"/>
+            </a:pPr>
+            <a:r>
+              <a:rPr lang="en-GB" dirty="0"/>
+              <a:t>Areas of deprivation (SIMD)</a:t>
+            </a:r>
+          </a:p>
+          <a:p>
+            <a:pPr lvl="1">
+              <a:buFont typeface="Wingdings" panose="05000000000000000000" pitchFamily="2" charset="2"/>
+              <a:buChar char="§"/>
+            </a:pPr>
+            <a:r>
+              <a:rPr lang="en-GB" dirty="0"/>
+              <a:t>Urban areas</a:t>
+            </a:r>
+          </a:p>
+          <a:p>
+            <a:pPr lvl="1">
+              <a:buFont typeface="Wingdings" panose="05000000000000000000" pitchFamily="2" charset="2"/>
+              <a:buChar char="§"/>
+            </a:pPr>
+            <a:r>
+              <a:rPr lang="en-GB" dirty="0"/>
+              <a:t>Those renting (private or social)</a:t>
+            </a:r>
+          </a:p>
+          <a:p>
+            <a:pPr lvl="1">
+              <a:buFont typeface="Wingdings" panose="05000000000000000000" pitchFamily="2" charset="2"/>
+              <a:buChar char="§"/>
+            </a:pPr>
+            <a:r>
+              <a:rPr lang="en-GB" dirty="0"/>
+              <a:t>Families </a:t>
+            </a:r>
+          </a:p>
+          <a:p>
+            <a:pPr lvl="1">
+              <a:buFont typeface="Wingdings" panose="05000000000000000000" pitchFamily="2" charset="2"/>
+              <a:buChar char="§"/>
+            </a:pPr>
+            <a:r>
+              <a:rPr lang="en-GB" dirty="0"/>
+              <a:t>Non-white ethnicities </a:t>
+            </a:r>
+          </a:p>
+        </p:txBody>
+      </p:sp>
+      <p:sp>
+        <p:nvSpPr>
+          <p:cNvPr id="4" name="Slide Number Placeholder 3">
+            <a:extLst>
+              <a:ext uri="{FF2B5EF4-FFF2-40B4-BE49-F238E27FC236}">
+                <a16:creationId xmlns:a16="http://schemas.microsoft.com/office/drawing/2014/main" id="{3188C2FD-921E-1A76-83A6-6DB74140B7F8}"/>
+              </a:ext>
+            </a:extLst>
+          </p:cNvPr>
+          <p:cNvSpPr>
+            <a:spLocks noGrp="1"/>
+          </p:cNvSpPr>
+          <p:nvPr>
+            <p:ph type="sldNum" sz="quarter" idx="12"/>
+          </p:nvPr>
+        </p:nvSpPr>
+        <p:spPr/>
+        <p:txBody>
+          <a:bodyPr/>
+          <a:lstStyle/>
+          <a:p>
+            <a:fld id="{1D85C9CE-5A10-4592-9F88-5339DD41B12B}" type="slidenum">
+              <a:rPr lang="en-GB" sz="1600" smtClean="0"/>
+              <a:t>14</a:t>
+            </a:fld>
+            <a:endParaRPr lang="en-GB" sz="1600"/>
+          </a:p>
+        </p:txBody>
+      </p:sp>
+      <p:sp>
+        <p:nvSpPr>
+          <p:cNvPr id="5" name="Title 1">
+            <a:extLst>
+              <a:ext uri="{FF2B5EF4-FFF2-40B4-BE49-F238E27FC236}">
+                <a16:creationId xmlns:a16="http://schemas.microsoft.com/office/drawing/2014/main" id="{B4EE3B6A-54FA-009D-4A30-62AD28988C67}"/>
+              </a:ext>
+            </a:extLst>
+          </p:cNvPr>
+          <p:cNvSpPr txBox="1">
+            <a:spLocks/>
+          </p:cNvSpPr>
+          <p:nvPr/>
+        </p:nvSpPr>
+        <p:spPr>
+          <a:xfrm>
+            <a:off x="1916382" y="6430297"/>
+            <a:ext cx="8359236" cy="427703"/>
+          </a:xfrm>
+          <a:prstGeom prst="rect">
+            <a:avLst/>
+          </a:prstGeom>
+        </p:spPr>
+        <p:txBody>
+          <a:bodyPr vert="horz" lIns="91440" tIns="45720" rIns="91440" bIns="45720" rtlCol="0" anchor="ctr">
+            <a:noAutofit/>
+          </a:bodyPr>
+          <a:lstStyle>
+            <a:lvl1pPr algn="l" defTabSz="914400" rtl="0" eaLnBrk="1" latinLnBrk="0" hangingPunct="1">
+              <a:lnSpc>
+                <a:spcPct val="85000"/>
+              </a:lnSpc>
+              <a:spcBef>
+                <a:spcPct val="0"/>
+              </a:spcBef>
+              <a:buNone/>
+              <a:defRPr sz="4800" kern="1200" spc="-50" baseline="0">
+                <a:solidFill>
+                  <a:schemeClr val="tx1">
+                    <a:lumMod val="75000"/>
+                    <a:lumOff val="25000"/>
+                  </a:schemeClr>
+                </a:solidFill>
+                <a:latin typeface="+mj-lt"/>
+                <a:ea typeface="+mj-ea"/>
+                <a:cs typeface="+mj-cs"/>
+              </a:defRPr>
+            </a:lvl1pPr>
+          </a:lstStyle>
+          <a:p>
+            <a:pPr algn="ctr"/>
+            <a:r>
+              <a:rPr lang="en-GB" sz="1800" dirty="0">
+                <a:solidFill>
+                  <a:schemeClr val="bg1"/>
+                </a:solidFill>
+              </a:rPr>
+              <a:t>Conclusion</a:t>
+            </a:r>
+          </a:p>
+        </p:txBody>
+      </p:sp>
+    </p:spTree>
+    <p:extLst>
+      <p:ext uri="{BB962C8B-B14F-4D97-AF65-F5344CB8AC3E}">
+        <p14:creationId xmlns:p14="http://schemas.microsoft.com/office/powerpoint/2010/main" val="1142641468"/>
+      </p:ext>
+    </p:extLst>
+  </p:cSld>
+  <p:clrMapOvr>
+    <a:masterClrMapping/>
+  </p:clrMapOvr>
+</p:sld>
+</file>
+
+<file path=ppt/slides/slide15.xml><?xml version="1.0" encoding="utf-8"?>
+<p:sld xmlns:a="http://schemas.openxmlformats.org/drawingml/2006/main" xmlns:r="http://schemas.openxmlformats.org/officeDocument/2006/relationships" xmlns:p="http://schemas.openxmlformats.org/presentationml/2006/main">
+  <p:cSld>
+    <p:spTree>
+      <p:nvGrpSpPr>
+        <p:cNvPr id="1" name=""/>
+        <p:cNvGrpSpPr/>
+        <p:nvPr/>
+      </p:nvGrpSpPr>
+      <p:grpSpPr>
+        <a:xfrm>
+          <a:off x="0" y="0"/>
+          <a:ext cx="0" cy="0"/>
+          <a:chOff x="0" y="0"/>
+          <a:chExt cx="0" cy="0"/>
+        </a:xfrm>
+      </p:grpSpPr>
+      <p:sp>
+        <p:nvSpPr>
+          <p:cNvPr id="2" name="Title 1">
+            <a:extLst>
+              <a:ext uri="{FF2B5EF4-FFF2-40B4-BE49-F238E27FC236}">
+                <a16:creationId xmlns:a16="http://schemas.microsoft.com/office/drawing/2014/main" id="{B15ABF18-765C-A8B0-5118-DD518D0ADD97}"/>
+              </a:ext>
+            </a:extLst>
+          </p:cNvPr>
+          <p:cNvSpPr>
+            <a:spLocks noGrp="1"/>
+          </p:cNvSpPr>
+          <p:nvPr>
+            <p:ph type="title"/>
+          </p:nvPr>
+        </p:nvSpPr>
+        <p:spPr/>
+        <p:txBody>
+          <a:bodyPr/>
+          <a:lstStyle/>
+          <a:p>
+            <a:r>
+              <a:rPr lang="en-GB" dirty="0"/>
+              <a:t>Further Ideas</a:t>
+            </a:r>
+          </a:p>
+        </p:txBody>
+      </p:sp>
+      <p:sp>
+        <p:nvSpPr>
+          <p:cNvPr id="3" name="Content Placeholder 2">
+            <a:extLst>
+              <a:ext uri="{FF2B5EF4-FFF2-40B4-BE49-F238E27FC236}">
+                <a16:creationId xmlns:a16="http://schemas.microsoft.com/office/drawing/2014/main" id="{05718D89-BDEF-7FBC-C3B6-648178F04DA5}"/>
+              </a:ext>
+            </a:extLst>
+          </p:cNvPr>
+          <p:cNvSpPr>
+            <a:spLocks noGrp="1"/>
+          </p:cNvSpPr>
+          <p:nvPr>
+            <p:ph idx="1"/>
+          </p:nvPr>
+        </p:nvSpPr>
+        <p:spPr/>
+        <p:txBody>
+          <a:bodyPr>
+            <a:normAutofit fontScale="92500"/>
+          </a:bodyPr>
+          <a:lstStyle/>
+          <a:p>
+            <a:pPr>
+              <a:lnSpc>
+                <a:spcPct val="220000"/>
+              </a:lnSpc>
+              <a:buFont typeface="Wingdings" panose="05000000000000000000" pitchFamily="2" charset="2"/>
+              <a:buChar char="§"/>
+            </a:pPr>
+            <a:r>
+              <a:rPr lang="en-GB" dirty="0"/>
+              <a:t>Modelling to identify key factors and the impact they have</a:t>
+            </a:r>
+          </a:p>
+          <a:p>
+            <a:pPr>
+              <a:lnSpc>
+                <a:spcPct val="220000"/>
+              </a:lnSpc>
+              <a:buFont typeface="Wingdings" panose="05000000000000000000" pitchFamily="2" charset="2"/>
+              <a:buChar char="§"/>
+            </a:pPr>
+            <a:r>
+              <a:rPr lang="en-GB" dirty="0"/>
+              <a:t>Explore raw survey data to identify other things that impact the ratings</a:t>
+            </a:r>
+          </a:p>
+          <a:p>
+            <a:pPr>
+              <a:lnSpc>
+                <a:spcPct val="220000"/>
+              </a:lnSpc>
+              <a:buFont typeface="Wingdings" panose="05000000000000000000" pitchFamily="2" charset="2"/>
+              <a:buChar char="§"/>
+            </a:pPr>
+            <a:r>
+              <a:rPr lang="en-GB" dirty="0"/>
+              <a:t>Explore the demographics of the highest and lowest rated areas</a:t>
+            </a:r>
+          </a:p>
+          <a:p>
+            <a:pPr>
+              <a:lnSpc>
+                <a:spcPct val="220000"/>
+              </a:lnSpc>
+              <a:buFont typeface="Wingdings" panose="05000000000000000000" pitchFamily="2" charset="2"/>
+              <a:buChar char="§"/>
+            </a:pPr>
+            <a:r>
+              <a:rPr lang="en-GB" dirty="0"/>
+              <a:t>Understand the sample sizes to better understand the results</a:t>
+            </a:r>
+          </a:p>
+          <a:p>
+            <a:pPr>
+              <a:lnSpc>
+                <a:spcPct val="220000"/>
+              </a:lnSpc>
+              <a:buFont typeface="Wingdings" panose="05000000000000000000" pitchFamily="2" charset="2"/>
+              <a:buChar char="§"/>
+            </a:pPr>
+            <a:r>
+              <a:rPr lang="en-GB" dirty="0"/>
+              <a:t>Explore the confidence limits and what they tell us about the data</a:t>
+            </a:r>
+          </a:p>
+          <a:p>
+            <a:pPr>
+              <a:lnSpc>
+                <a:spcPct val="220000"/>
+              </a:lnSpc>
+              <a:buFont typeface="Wingdings" panose="05000000000000000000" pitchFamily="2" charset="2"/>
+              <a:buChar char="§"/>
+            </a:pPr>
+            <a:endParaRPr lang="en-GB" dirty="0"/>
+          </a:p>
+          <a:p>
+            <a:pPr marL="0" indent="0">
+              <a:lnSpc>
+                <a:spcPct val="220000"/>
+              </a:lnSpc>
+              <a:buNone/>
+            </a:pPr>
+            <a:endParaRPr lang="en-GB" dirty="0"/>
+          </a:p>
+        </p:txBody>
+      </p:sp>
+      <p:sp>
+        <p:nvSpPr>
+          <p:cNvPr id="4" name="Slide Number Placeholder 3">
+            <a:extLst>
+              <a:ext uri="{FF2B5EF4-FFF2-40B4-BE49-F238E27FC236}">
+                <a16:creationId xmlns:a16="http://schemas.microsoft.com/office/drawing/2014/main" id="{0ECCDBEF-FF91-61A1-A9B7-4D2234A3733A}"/>
+              </a:ext>
+            </a:extLst>
+          </p:cNvPr>
+          <p:cNvSpPr>
+            <a:spLocks noGrp="1"/>
+          </p:cNvSpPr>
+          <p:nvPr>
+            <p:ph type="sldNum" sz="quarter" idx="12"/>
+          </p:nvPr>
+        </p:nvSpPr>
+        <p:spPr/>
+        <p:txBody>
+          <a:bodyPr/>
+          <a:lstStyle/>
+          <a:p>
+            <a:fld id="{1D85C9CE-5A10-4592-9F88-5339DD41B12B}" type="slidenum">
+              <a:rPr lang="en-GB" sz="1600" smtClean="0"/>
+              <a:t>15</a:t>
+            </a:fld>
+            <a:endParaRPr lang="en-GB" sz="1600" dirty="0"/>
+          </a:p>
+        </p:txBody>
+      </p:sp>
+      <p:sp>
+        <p:nvSpPr>
+          <p:cNvPr id="5" name="Title 1">
+            <a:extLst>
+              <a:ext uri="{FF2B5EF4-FFF2-40B4-BE49-F238E27FC236}">
+                <a16:creationId xmlns:a16="http://schemas.microsoft.com/office/drawing/2014/main" id="{9C6824AB-C8AC-D81D-D26A-2212CAA2B984}"/>
+              </a:ext>
+            </a:extLst>
+          </p:cNvPr>
+          <p:cNvSpPr txBox="1">
+            <a:spLocks/>
+          </p:cNvSpPr>
+          <p:nvPr/>
+        </p:nvSpPr>
+        <p:spPr>
+          <a:xfrm>
+            <a:off x="1916382" y="6430297"/>
+            <a:ext cx="8359236" cy="427703"/>
+          </a:xfrm>
+          <a:prstGeom prst="rect">
+            <a:avLst/>
+          </a:prstGeom>
+        </p:spPr>
+        <p:txBody>
+          <a:bodyPr vert="horz" lIns="91440" tIns="45720" rIns="91440" bIns="45720" rtlCol="0" anchor="ctr">
+            <a:noAutofit/>
+          </a:bodyPr>
+          <a:lstStyle>
+            <a:lvl1pPr algn="l" defTabSz="914400" rtl="0" eaLnBrk="1" latinLnBrk="0" hangingPunct="1">
+              <a:lnSpc>
+                <a:spcPct val="85000"/>
+              </a:lnSpc>
+              <a:spcBef>
+                <a:spcPct val="0"/>
+              </a:spcBef>
+              <a:buNone/>
+              <a:defRPr sz="4800" kern="1200" spc="-50" baseline="0">
+                <a:solidFill>
+                  <a:schemeClr val="tx1">
+                    <a:lumMod val="75000"/>
+                    <a:lumOff val="25000"/>
+                  </a:schemeClr>
+                </a:solidFill>
+                <a:latin typeface="+mj-lt"/>
+                <a:ea typeface="+mj-ea"/>
+                <a:cs typeface="+mj-cs"/>
+              </a:defRPr>
+            </a:lvl1pPr>
+          </a:lstStyle>
+          <a:p>
+            <a:pPr algn="ctr"/>
+            <a:r>
+              <a:rPr lang="en-GB" sz="1800" dirty="0">
+                <a:solidFill>
+                  <a:schemeClr val="bg1"/>
+                </a:solidFill>
+              </a:rPr>
+              <a:t>Conclusion</a:t>
+            </a:r>
+          </a:p>
+        </p:txBody>
+      </p:sp>
+    </p:spTree>
+    <p:extLst>
+      <p:ext uri="{BB962C8B-B14F-4D97-AF65-F5344CB8AC3E}">
+        <p14:creationId xmlns:p14="http://schemas.microsoft.com/office/powerpoint/2010/main" val="2446263786"/>
+      </p:ext>
+    </p:extLst>
+  </p:cSld>
+  <p:clrMapOvr>
+    <a:masterClrMapping/>
+  </p:clrMapOvr>
+</p:sld>
+</file>
+
+<file path=ppt/slides/slide16.xml><?xml version="1.0" encoding="utf-8"?>
+<p:sld xmlns:a="http://schemas.openxmlformats.org/drawingml/2006/main" xmlns:r="http://schemas.openxmlformats.org/officeDocument/2006/relationships" xmlns:p="http://schemas.openxmlformats.org/presentationml/2006/main">
+  <p:cSld>
+    <p:spTree>
+      <p:nvGrpSpPr>
+        <p:cNvPr id="1" name=""/>
+        <p:cNvGrpSpPr/>
+        <p:nvPr/>
+      </p:nvGrpSpPr>
+      <p:grpSpPr>
+        <a:xfrm>
+          <a:off x="0" y="0"/>
+          <a:ext cx="0" cy="0"/>
+          <a:chOff x="0" y="0"/>
+          <a:chExt cx="0" cy="0"/>
+        </a:xfrm>
+      </p:grpSpPr>
+      <p:sp>
+        <p:nvSpPr>
+          <p:cNvPr id="2" name="Title 1">
+            <a:extLst>
+              <a:ext uri="{FF2B5EF4-FFF2-40B4-BE49-F238E27FC236}">
+                <a16:creationId xmlns:a16="http://schemas.microsoft.com/office/drawing/2014/main" id="{5DCFC5F2-DE9B-34F0-B611-397D51896824}"/>
+              </a:ext>
+            </a:extLst>
+          </p:cNvPr>
+          <p:cNvSpPr>
+            <a:spLocks noGrp="1"/>
+          </p:cNvSpPr>
+          <p:nvPr>
+            <p:ph type="title"/>
+          </p:nvPr>
+        </p:nvSpPr>
+        <p:spPr/>
+        <p:txBody>
+          <a:bodyPr/>
+          <a:lstStyle/>
+          <a:p>
+            <a:r>
+              <a:rPr lang="en-GB" dirty="0"/>
+              <a:t>Reflection</a:t>
+            </a:r>
+          </a:p>
+        </p:txBody>
+      </p:sp>
+      <p:sp>
+        <p:nvSpPr>
+          <p:cNvPr id="3" name="Content Placeholder 2">
+            <a:extLst>
+              <a:ext uri="{FF2B5EF4-FFF2-40B4-BE49-F238E27FC236}">
+                <a16:creationId xmlns:a16="http://schemas.microsoft.com/office/drawing/2014/main" id="{DC475B5A-5762-F6CC-9DD8-B48FB91C1925}"/>
+              </a:ext>
+            </a:extLst>
+          </p:cNvPr>
+          <p:cNvSpPr>
+            <a:spLocks noGrp="1"/>
+          </p:cNvSpPr>
+          <p:nvPr>
+            <p:ph idx="1"/>
+          </p:nvPr>
+        </p:nvSpPr>
+        <p:spPr/>
+        <p:txBody>
+          <a:bodyPr/>
+          <a:lstStyle/>
+          <a:p>
+            <a:pPr>
+              <a:lnSpc>
+                <a:spcPct val="200000"/>
+              </a:lnSpc>
+              <a:buFont typeface="Wingdings" panose="05000000000000000000" pitchFamily="2" charset="2"/>
+              <a:buChar char="§"/>
+            </a:pPr>
+            <a:r>
+              <a:rPr lang="en-GB" dirty="0"/>
+              <a:t>Aggregated data makes modelling or statistical analysis very difficult</a:t>
+            </a:r>
+          </a:p>
+          <a:p>
+            <a:pPr>
+              <a:lnSpc>
+                <a:spcPct val="200000"/>
+              </a:lnSpc>
+              <a:buFont typeface="Wingdings" panose="05000000000000000000" pitchFamily="2" charset="2"/>
+              <a:buChar char="§"/>
+            </a:pPr>
+            <a:r>
+              <a:rPr lang="en-GB" dirty="0"/>
+              <a:t>Planning and understanding the question(s) is key</a:t>
+            </a:r>
+          </a:p>
+          <a:p>
+            <a:pPr>
+              <a:lnSpc>
+                <a:spcPct val="200000"/>
+              </a:lnSpc>
+              <a:buFont typeface="Wingdings" panose="05000000000000000000" pitchFamily="2" charset="2"/>
+              <a:buChar char="§"/>
+            </a:pPr>
+            <a:r>
+              <a:rPr lang="en-GB" dirty="0"/>
+              <a:t>Making notes and writing down your thinking and research sources as you go is very useful!</a:t>
+            </a:r>
+          </a:p>
+          <a:p>
+            <a:pPr>
+              <a:lnSpc>
+                <a:spcPct val="200000"/>
+              </a:lnSpc>
+              <a:buFont typeface="Wingdings" panose="05000000000000000000" pitchFamily="2" charset="2"/>
+              <a:buChar char="§"/>
+            </a:pPr>
+            <a:endParaRPr lang="en-GB" dirty="0"/>
+          </a:p>
+        </p:txBody>
+      </p:sp>
+      <p:sp>
+        <p:nvSpPr>
+          <p:cNvPr id="4" name="Slide Number Placeholder 3">
+            <a:extLst>
+              <a:ext uri="{FF2B5EF4-FFF2-40B4-BE49-F238E27FC236}">
+                <a16:creationId xmlns:a16="http://schemas.microsoft.com/office/drawing/2014/main" id="{8ED45EE7-D4BD-6042-2AD2-387110B22D8C}"/>
+              </a:ext>
+            </a:extLst>
+          </p:cNvPr>
+          <p:cNvSpPr>
+            <a:spLocks noGrp="1"/>
+          </p:cNvSpPr>
+          <p:nvPr>
+            <p:ph type="sldNum" sz="quarter" idx="12"/>
+          </p:nvPr>
+        </p:nvSpPr>
+        <p:spPr/>
+        <p:txBody>
+          <a:bodyPr/>
+          <a:lstStyle/>
+          <a:p>
+            <a:fld id="{1D85C9CE-5A10-4592-9F88-5339DD41B12B}" type="slidenum">
+              <a:rPr lang="en-GB" sz="1600" smtClean="0"/>
+              <a:t>16</a:t>
+            </a:fld>
+            <a:endParaRPr lang="en-GB" sz="1600" dirty="0"/>
+          </a:p>
+        </p:txBody>
+      </p:sp>
+      <p:sp>
+        <p:nvSpPr>
+          <p:cNvPr id="5" name="Title 1">
+            <a:extLst>
+              <a:ext uri="{FF2B5EF4-FFF2-40B4-BE49-F238E27FC236}">
+                <a16:creationId xmlns:a16="http://schemas.microsoft.com/office/drawing/2014/main" id="{EE6A33B5-531E-6D0D-2DB4-77BDBE8279E9}"/>
+              </a:ext>
+            </a:extLst>
+          </p:cNvPr>
+          <p:cNvSpPr txBox="1">
+            <a:spLocks/>
+          </p:cNvSpPr>
+          <p:nvPr/>
+        </p:nvSpPr>
+        <p:spPr>
+          <a:xfrm>
+            <a:off x="1916382" y="6430297"/>
+            <a:ext cx="8359236" cy="427703"/>
+          </a:xfrm>
+          <a:prstGeom prst="rect">
+            <a:avLst/>
+          </a:prstGeom>
+        </p:spPr>
+        <p:txBody>
+          <a:bodyPr vert="horz" lIns="91440" tIns="45720" rIns="91440" bIns="45720" rtlCol="0" anchor="ctr">
+            <a:noAutofit/>
+          </a:bodyPr>
+          <a:lstStyle>
+            <a:lvl1pPr algn="l" defTabSz="914400" rtl="0" eaLnBrk="1" latinLnBrk="0" hangingPunct="1">
+              <a:lnSpc>
+                <a:spcPct val="85000"/>
+              </a:lnSpc>
+              <a:spcBef>
+                <a:spcPct val="0"/>
+              </a:spcBef>
+              <a:buNone/>
+              <a:defRPr sz="4800" kern="1200" spc="-50" baseline="0">
+                <a:solidFill>
+                  <a:schemeClr val="tx1">
+                    <a:lumMod val="75000"/>
+                    <a:lumOff val="25000"/>
+                  </a:schemeClr>
+                </a:solidFill>
+                <a:latin typeface="+mj-lt"/>
+                <a:ea typeface="+mj-ea"/>
+                <a:cs typeface="+mj-cs"/>
+              </a:defRPr>
+            </a:lvl1pPr>
+          </a:lstStyle>
+          <a:p>
+            <a:pPr algn="ctr"/>
+            <a:r>
+              <a:rPr lang="en-GB" sz="1800" dirty="0">
+                <a:solidFill>
+                  <a:schemeClr val="bg1"/>
+                </a:solidFill>
+              </a:rPr>
+              <a:t>Reflection</a:t>
+            </a:r>
+          </a:p>
+        </p:txBody>
+      </p:sp>
+    </p:spTree>
+    <p:extLst>
+      <p:ext uri="{BB962C8B-B14F-4D97-AF65-F5344CB8AC3E}">
+        <p14:creationId xmlns:p14="http://schemas.microsoft.com/office/powerpoint/2010/main" val="453805289"/>
+      </p:ext>
+    </p:extLst>
+  </p:cSld>
+  <p:clrMapOvr>
+    <a:masterClrMapping/>
+  </p:clrMapOvr>
+</p:sld>
+</file>
+
+<file path=ppt/slides/slide2.xml><?xml version="1.0" encoding="utf-8"?>
+<p:sld xmlns:a="http://schemas.openxmlformats.org/drawingml/2006/main" xmlns:r="http://schemas.openxmlformats.org/officeDocument/2006/relationships" xmlns:p="http://schemas.openxmlformats.org/presentationml/2006/main">
+  <p:cSld>
+    <p:spTree>
+      <p:nvGrpSpPr>
+        <p:cNvPr id="1" name=""/>
+        <p:cNvGrpSpPr/>
+        <p:nvPr/>
+      </p:nvGrpSpPr>
+      <p:grpSpPr>
+        <a:xfrm>
+          <a:off x="0" y="0"/>
+          <a:ext cx="0" cy="0"/>
+          <a:chOff x="0" y="0"/>
+          <a:chExt cx="0" cy="0"/>
+        </a:xfrm>
+      </p:grpSpPr>
+      <p:sp>
+        <p:nvSpPr>
+          <p:cNvPr id="2" name="Title 1">
+            <a:extLst>
+              <a:ext uri="{FF2B5EF4-FFF2-40B4-BE49-F238E27FC236}">
+                <a16:creationId xmlns:a16="http://schemas.microsoft.com/office/drawing/2014/main" id="{C3F933D4-35C2-4E31-A612-8A764A5DB19A}"/>
+              </a:ext>
+            </a:extLst>
+          </p:cNvPr>
+          <p:cNvSpPr>
+            <a:spLocks noGrp="1"/>
+          </p:cNvSpPr>
+          <p:nvPr>
+            <p:ph type="title"/>
+          </p:nvPr>
+        </p:nvSpPr>
+        <p:spPr/>
+        <p:txBody>
+          <a:bodyPr/>
+          <a:lstStyle/>
+          <a:p>
+            <a:r>
+              <a:rPr lang="en-GB" dirty="0"/>
+              <a:t>Scottish Household Survey</a:t>
+            </a:r>
+          </a:p>
+        </p:txBody>
+      </p:sp>
+      <p:sp>
+        <p:nvSpPr>
+          <p:cNvPr id="3" name="Content Placeholder 2">
+            <a:extLst>
+              <a:ext uri="{FF2B5EF4-FFF2-40B4-BE49-F238E27FC236}">
+                <a16:creationId xmlns:a16="http://schemas.microsoft.com/office/drawing/2014/main" id="{003C209B-E2A6-2135-9A0F-C5D2AA48D051}"/>
+              </a:ext>
+            </a:extLst>
+          </p:cNvPr>
+          <p:cNvSpPr>
+            <a:spLocks noGrp="1"/>
+          </p:cNvSpPr>
+          <p:nvPr>
+            <p:ph idx="1"/>
+          </p:nvPr>
+        </p:nvSpPr>
+        <p:spPr/>
+        <p:txBody>
+          <a:bodyPr/>
+          <a:lstStyle/>
+          <a:p>
+            <a:pPr>
+              <a:lnSpc>
+                <a:spcPct val="200000"/>
+              </a:lnSpc>
+              <a:buFont typeface="Wingdings" panose="05000000000000000000" pitchFamily="2" charset="2"/>
+              <a:buChar char="§"/>
+            </a:pPr>
+            <a:r>
+              <a:rPr lang="en-GB" dirty="0"/>
+              <a:t>Annual cross-sectional survey of random people in private residences across Scotland</a:t>
+            </a:r>
+          </a:p>
+          <a:p>
+            <a:pPr>
+              <a:lnSpc>
+                <a:spcPct val="200000"/>
+              </a:lnSpc>
+              <a:buFont typeface="Wingdings" panose="05000000000000000000" pitchFamily="2" charset="2"/>
+              <a:buChar char="§"/>
+            </a:pPr>
+            <a:r>
+              <a:rPr lang="en-GB" dirty="0"/>
+              <a:t>In 2019 </a:t>
+            </a:r>
+            <a:r>
+              <a:rPr lang="en-GB" b="1" dirty="0"/>
+              <a:t>10,577</a:t>
+            </a:r>
+            <a:r>
+              <a:rPr lang="en-GB" dirty="0"/>
+              <a:t> householders agreed to take part</a:t>
+            </a:r>
+          </a:p>
+          <a:p>
+            <a:pPr>
+              <a:lnSpc>
+                <a:spcPct val="200000"/>
+              </a:lnSpc>
+              <a:buFont typeface="Wingdings" panose="05000000000000000000" pitchFamily="2" charset="2"/>
+              <a:buChar char="§"/>
+            </a:pPr>
+            <a:r>
+              <a:rPr lang="en-GB" dirty="0"/>
+              <a:t>Running since 1999</a:t>
+            </a:r>
+          </a:p>
+          <a:p>
+            <a:pPr>
+              <a:lnSpc>
+                <a:spcPct val="200000"/>
+              </a:lnSpc>
+              <a:buFont typeface="Wingdings" panose="05000000000000000000" pitchFamily="2" charset="2"/>
+              <a:buChar char="§"/>
+            </a:pPr>
+            <a:r>
+              <a:rPr lang="en-GB" dirty="0"/>
+              <a:t>Redesigned in 2011 and 2020</a:t>
+            </a:r>
+          </a:p>
+          <a:p>
+            <a:pPr>
+              <a:lnSpc>
+                <a:spcPct val="200000"/>
+              </a:lnSpc>
+              <a:buFont typeface="Wingdings" panose="05000000000000000000" pitchFamily="2" charset="2"/>
+              <a:buChar char="§"/>
+            </a:pPr>
+            <a:r>
+              <a:rPr lang="en-GB" dirty="0"/>
+              <a:t>Aims to provide policy relevant data and be useful to stakeholders</a:t>
+            </a:r>
+          </a:p>
+        </p:txBody>
+      </p:sp>
+      <p:sp>
+        <p:nvSpPr>
+          <p:cNvPr id="4" name="Title 1">
+            <a:extLst>
+              <a:ext uri="{FF2B5EF4-FFF2-40B4-BE49-F238E27FC236}">
+                <a16:creationId xmlns:a16="http://schemas.microsoft.com/office/drawing/2014/main" id="{8E23AF32-5D46-77FB-4875-43650A3F8CFF}"/>
+              </a:ext>
+            </a:extLst>
+          </p:cNvPr>
+          <p:cNvSpPr txBox="1">
+            <a:spLocks/>
+          </p:cNvSpPr>
+          <p:nvPr/>
+        </p:nvSpPr>
+        <p:spPr>
+          <a:xfrm>
+            <a:off x="4095496" y="6430297"/>
+            <a:ext cx="3937459" cy="427703"/>
+          </a:xfrm>
+          <a:prstGeom prst="rect">
+            <a:avLst/>
+          </a:prstGeom>
+        </p:spPr>
+        <p:txBody>
+          <a:bodyPr vert="horz" lIns="91440" tIns="45720" rIns="91440" bIns="45720" rtlCol="0" anchor="ctr">
+            <a:noAutofit/>
+          </a:bodyPr>
+          <a:lstStyle>
+            <a:lvl1pPr algn="l" defTabSz="914400" rtl="0" eaLnBrk="1" latinLnBrk="0" hangingPunct="1">
+              <a:lnSpc>
+                <a:spcPct val="85000"/>
+              </a:lnSpc>
+              <a:spcBef>
+                <a:spcPct val="0"/>
+              </a:spcBef>
+              <a:buNone/>
+              <a:defRPr sz="4800" kern="1200" spc="-50" baseline="0">
+                <a:solidFill>
+                  <a:schemeClr val="tx1">
+                    <a:lumMod val="75000"/>
+                    <a:lumOff val="25000"/>
+                  </a:schemeClr>
+                </a:solidFill>
+                <a:latin typeface="+mj-lt"/>
+                <a:ea typeface="+mj-ea"/>
+                <a:cs typeface="+mj-cs"/>
+              </a:defRPr>
+            </a:lvl1pPr>
+          </a:lstStyle>
+          <a:p>
+            <a:pPr algn="ctr"/>
+            <a:r>
+              <a:rPr lang="en-GB" sz="1600" dirty="0">
+                <a:solidFill>
+                  <a:schemeClr val="bg1"/>
+                </a:solidFill>
+              </a:rPr>
+              <a:t>Introduction</a:t>
+            </a:r>
+          </a:p>
+        </p:txBody>
+      </p:sp>
+      <p:sp>
+        <p:nvSpPr>
+          <p:cNvPr id="5" name="Slide Number Placeholder 4">
+            <a:extLst>
+              <a:ext uri="{FF2B5EF4-FFF2-40B4-BE49-F238E27FC236}">
+                <a16:creationId xmlns:a16="http://schemas.microsoft.com/office/drawing/2014/main" id="{A1C5E0BC-68F3-87A1-ED83-C6A043479943}"/>
+              </a:ext>
+            </a:extLst>
+          </p:cNvPr>
+          <p:cNvSpPr>
+            <a:spLocks noGrp="1"/>
+          </p:cNvSpPr>
+          <p:nvPr>
+            <p:ph type="sldNum" sz="quarter" idx="12"/>
+          </p:nvPr>
+        </p:nvSpPr>
+        <p:spPr/>
+        <p:txBody>
+          <a:bodyPr/>
+          <a:lstStyle/>
+          <a:p>
+            <a:fld id="{1D85C9CE-5A10-4592-9F88-5339DD41B12B}" type="slidenum">
+              <a:rPr lang="en-GB" sz="1600" smtClean="0"/>
+              <a:t>2</a:t>
+            </a:fld>
+            <a:endParaRPr lang="en-GB" sz="1600" dirty="0"/>
+          </a:p>
+        </p:txBody>
+      </p:sp>
+    </p:spTree>
+    <p:extLst>
+      <p:ext uri="{BB962C8B-B14F-4D97-AF65-F5344CB8AC3E}">
+        <p14:creationId xmlns:p14="http://schemas.microsoft.com/office/powerpoint/2010/main" val="1545199600"/>
+      </p:ext>
+    </p:extLst>
+  </p:cSld>
+  <p:clrMapOvr>
+    <a:masterClrMapping/>
+  </p:clrMapOvr>
+</p:sld>
+</file>
+
+<file path=ppt/slides/slide3.xml><?xml version="1.0" encoding="utf-8"?>
+<p:sld xmlns:a="http://schemas.openxmlformats.org/drawingml/2006/main" xmlns:r="http://schemas.openxmlformats.org/officeDocument/2006/relationships" xmlns:p="http://schemas.openxmlformats.org/presentationml/2006/main">
+  <p:cSld>
+    <p:spTree>
+      <p:nvGrpSpPr>
+        <p:cNvPr id="1" name=""/>
+        <p:cNvGrpSpPr/>
+        <p:nvPr/>
+      </p:nvGrpSpPr>
+      <p:grpSpPr>
+        <a:xfrm>
+          <a:off x="0" y="0"/>
+          <a:ext cx="0" cy="0"/>
+          <a:chOff x="0" y="0"/>
+          <a:chExt cx="0" cy="0"/>
+        </a:xfrm>
+      </p:grpSpPr>
+      <p:sp>
+        <p:nvSpPr>
+          <p:cNvPr id="2" name="Title 1">
+            <a:extLst>
+              <a:ext uri="{FF2B5EF4-FFF2-40B4-BE49-F238E27FC236}">
+                <a16:creationId xmlns:a16="http://schemas.microsoft.com/office/drawing/2014/main" id="{35C377BD-9620-BE32-683F-4B1E7EAD583F}"/>
+              </a:ext>
+            </a:extLst>
+          </p:cNvPr>
+          <p:cNvSpPr>
+            <a:spLocks noGrp="1"/>
+          </p:cNvSpPr>
+          <p:nvPr>
+            <p:ph type="title"/>
+          </p:nvPr>
+        </p:nvSpPr>
+        <p:spPr>
+          <a:xfrm>
+            <a:off x="1097280" y="286604"/>
+            <a:ext cx="10058400" cy="1421426"/>
+          </a:xfrm>
+        </p:spPr>
+        <p:txBody>
+          <a:bodyPr/>
+          <a:lstStyle/>
+          <a:p>
+            <a:r>
+              <a:rPr lang="en-GB" dirty="0"/>
+              <a:t>Definitions</a:t>
+            </a:r>
+          </a:p>
+        </p:txBody>
+      </p:sp>
+      <p:sp>
+        <p:nvSpPr>
+          <p:cNvPr id="3" name="Content Placeholder 2">
+            <a:extLst>
+              <a:ext uri="{FF2B5EF4-FFF2-40B4-BE49-F238E27FC236}">
+                <a16:creationId xmlns:a16="http://schemas.microsoft.com/office/drawing/2014/main" id="{B5E26AB3-6110-E03B-B262-85E79A7D137D}"/>
+              </a:ext>
+            </a:extLst>
+          </p:cNvPr>
+          <p:cNvSpPr>
+            <a:spLocks noGrp="1"/>
+          </p:cNvSpPr>
+          <p:nvPr>
+            <p:ph idx="1"/>
+          </p:nvPr>
+        </p:nvSpPr>
+        <p:spPr/>
+        <p:txBody>
+          <a:bodyPr>
+            <a:normAutofit lnSpcReduction="10000"/>
+          </a:bodyPr>
+          <a:lstStyle/>
+          <a:p>
+            <a:pPr>
+              <a:buFont typeface="Wingdings" panose="05000000000000000000" pitchFamily="2" charset="2"/>
+              <a:buChar char="§"/>
+            </a:pPr>
+            <a:r>
+              <a:rPr lang="en-GB" b="1" dirty="0"/>
+              <a:t>Neighbourhood rating</a:t>
+            </a:r>
+            <a:r>
+              <a:rPr lang="en-GB" dirty="0"/>
+              <a:t>: "THINKING NOW ABOUT THE NEIGHBOURHOOD YOU LIVE IN, HOW WOULD YOU RATE IT AS A PLACE TO LIVE? If pressed, define 'your neighbourhood' as: 'the street you live in and the streets nearby' (urban) or 'the local area' (rural).”</a:t>
+            </a:r>
+          </a:p>
+          <a:p>
+            <a:pPr marL="0" indent="0">
+              <a:buNone/>
+            </a:pPr>
+            <a:r>
+              <a:rPr lang="en-GB" dirty="0"/>
+              <a:t>(1) Very good   (2) Fairly good   (3) Fairly poor   (4) Very poor   No opinion</a:t>
+            </a:r>
+          </a:p>
+          <a:p>
+            <a:pPr>
+              <a:buFont typeface="Wingdings" panose="05000000000000000000" pitchFamily="2" charset="2"/>
+              <a:buChar char="§"/>
+            </a:pPr>
+            <a:r>
+              <a:rPr lang="en-GB" b="1" dirty="0"/>
+              <a:t>Community belonging</a:t>
+            </a:r>
+            <a:r>
+              <a:rPr lang="en-GB" dirty="0"/>
+              <a:t>: "HOW STRONGLY DO YOU FEEL YOU BELONG TO YOUR IMMEDIATE NEIGHBOURHOOD?“</a:t>
+            </a:r>
+          </a:p>
+          <a:p>
+            <a:pPr marL="0" indent="0">
+              <a:buNone/>
+            </a:pPr>
+            <a:r>
+              <a:rPr lang="en-GB" dirty="0"/>
+              <a:t>(1) Very strongly  (2) Fairly strongly  (3) Not very strongly  (4) Not at all strongly  Don't know</a:t>
+            </a:r>
+          </a:p>
+          <a:p>
+            <a:pPr>
+              <a:buFont typeface="Wingdings" panose="05000000000000000000" pitchFamily="2" charset="2"/>
+              <a:buChar char="§"/>
+            </a:pPr>
+            <a:r>
+              <a:rPr lang="en-GB" dirty="0"/>
+              <a:t> </a:t>
+            </a:r>
+            <a:r>
+              <a:rPr lang="en-GB" i="1" dirty="0"/>
+              <a:t>SIMD quintile</a:t>
+            </a:r>
+            <a:r>
+              <a:rPr lang="en-GB" dirty="0"/>
+              <a:t>: </a:t>
+            </a:r>
+            <a:r>
+              <a:rPr lang="en-GB" b="0" i="0" dirty="0">
+                <a:effectLst/>
+              </a:rPr>
+              <a:t>Scottish Index of Multiple Deprivation. This categorises 6,976 small areas of Scotland based on income, employment, education, health, access to services, crime, and housing.</a:t>
+            </a:r>
+          </a:p>
+          <a:p>
+            <a:pPr>
+              <a:buFont typeface="Wingdings" panose="05000000000000000000" pitchFamily="2" charset="2"/>
+              <a:buChar char="§"/>
+            </a:pPr>
+            <a:r>
+              <a:rPr lang="en-GB" i="1" dirty="0"/>
+              <a:t>Social rented</a:t>
+            </a:r>
+            <a:r>
+              <a:rPr lang="en-GB" dirty="0"/>
+              <a:t>: Managed by public authorities and housing associations with support from the Scottish Government.</a:t>
+            </a:r>
+          </a:p>
+        </p:txBody>
+      </p:sp>
+      <p:sp>
+        <p:nvSpPr>
+          <p:cNvPr id="4" name="Slide Number Placeholder 3">
+            <a:extLst>
+              <a:ext uri="{FF2B5EF4-FFF2-40B4-BE49-F238E27FC236}">
+                <a16:creationId xmlns:a16="http://schemas.microsoft.com/office/drawing/2014/main" id="{99422681-368E-1E82-E6A9-FD242C381957}"/>
+              </a:ext>
+            </a:extLst>
+          </p:cNvPr>
+          <p:cNvSpPr>
+            <a:spLocks noGrp="1"/>
+          </p:cNvSpPr>
+          <p:nvPr>
+            <p:ph type="sldNum" sz="quarter" idx="12"/>
+          </p:nvPr>
+        </p:nvSpPr>
+        <p:spPr/>
+        <p:txBody>
+          <a:bodyPr/>
+          <a:lstStyle/>
+          <a:p>
+            <a:fld id="{1D85C9CE-5A10-4592-9F88-5339DD41B12B}" type="slidenum">
+              <a:rPr lang="en-GB" sz="1600" smtClean="0"/>
+              <a:t>3</a:t>
+            </a:fld>
+            <a:endParaRPr lang="en-GB" sz="1600" dirty="0"/>
+          </a:p>
+        </p:txBody>
+      </p:sp>
+      <p:sp>
+        <p:nvSpPr>
+          <p:cNvPr id="5" name="Title 1">
+            <a:extLst>
+              <a:ext uri="{FF2B5EF4-FFF2-40B4-BE49-F238E27FC236}">
+                <a16:creationId xmlns:a16="http://schemas.microsoft.com/office/drawing/2014/main" id="{84E92764-7782-291A-8F1E-6DCAEADED256}"/>
+              </a:ext>
+            </a:extLst>
+          </p:cNvPr>
+          <p:cNvSpPr txBox="1">
+            <a:spLocks/>
+          </p:cNvSpPr>
+          <p:nvPr/>
+        </p:nvSpPr>
+        <p:spPr>
+          <a:xfrm>
+            <a:off x="4095496" y="6430297"/>
+            <a:ext cx="3937459" cy="427703"/>
+          </a:xfrm>
+          <a:prstGeom prst="rect">
+            <a:avLst/>
+          </a:prstGeom>
+        </p:spPr>
+        <p:txBody>
+          <a:bodyPr vert="horz" lIns="91440" tIns="45720" rIns="91440" bIns="45720" rtlCol="0" anchor="ctr">
+            <a:noAutofit/>
+          </a:bodyPr>
+          <a:lstStyle>
+            <a:lvl1pPr algn="l" defTabSz="914400" rtl="0" eaLnBrk="1" latinLnBrk="0" hangingPunct="1">
+              <a:lnSpc>
+                <a:spcPct val="85000"/>
+              </a:lnSpc>
+              <a:spcBef>
+                <a:spcPct val="0"/>
+              </a:spcBef>
+              <a:buNone/>
+              <a:defRPr sz="4800" kern="1200" spc="-50" baseline="0">
+                <a:solidFill>
+                  <a:schemeClr val="tx1">
+                    <a:lumMod val="75000"/>
+                    <a:lumOff val="25000"/>
+                  </a:schemeClr>
+                </a:solidFill>
+                <a:latin typeface="+mj-lt"/>
+                <a:ea typeface="+mj-ea"/>
+                <a:cs typeface="+mj-cs"/>
+              </a:defRPr>
+            </a:lvl1pPr>
+          </a:lstStyle>
+          <a:p>
+            <a:pPr algn="ctr"/>
+            <a:r>
+              <a:rPr lang="en-GB" sz="1600" dirty="0">
+                <a:solidFill>
+                  <a:schemeClr val="bg1"/>
+                </a:solidFill>
+              </a:rPr>
+              <a:t>Introduction</a:t>
+            </a:r>
+          </a:p>
+        </p:txBody>
+      </p:sp>
+    </p:spTree>
+    <p:extLst>
+      <p:ext uri="{BB962C8B-B14F-4D97-AF65-F5344CB8AC3E}">
+        <p14:creationId xmlns:p14="http://schemas.microsoft.com/office/powerpoint/2010/main" val="2671449566"/>
+      </p:ext>
+    </p:extLst>
+  </p:cSld>
+  <p:clrMapOvr>
+    <a:masterClrMapping/>
+  </p:clrMapOvr>
+</p:sld>
+</file>
+
+<file path=ppt/slides/slide4.xml><?xml version="1.0" encoding="utf-8"?>
+<p:sld xmlns:a="http://schemas.openxmlformats.org/drawingml/2006/main" xmlns:r="http://schemas.openxmlformats.org/officeDocument/2006/relationships" xmlns:p="http://schemas.openxmlformats.org/presentationml/2006/main">
+  <p:cSld>
+    <p:spTree>
+      <p:nvGrpSpPr>
+        <p:cNvPr id="1" name=""/>
+        <p:cNvGrpSpPr/>
+        <p:nvPr/>
+      </p:nvGrpSpPr>
+      <p:grpSpPr>
+        <a:xfrm>
+          <a:off x="0" y="0"/>
+          <a:ext cx="0" cy="0"/>
+          <a:chOff x="0" y="0"/>
+          <a:chExt cx="0" cy="0"/>
+        </a:xfrm>
+      </p:grpSpPr>
+      <p:sp>
+        <p:nvSpPr>
+          <p:cNvPr id="2" name="Title 1">
+            <a:extLst>
+              <a:ext uri="{FF2B5EF4-FFF2-40B4-BE49-F238E27FC236}">
+                <a16:creationId xmlns:a16="http://schemas.microsoft.com/office/drawing/2014/main" id="{03331F46-1AE2-D1E0-45EE-5DFC66EEBB34}"/>
+              </a:ext>
+            </a:extLst>
+          </p:cNvPr>
+          <p:cNvSpPr>
+            <a:spLocks noGrp="1"/>
+          </p:cNvSpPr>
+          <p:nvPr>
+            <p:ph type="title"/>
+          </p:nvPr>
+        </p:nvSpPr>
+        <p:spPr/>
+        <p:txBody>
+          <a:bodyPr/>
+          <a:lstStyle/>
+          <a:p>
+            <a:r>
+              <a:rPr lang="en-GB" dirty="0"/>
+              <a:t>Key Questions</a:t>
+            </a:r>
+          </a:p>
+        </p:txBody>
+      </p:sp>
+      <p:sp>
+        <p:nvSpPr>
+          <p:cNvPr id="3" name="Content Placeholder 2">
+            <a:extLst>
+              <a:ext uri="{FF2B5EF4-FFF2-40B4-BE49-F238E27FC236}">
+                <a16:creationId xmlns:a16="http://schemas.microsoft.com/office/drawing/2014/main" id="{A920BE4C-E4CB-7E17-C08B-6B3EE40FCE08}"/>
+              </a:ext>
+            </a:extLst>
+          </p:cNvPr>
+          <p:cNvSpPr>
+            <a:spLocks noGrp="1"/>
+          </p:cNvSpPr>
+          <p:nvPr>
+            <p:ph idx="1"/>
+          </p:nvPr>
+        </p:nvSpPr>
+        <p:spPr/>
+        <p:txBody>
+          <a:bodyPr/>
+          <a:lstStyle/>
+          <a:p>
+            <a:pPr marL="457200" indent="-457200">
+              <a:lnSpc>
+                <a:spcPct val="300000"/>
+              </a:lnSpc>
+              <a:buFont typeface="+mj-lt"/>
+              <a:buAutoNum type="arabicPeriod"/>
+            </a:pPr>
+            <a:r>
+              <a:rPr lang="en-GB" dirty="0"/>
+              <a:t>Does access to greenspace increase neighbourhood ratings and/or community belonging?</a:t>
+            </a:r>
+          </a:p>
+          <a:p>
+            <a:pPr marL="457200" indent="-457200">
+              <a:lnSpc>
+                <a:spcPct val="300000"/>
+              </a:lnSpc>
+              <a:buFont typeface="+mj-lt"/>
+              <a:buAutoNum type="arabicPeriod"/>
+            </a:pPr>
+            <a:r>
+              <a:rPr lang="en-GB" dirty="0"/>
+              <a:t>Which areas have the best and worst ratings? </a:t>
+            </a:r>
+          </a:p>
+          <a:p>
+            <a:pPr marL="457200" indent="-457200">
+              <a:lnSpc>
+                <a:spcPct val="300000"/>
+              </a:lnSpc>
+              <a:buFont typeface="+mj-lt"/>
+              <a:buAutoNum type="arabicPeriod"/>
+            </a:pPr>
+            <a:r>
+              <a:rPr lang="en-GB" dirty="0"/>
+              <a:t>What factors influence neighbourhood ratings and community belonging?</a:t>
+            </a:r>
+          </a:p>
+        </p:txBody>
+      </p:sp>
+      <p:sp>
+        <p:nvSpPr>
+          <p:cNvPr id="4" name="Slide Number Placeholder 3">
+            <a:extLst>
+              <a:ext uri="{FF2B5EF4-FFF2-40B4-BE49-F238E27FC236}">
+                <a16:creationId xmlns:a16="http://schemas.microsoft.com/office/drawing/2014/main" id="{92D3772B-7187-1F90-A29E-1474734A67C4}"/>
+              </a:ext>
+            </a:extLst>
+          </p:cNvPr>
+          <p:cNvSpPr>
+            <a:spLocks noGrp="1"/>
+          </p:cNvSpPr>
+          <p:nvPr>
+            <p:ph type="sldNum" sz="quarter" idx="12"/>
+          </p:nvPr>
+        </p:nvSpPr>
+        <p:spPr/>
+        <p:txBody>
+          <a:bodyPr/>
+          <a:lstStyle/>
+          <a:p>
+            <a:fld id="{1D85C9CE-5A10-4592-9F88-5339DD41B12B}" type="slidenum">
+              <a:rPr lang="en-GB" sz="1600" smtClean="0"/>
+              <a:t>4</a:t>
+            </a:fld>
+            <a:endParaRPr lang="en-GB" sz="1600"/>
+          </a:p>
+        </p:txBody>
+      </p:sp>
+      <p:sp>
+        <p:nvSpPr>
+          <p:cNvPr id="5" name="Title 1">
+            <a:extLst>
+              <a:ext uri="{FF2B5EF4-FFF2-40B4-BE49-F238E27FC236}">
+                <a16:creationId xmlns:a16="http://schemas.microsoft.com/office/drawing/2014/main" id="{AB3482B1-21C3-8ADB-7CAD-26BDAF578ECC}"/>
+              </a:ext>
+            </a:extLst>
+          </p:cNvPr>
+          <p:cNvSpPr txBox="1">
+            <a:spLocks/>
+          </p:cNvSpPr>
+          <p:nvPr/>
+        </p:nvSpPr>
+        <p:spPr>
+          <a:xfrm>
+            <a:off x="4095496" y="6430297"/>
+            <a:ext cx="3937459" cy="427703"/>
+          </a:xfrm>
+          <a:prstGeom prst="rect">
+            <a:avLst/>
+          </a:prstGeom>
+        </p:spPr>
+        <p:txBody>
+          <a:bodyPr vert="horz" lIns="91440" tIns="45720" rIns="91440" bIns="45720" rtlCol="0" anchor="ctr">
+            <a:noAutofit/>
+          </a:bodyPr>
+          <a:lstStyle>
+            <a:lvl1pPr algn="l" defTabSz="914400" rtl="0" eaLnBrk="1" latinLnBrk="0" hangingPunct="1">
+              <a:lnSpc>
+                <a:spcPct val="85000"/>
+              </a:lnSpc>
+              <a:spcBef>
+                <a:spcPct val="0"/>
+              </a:spcBef>
+              <a:buNone/>
+              <a:defRPr sz="4800" kern="1200" spc="-50" baseline="0">
+                <a:solidFill>
+                  <a:schemeClr val="tx1">
+                    <a:lumMod val="75000"/>
+                    <a:lumOff val="25000"/>
+                  </a:schemeClr>
+                </a:solidFill>
+                <a:latin typeface="+mj-lt"/>
+                <a:ea typeface="+mj-ea"/>
+                <a:cs typeface="+mj-cs"/>
+              </a:defRPr>
+            </a:lvl1pPr>
+          </a:lstStyle>
+          <a:p>
+            <a:pPr algn="ctr"/>
+            <a:r>
+              <a:rPr lang="en-GB" sz="1600" dirty="0">
+                <a:solidFill>
+                  <a:schemeClr val="bg1"/>
+                </a:solidFill>
+              </a:rPr>
+              <a:t>Introduction</a:t>
+            </a:r>
+          </a:p>
+        </p:txBody>
+      </p:sp>
+    </p:spTree>
+    <p:extLst>
+      <p:ext uri="{BB962C8B-B14F-4D97-AF65-F5344CB8AC3E}">
+        <p14:creationId xmlns:p14="http://schemas.microsoft.com/office/powerpoint/2010/main" val="241634540"/>
+      </p:ext>
+    </p:extLst>
+  </p:cSld>
+  <p:clrMapOvr>
+    <a:masterClrMapping/>
+  </p:clrMapOvr>
+</p:sld>
+</file>
+
+<file path=ppt/slides/slide5.xml><?xml version="1.0" encoding="utf-8"?>
+<p:sld xmlns:a="http://schemas.openxmlformats.org/drawingml/2006/main" xmlns:r="http://schemas.openxmlformats.org/officeDocument/2006/relationships" xmlns:p="http://schemas.openxmlformats.org/presentationml/2006/main">
+  <p:cSld>
+    <p:spTree>
+      <p:nvGrpSpPr>
+        <p:cNvPr id="1" name=""/>
+        <p:cNvGrpSpPr/>
+        <p:nvPr/>
+      </p:nvGrpSpPr>
+      <p:grpSpPr>
+        <a:xfrm>
+          <a:off x="0" y="0"/>
+          <a:ext cx="0" cy="0"/>
+          <a:chOff x="0" y="0"/>
+          <a:chExt cx="0" cy="0"/>
+        </a:xfrm>
+      </p:grpSpPr>
+      <p:sp>
+        <p:nvSpPr>
+          <p:cNvPr id="2" name="Title 1">
+            <a:extLst>
+              <a:ext uri="{FF2B5EF4-FFF2-40B4-BE49-F238E27FC236}">
+                <a16:creationId xmlns:a16="http://schemas.microsoft.com/office/drawing/2014/main" id="{1C79518F-5D00-1F9F-A1DF-1EBFD9E89AC8}"/>
+              </a:ext>
+            </a:extLst>
+          </p:cNvPr>
+          <p:cNvSpPr>
+            <a:spLocks noGrp="1"/>
+          </p:cNvSpPr>
+          <p:nvPr>
+            <p:ph type="title"/>
+          </p:nvPr>
+        </p:nvSpPr>
+        <p:spPr>
+          <a:xfrm>
+            <a:off x="1097280" y="286603"/>
+            <a:ext cx="10058400" cy="1034427"/>
+          </a:xfrm>
+        </p:spPr>
+        <p:txBody>
+          <a:bodyPr/>
+          <a:lstStyle/>
+          <a:p>
+            <a:r>
+              <a:rPr lang="en-GB" dirty="0"/>
+              <a:t>Data Cleaning</a:t>
+            </a:r>
+          </a:p>
+        </p:txBody>
+      </p:sp>
+      <p:pic>
+        <p:nvPicPr>
+          <p:cNvPr id="5" name="Picture 4">
+            <a:extLst>
+              <a:ext uri="{FF2B5EF4-FFF2-40B4-BE49-F238E27FC236}">
+                <a16:creationId xmlns:a16="http://schemas.microsoft.com/office/drawing/2014/main" id="{8678A037-3A25-F7DD-A693-D8A590979358}"/>
+              </a:ext>
+            </a:extLst>
+          </p:cNvPr>
+          <p:cNvPicPr>
+            <a:picLocks noChangeAspect="1"/>
+          </p:cNvPicPr>
+          <p:nvPr/>
+        </p:nvPicPr>
+        <p:blipFill>
+          <a:blip r:embed="rId3"/>
+          <a:stretch>
+            <a:fillRect/>
+          </a:stretch>
+        </p:blipFill>
+        <p:spPr>
+          <a:xfrm>
+            <a:off x="0" y="1559033"/>
+            <a:ext cx="12192000" cy="1916883"/>
+          </a:xfrm>
+          <a:prstGeom prst="rect">
+            <a:avLst/>
+          </a:prstGeom>
+        </p:spPr>
+      </p:pic>
+      <p:sp>
+        <p:nvSpPr>
+          <p:cNvPr id="6" name="TextBox 5">
+            <a:extLst>
+              <a:ext uri="{FF2B5EF4-FFF2-40B4-BE49-F238E27FC236}">
+                <a16:creationId xmlns:a16="http://schemas.microsoft.com/office/drawing/2014/main" id="{0E36BF1D-9ECF-D5D5-B79E-4B09C4C033DC}"/>
+              </a:ext>
+            </a:extLst>
+          </p:cNvPr>
+          <p:cNvSpPr txBox="1"/>
+          <p:nvPr/>
+        </p:nvSpPr>
+        <p:spPr>
+          <a:xfrm>
+            <a:off x="1210156" y="3708256"/>
+            <a:ext cx="9771688" cy="707886"/>
+          </a:xfrm>
+          <a:prstGeom prst="rect">
+            <a:avLst/>
+          </a:prstGeom>
+          <a:noFill/>
+        </p:spPr>
+        <p:txBody>
+          <a:bodyPr wrap="square" rtlCol="0">
+            <a:spAutoFit/>
+          </a:bodyPr>
+          <a:lstStyle/>
+          <a:p>
+            <a:pPr algn="ctr"/>
+            <a:r>
+              <a:rPr lang="en-GB" sz="2000" dirty="0"/>
+              <a:t>Row 9: </a:t>
+            </a:r>
+            <a:r>
+              <a:rPr lang="en-GB" sz="2000" dirty="0">
+                <a:solidFill>
+                  <a:schemeClr val="accent2">
+                    <a:lumMod val="75000"/>
+                  </a:schemeClr>
+                </a:solidFill>
+              </a:rPr>
+              <a:t>42</a:t>
+            </a:r>
+            <a:r>
+              <a:rPr lang="en-GB" sz="2000" dirty="0">
+                <a:solidFill>
+                  <a:schemeClr val="accent2">
+                    <a:lumMod val="60000"/>
+                    <a:lumOff val="40000"/>
+                  </a:schemeClr>
+                </a:solidFill>
+              </a:rPr>
+              <a:t>%</a:t>
+            </a:r>
+            <a:r>
+              <a:rPr lang="en-GB" sz="2000" dirty="0">
+                <a:solidFill>
+                  <a:schemeClr val="accent2">
+                    <a:lumMod val="75000"/>
+                  </a:schemeClr>
+                </a:solidFill>
+              </a:rPr>
+              <a:t> </a:t>
+            </a:r>
+            <a:r>
+              <a:rPr lang="en-GB" sz="2000" dirty="0"/>
+              <a:t>of adults in </a:t>
+            </a:r>
+            <a:r>
+              <a:rPr lang="en-GB" sz="2000" dirty="0">
+                <a:solidFill>
+                  <a:schemeClr val="bg2">
+                    <a:lumMod val="75000"/>
+                  </a:schemeClr>
+                </a:solidFill>
+              </a:rPr>
+              <a:t>a particular council area </a:t>
+            </a:r>
+            <a:r>
+              <a:rPr lang="en-GB" sz="2000" dirty="0"/>
+              <a:t>in </a:t>
+            </a:r>
+            <a:r>
+              <a:rPr lang="en-GB" sz="2000" dirty="0">
+                <a:solidFill>
+                  <a:schemeClr val="accent1">
+                    <a:lumMod val="60000"/>
+                    <a:lumOff val="40000"/>
+                  </a:schemeClr>
+                </a:solidFill>
+              </a:rPr>
+              <a:t>2019</a:t>
+            </a:r>
+            <a:r>
+              <a:rPr lang="en-GB" sz="2000" dirty="0"/>
+              <a:t> with </a:t>
+            </a:r>
+            <a:r>
+              <a:rPr lang="en-GB" sz="2000" dirty="0">
+                <a:solidFill>
+                  <a:schemeClr val="accent5">
+                    <a:lumMod val="75000"/>
+                  </a:schemeClr>
+                </a:solidFill>
+              </a:rPr>
+              <a:t>a walking distance of more than 10 minutes to their nearest greenspace</a:t>
+            </a:r>
+            <a:r>
+              <a:rPr lang="en-GB" sz="2000" dirty="0"/>
+              <a:t> rated their neighbourhood </a:t>
+            </a:r>
+            <a:r>
+              <a:rPr lang="en-GB" sz="2000" dirty="0">
+                <a:solidFill>
+                  <a:schemeClr val="accent6">
+                    <a:lumMod val="75000"/>
+                  </a:schemeClr>
+                </a:solidFill>
+              </a:rPr>
+              <a:t>“Very good”.</a:t>
+            </a:r>
+          </a:p>
+        </p:txBody>
+      </p:sp>
+      <p:sp>
+        <p:nvSpPr>
+          <p:cNvPr id="7" name="Rectangle 6">
+            <a:extLst>
+              <a:ext uri="{FF2B5EF4-FFF2-40B4-BE49-F238E27FC236}">
+                <a16:creationId xmlns:a16="http://schemas.microsoft.com/office/drawing/2014/main" id="{51AF3587-D941-E2CB-4572-0FB04A419C77}"/>
+              </a:ext>
+            </a:extLst>
+          </p:cNvPr>
+          <p:cNvSpPr/>
+          <p:nvPr/>
+        </p:nvSpPr>
+        <p:spPr>
+          <a:xfrm>
+            <a:off x="3907766" y="3269412"/>
+            <a:ext cx="448575" cy="200666"/>
+          </a:xfrm>
+          <a:prstGeom prst="rect">
+            <a:avLst/>
+          </a:prstGeom>
+          <a:noFill/>
+          <a:ln w="57150">
+            <a:solidFill>
+              <a:schemeClr val="accent2">
+                <a:lumMod val="75000"/>
+              </a:schemeClr>
+            </a:solidFill>
+          </a:ln>
+        </p:spPr>
+        <p:style>
+          <a:lnRef idx="2">
+            <a:schemeClr val="accent1">
+              <a:shade val="15000"/>
+            </a:schemeClr>
+          </a:lnRef>
+          <a:fillRef idx="1">
+            <a:schemeClr val="accent1"/>
+          </a:fillRef>
+          <a:effectRef idx="0">
+            <a:schemeClr val="accent1"/>
+          </a:effectRef>
+          <a:fontRef idx="minor">
+            <a:schemeClr val="lt1"/>
+          </a:fontRef>
+        </p:style>
+        <p:txBody>
+          <a:bodyPr rtlCol="0" anchor="ctr"/>
+          <a:lstStyle/>
+          <a:p>
+            <a:pPr algn="ctr"/>
+            <a:endParaRPr lang="en-GB"/>
+          </a:p>
+        </p:txBody>
+      </p:sp>
+      <p:sp>
+        <p:nvSpPr>
+          <p:cNvPr id="8" name="Rectangle 7">
+            <a:extLst>
+              <a:ext uri="{FF2B5EF4-FFF2-40B4-BE49-F238E27FC236}">
+                <a16:creationId xmlns:a16="http://schemas.microsoft.com/office/drawing/2014/main" id="{231A59BD-1F70-EA91-6346-038B9DC41ADA}"/>
+              </a:ext>
+            </a:extLst>
+          </p:cNvPr>
+          <p:cNvSpPr/>
+          <p:nvPr/>
+        </p:nvSpPr>
+        <p:spPr>
+          <a:xfrm>
+            <a:off x="1682151" y="3255351"/>
+            <a:ext cx="379563" cy="206505"/>
+          </a:xfrm>
+          <a:prstGeom prst="rect">
+            <a:avLst/>
+          </a:prstGeom>
+          <a:noFill/>
+          <a:ln w="57150">
+            <a:solidFill>
+              <a:schemeClr val="accent2">
+                <a:lumMod val="60000"/>
+                <a:lumOff val="40000"/>
+              </a:schemeClr>
+            </a:solidFill>
+          </a:ln>
+        </p:spPr>
+        <p:style>
+          <a:lnRef idx="2">
+            <a:schemeClr val="accent1">
+              <a:shade val="15000"/>
+            </a:schemeClr>
+          </a:lnRef>
+          <a:fillRef idx="1">
+            <a:schemeClr val="accent1"/>
+          </a:fillRef>
+          <a:effectRef idx="0">
+            <a:schemeClr val="accent1"/>
+          </a:effectRef>
+          <a:fontRef idx="minor">
+            <a:schemeClr val="lt1"/>
+          </a:fontRef>
+        </p:style>
+        <p:txBody>
+          <a:bodyPr rtlCol="0" anchor="ctr"/>
+          <a:lstStyle/>
+          <a:p>
+            <a:pPr algn="ctr"/>
+            <a:endParaRPr lang="en-GB"/>
+          </a:p>
+        </p:txBody>
+      </p:sp>
+      <p:sp>
+        <p:nvSpPr>
+          <p:cNvPr id="9" name="Rectangle 8">
+            <a:extLst>
+              <a:ext uri="{FF2B5EF4-FFF2-40B4-BE49-F238E27FC236}">
+                <a16:creationId xmlns:a16="http://schemas.microsoft.com/office/drawing/2014/main" id="{30FDDDBC-E669-2DA1-86AD-84504810A366}"/>
+              </a:ext>
+            </a:extLst>
+          </p:cNvPr>
+          <p:cNvSpPr/>
+          <p:nvPr/>
+        </p:nvSpPr>
+        <p:spPr>
+          <a:xfrm>
+            <a:off x="1302588" y="3255352"/>
+            <a:ext cx="379563" cy="206505"/>
+          </a:xfrm>
+          <a:prstGeom prst="rect">
+            <a:avLst/>
+          </a:prstGeom>
+          <a:noFill/>
+          <a:ln w="57150">
+            <a:solidFill>
+              <a:schemeClr val="accent1">
+                <a:lumMod val="60000"/>
+                <a:lumOff val="40000"/>
+              </a:schemeClr>
+            </a:solidFill>
+          </a:ln>
+        </p:spPr>
+        <p:style>
+          <a:lnRef idx="2">
+            <a:schemeClr val="accent1">
+              <a:shade val="15000"/>
+            </a:schemeClr>
+          </a:lnRef>
+          <a:fillRef idx="1">
+            <a:schemeClr val="accent1"/>
+          </a:fillRef>
+          <a:effectRef idx="0">
+            <a:schemeClr val="accent1"/>
+          </a:effectRef>
+          <a:fontRef idx="minor">
+            <a:schemeClr val="lt1"/>
+          </a:fontRef>
+        </p:style>
+        <p:txBody>
+          <a:bodyPr rtlCol="0" anchor="ctr"/>
+          <a:lstStyle/>
+          <a:p>
+            <a:pPr algn="ctr"/>
+            <a:endParaRPr lang="en-GB"/>
+          </a:p>
+        </p:txBody>
+      </p:sp>
+      <p:sp>
+        <p:nvSpPr>
+          <p:cNvPr id="10" name="Rectangle 9">
+            <a:extLst>
+              <a:ext uri="{FF2B5EF4-FFF2-40B4-BE49-F238E27FC236}">
+                <a16:creationId xmlns:a16="http://schemas.microsoft.com/office/drawing/2014/main" id="{BC5F5E9A-7F2E-45D9-05F9-B6525959FEE8}"/>
+              </a:ext>
+            </a:extLst>
+          </p:cNvPr>
+          <p:cNvSpPr/>
+          <p:nvPr/>
+        </p:nvSpPr>
+        <p:spPr>
+          <a:xfrm>
+            <a:off x="241540" y="3275251"/>
+            <a:ext cx="596660" cy="200666"/>
+          </a:xfrm>
+          <a:prstGeom prst="rect">
+            <a:avLst/>
+          </a:prstGeom>
+          <a:noFill/>
+          <a:ln w="57150">
+            <a:solidFill>
+              <a:schemeClr val="bg2">
+                <a:lumMod val="75000"/>
+              </a:schemeClr>
+            </a:solidFill>
+          </a:ln>
+        </p:spPr>
+        <p:style>
+          <a:lnRef idx="2">
+            <a:schemeClr val="accent1">
+              <a:shade val="15000"/>
+            </a:schemeClr>
+          </a:lnRef>
+          <a:fillRef idx="1">
+            <a:schemeClr val="accent1"/>
+          </a:fillRef>
+          <a:effectRef idx="0">
+            <a:schemeClr val="accent1"/>
+          </a:effectRef>
+          <a:fontRef idx="minor">
+            <a:schemeClr val="lt1"/>
+          </a:fontRef>
+        </p:style>
+        <p:txBody>
+          <a:bodyPr rtlCol="0" anchor="ctr"/>
+          <a:lstStyle/>
+          <a:p>
+            <a:pPr algn="ctr"/>
+            <a:endParaRPr lang="en-GB"/>
+          </a:p>
+        </p:txBody>
+      </p:sp>
+      <p:sp>
+        <p:nvSpPr>
+          <p:cNvPr id="11" name="Rectangle 10">
+            <a:extLst>
+              <a:ext uri="{FF2B5EF4-FFF2-40B4-BE49-F238E27FC236}">
+                <a16:creationId xmlns:a16="http://schemas.microsoft.com/office/drawing/2014/main" id="{2ADB50D6-23A9-5EA5-D768-713A4BC867CA}"/>
+              </a:ext>
+            </a:extLst>
+          </p:cNvPr>
+          <p:cNvSpPr/>
+          <p:nvPr/>
+        </p:nvSpPr>
+        <p:spPr>
+          <a:xfrm>
+            <a:off x="4356341" y="3269411"/>
+            <a:ext cx="474453" cy="206505"/>
+          </a:xfrm>
+          <a:prstGeom prst="rect">
+            <a:avLst/>
+          </a:prstGeom>
+          <a:noFill/>
+          <a:ln w="57150">
+            <a:solidFill>
+              <a:schemeClr val="accent6">
+                <a:lumMod val="75000"/>
+              </a:schemeClr>
+            </a:solidFill>
+          </a:ln>
+        </p:spPr>
+        <p:style>
+          <a:lnRef idx="2">
+            <a:schemeClr val="accent1">
+              <a:shade val="15000"/>
+            </a:schemeClr>
+          </a:lnRef>
+          <a:fillRef idx="1">
+            <a:schemeClr val="accent1"/>
+          </a:fillRef>
+          <a:effectRef idx="0">
+            <a:schemeClr val="accent1"/>
+          </a:effectRef>
+          <a:fontRef idx="minor">
+            <a:schemeClr val="lt1"/>
+          </a:fontRef>
+        </p:style>
+        <p:txBody>
+          <a:bodyPr rtlCol="0" anchor="ctr"/>
+          <a:lstStyle/>
+          <a:p>
+            <a:pPr algn="ctr"/>
+            <a:endParaRPr lang="en-GB"/>
+          </a:p>
+        </p:txBody>
+      </p:sp>
+      <p:sp>
+        <p:nvSpPr>
+          <p:cNvPr id="12" name="Rectangle 11">
+            <a:extLst>
+              <a:ext uri="{FF2B5EF4-FFF2-40B4-BE49-F238E27FC236}">
+                <a16:creationId xmlns:a16="http://schemas.microsoft.com/office/drawing/2014/main" id="{C5E03671-D691-EC9A-30C3-12BFA38A6F7F}"/>
+              </a:ext>
+            </a:extLst>
+          </p:cNvPr>
+          <p:cNvSpPr/>
+          <p:nvPr/>
+        </p:nvSpPr>
+        <p:spPr>
+          <a:xfrm>
+            <a:off x="10372436" y="3271989"/>
+            <a:ext cx="981364" cy="206505"/>
+          </a:xfrm>
+          <a:prstGeom prst="rect">
+            <a:avLst/>
+          </a:prstGeom>
+          <a:noFill/>
+          <a:ln w="57150">
+            <a:solidFill>
+              <a:schemeClr val="accent5">
+                <a:lumMod val="75000"/>
+              </a:schemeClr>
+            </a:solidFill>
+          </a:ln>
+        </p:spPr>
+        <p:style>
+          <a:lnRef idx="2">
+            <a:schemeClr val="accent1">
+              <a:shade val="15000"/>
+            </a:schemeClr>
+          </a:lnRef>
+          <a:fillRef idx="1">
+            <a:schemeClr val="accent1"/>
+          </a:fillRef>
+          <a:effectRef idx="0">
+            <a:schemeClr val="accent1"/>
+          </a:effectRef>
+          <a:fontRef idx="minor">
+            <a:schemeClr val="lt1"/>
+          </a:fontRef>
+        </p:style>
+        <p:txBody>
+          <a:bodyPr rtlCol="0" anchor="ctr"/>
+          <a:lstStyle/>
+          <a:p>
+            <a:pPr algn="ctr"/>
+            <a:endParaRPr lang="en-GB"/>
+          </a:p>
+        </p:txBody>
+      </p:sp>
+      <p:sp>
+        <p:nvSpPr>
+          <p:cNvPr id="23" name="Multiplication Sign 22">
+            <a:extLst>
+              <a:ext uri="{FF2B5EF4-FFF2-40B4-BE49-F238E27FC236}">
+                <a16:creationId xmlns:a16="http://schemas.microsoft.com/office/drawing/2014/main" id="{F79835EF-A6D3-C8FA-6A59-68C8EB6CBBC7}"/>
+              </a:ext>
+            </a:extLst>
+          </p:cNvPr>
+          <p:cNvSpPr/>
+          <p:nvPr/>
+        </p:nvSpPr>
+        <p:spPr>
+          <a:xfrm>
+            <a:off x="3068431" y="1485637"/>
+            <a:ext cx="923027" cy="2058012"/>
+          </a:xfrm>
+          <a:prstGeom prst="mathMultiply">
+            <a:avLst/>
+          </a:prstGeom>
+          <a:solidFill>
+            <a:srgbClr val="FF0000"/>
+          </a:solidFill>
+          <a:ln>
+            <a:solidFill>
+              <a:srgbClr val="C00000"/>
+            </a:solidFill>
+          </a:ln>
+        </p:spPr>
+        <p:style>
+          <a:lnRef idx="2">
+            <a:schemeClr val="accent1">
+              <a:shade val="15000"/>
+            </a:schemeClr>
+          </a:lnRef>
+          <a:fillRef idx="1">
+            <a:schemeClr val="accent1"/>
+          </a:fillRef>
+          <a:effectRef idx="0">
+            <a:schemeClr val="accent1"/>
+          </a:effectRef>
+          <a:fontRef idx="minor">
+            <a:schemeClr val="lt1"/>
+          </a:fontRef>
+        </p:style>
+        <p:txBody>
+          <a:bodyPr rtlCol="0" anchor="ctr"/>
+          <a:lstStyle/>
+          <a:p>
+            <a:pPr algn="ctr"/>
+            <a:endParaRPr lang="en-GB" dirty="0"/>
+          </a:p>
+        </p:txBody>
+      </p:sp>
+      <p:sp>
+        <p:nvSpPr>
+          <p:cNvPr id="24" name="Rectangle 23">
+            <a:extLst>
+              <a:ext uri="{FF2B5EF4-FFF2-40B4-BE49-F238E27FC236}">
+                <a16:creationId xmlns:a16="http://schemas.microsoft.com/office/drawing/2014/main" id="{6515246D-D44B-2541-2B5F-2A3B434F018A}"/>
+              </a:ext>
+            </a:extLst>
+          </p:cNvPr>
+          <p:cNvSpPr/>
+          <p:nvPr/>
+        </p:nvSpPr>
+        <p:spPr>
+          <a:xfrm>
+            <a:off x="5478382" y="1584621"/>
+            <a:ext cx="6713617" cy="206505"/>
+          </a:xfrm>
+          <a:prstGeom prst="rect">
+            <a:avLst/>
+          </a:prstGeom>
+          <a:noFill/>
+          <a:ln w="57150">
+            <a:solidFill>
+              <a:schemeClr val="accent6">
+                <a:lumMod val="60000"/>
+                <a:lumOff val="40000"/>
+              </a:schemeClr>
+            </a:solidFill>
+          </a:ln>
+        </p:spPr>
+        <p:style>
+          <a:lnRef idx="2">
+            <a:schemeClr val="accent1">
+              <a:shade val="15000"/>
+            </a:schemeClr>
+          </a:lnRef>
+          <a:fillRef idx="1">
+            <a:schemeClr val="accent1"/>
+          </a:fillRef>
+          <a:effectRef idx="0">
+            <a:schemeClr val="accent1"/>
+          </a:effectRef>
+          <a:fontRef idx="minor">
+            <a:schemeClr val="lt1"/>
+          </a:fontRef>
+        </p:style>
+        <p:txBody>
+          <a:bodyPr rtlCol="0" anchor="ctr"/>
+          <a:lstStyle/>
+          <a:p>
+            <a:pPr algn="ctr"/>
+            <a:endParaRPr lang="en-GB"/>
+          </a:p>
+        </p:txBody>
+      </p:sp>
+      <p:sp>
+        <p:nvSpPr>
+          <p:cNvPr id="25" name="TextBox 24">
+            <a:extLst>
+              <a:ext uri="{FF2B5EF4-FFF2-40B4-BE49-F238E27FC236}">
+                <a16:creationId xmlns:a16="http://schemas.microsoft.com/office/drawing/2014/main" id="{E02C6388-C1A0-0B6C-53D6-F598642517BF}"/>
+              </a:ext>
+            </a:extLst>
+          </p:cNvPr>
+          <p:cNvSpPr txBox="1"/>
+          <p:nvPr/>
+        </p:nvSpPr>
+        <p:spPr>
+          <a:xfrm>
+            <a:off x="1043796" y="4865298"/>
+            <a:ext cx="9946257" cy="1200329"/>
+          </a:xfrm>
+          <a:prstGeom prst="rect">
+            <a:avLst/>
+          </a:prstGeom>
+          <a:noFill/>
+        </p:spPr>
+        <p:txBody>
+          <a:bodyPr wrap="square" rtlCol="0">
+            <a:spAutoFit/>
+          </a:bodyPr>
+          <a:lstStyle/>
+          <a:p>
+            <a:pPr algn="ctr"/>
+            <a:r>
+              <a:rPr lang="en-GB" dirty="0"/>
+              <a:t>STEPS</a:t>
+            </a:r>
+          </a:p>
+          <a:p>
+            <a:pPr marL="342900" indent="-342900">
+              <a:buAutoNum type="arabicPeriod"/>
+            </a:pPr>
+            <a:r>
+              <a:rPr lang="en-GB" dirty="0"/>
+              <a:t>Join council area names based on feature code</a:t>
+            </a:r>
+          </a:p>
+          <a:p>
+            <a:pPr marL="342900" indent="-342900">
+              <a:buAutoNum type="arabicPeriod"/>
+            </a:pPr>
+            <a:r>
+              <a:rPr lang="en-GB" dirty="0"/>
+              <a:t>Factor the neighbourhood ratings</a:t>
+            </a:r>
+          </a:p>
+          <a:p>
+            <a:pPr marL="342900" indent="-342900">
+              <a:buAutoNum type="arabicPeriod"/>
+            </a:pPr>
+            <a:r>
+              <a:rPr lang="en-GB" dirty="0"/>
+              <a:t>Create a column to calculate a score for each row based on the rating and value</a:t>
+            </a:r>
+          </a:p>
+        </p:txBody>
+      </p:sp>
+      <p:sp>
+        <p:nvSpPr>
+          <p:cNvPr id="3" name="Slide Number Placeholder 2">
+            <a:extLst>
+              <a:ext uri="{FF2B5EF4-FFF2-40B4-BE49-F238E27FC236}">
+                <a16:creationId xmlns:a16="http://schemas.microsoft.com/office/drawing/2014/main" id="{45A3EA3F-854E-05D3-0980-5245339E9A89}"/>
+              </a:ext>
+            </a:extLst>
+          </p:cNvPr>
+          <p:cNvSpPr>
+            <a:spLocks noGrp="1"/>
+          </p:cNvSpPr>
+          <p:nvPr>
+            <p:ph type="sldNum" sz="quarter" idx="12"/>
+          </p:nvPr>
+        </p:nvSpPr>
+        <p:spPr/>
+        <p:txBody>
+          <a:bodyPr/>
+          <a:lstStyle/>
+          <a:p>
+            <a:fld id="{1D85C9CE-5A10-4592-9F88-5339DD41B12B}" type="slidenum">
+              <a:rPr lang="en-GB" sz="1600" smtClean="0"/>
+              <a:t>5</a:t>
+            </a:fld>
+            <a:endParaRPr lang="en-GB" sz="1600" dirty="0"/>
+          </a:p>
+        </p:txBody>
+      </p:sp>
+      <p:sp>
+        <p:nvSpPr>
+          <p:cNvPr id="4" name="Title 1">
+            <a:extLst>
+              <a:ext uri="{FF2B5EF4-FFF2-40B4-BE49-F238E27FC236}">
+                <a16:creationId xmlns:a16="http://schemas.microsoft.com/office/drawing/2014/main" id="{CCAF41A9-F6B6-9C4E-30C5-872584CBBC9B}"/>
+              </a:ext>
+            </a:extLst>
+          </p:cNvPr>
+          <p:cNvSpPr txBox="1">
+            <a:spLocks/>
+          </p:cNvSpPr>
+          <p:nvPr/>
+        </p:nvSpPr>
+        <p:spPr>
+          <a:xfrm>
+            <a:off x="4095496" y="6430297"/>
+            <a:ext cx="3937459" cy="427703"/>
+          </a:xfrm>
+          <a:prstGeom prst="rect">
+            <a:avLst/>
+          </a:prstGeom>
+        </p:spPr>
+        <p:txBody>
+          <a:bodyPr vert="horz" lIns="91440" tIns="45720" rIns="91440" bIns="45720" rtlCol="0" anchor="ctr">
+            <a:noAutofit/>
+          </a:bodyPr>
+          <a:lstStyle>
+            <a:lvl1pPr algn="l" defTabSz="914400" rtl="0" eaLnBrk="1" latinLnBrk="0" hangingPunct="1">
+              <a:lnSpc>
+                <a:spcPct val="85000"/>
+              </a:lnSpc>
+              <a:spcBef>
+                <a:spcPct val="0"/>
+              </a:spcBef>
+              <a:buNone/>
+              <a:defRPr sz="4800" kern="1200" spc="-50" baseline="0">
+                <a:solidFill>
+                  <a:schemeClr val="tx1">
+                    <a:lumMod val="75000"/>
+                    <a:lumOff val="25000"/>
+                  </a:schemeClr>
+                </a:solidFill>
+                <a:latin typeface="+mj-lt"/>
+                <a:ea typeface="+mj-ea"/>
+                <a:cs typeface="+mj-cs"/>
+              </a:defRPr>
+            </a:lvl1pPr>
+          </a:lstStyle>
+          <a:p>
+            <a:pPr algn="ctr"/>
+            <a:r>
+              <a:rPr lang="en-GB" sz="1600" dirty="0">
+                <a:solidFill>
+                  <a:schemeClr val="bg1"/>
+                </a:solidFill>
+              </a:rPr>
+              <a:t>Data Cleaning and Exploration</a:t>
+            </a:r>
+          </a:p>
+        </p:txBody>
+      </p:sp>
+    </p:spTree>
+    <p:extLst>
+      <p:ext uri="{BB962C8B-B14F-4D97-AF65-F5344CB8AC3E}">
+        <p14:creationId xmlns:p14="http://schemas.microsoft.com/office/powerpoint/2010/main" val="2418415632"/>
+      </p:ext>
+    </p:extLst>
+  </p:cSld>
+  <p:clrMapOvr>
+    <a:masterClrMapping/>
+  </p:clrMapOvr>
+  <p:timing>
+    <p:tnLst>
+      <p:par>
+        <p:cTn id="1" dur="indefinite" restart="never" nodeType="tmRoot">
+          <p:childTnLst>
+            <p:seq concurrent="1" nextAc="seek">
+              <p:cTn id="2" dur="indefinite" nodeType="mainSeq">
+                <p:childTnLst>
+                  <p:par>
+                    <p:cTn id="3" fill="hold">
+                      <p:stCondLst>
+                        <p:cond delay="indefinite"/>
+                      </p:stCondLst>
+                      <p:childTnLst>
+                        <p:par>
+                          <p:cTn id="4" fill="hold">
+                            <p:stCondLst>
+                              <p:cond delay="0"/>
+                            </p:stCondLst>
+                            <p:childTnLst>
+                              <p:par>
+                                <p:cTn id="5" presetID="1" presetClass="entr" presetSubtype="0" fill="hold" grpId="0" nodeType="clickEffect">
+                                  <p:stCondLst>
+                                    <p:cond delay="0"/>
+                                  </p:stCondLst>
+                                  <p:childTnLst>
+                                    <p:set>
+                                      <p:cBhvr>
+                                        <p:cTn id="6" dur="1" fill="hold">
+                                          <p:stCondLst>
+                                            <p:cond delay="0"/>
+                                          </p:stCondLst>
+                                        </p:cTn>
+                                        <p:tgtEl>
+                                          <p:spTgt spid="23"/>
+                                        </p:tgtEl>
+                                        <p:attrNameLst>
+                                          <p:attrName>style.visibility</p:attrName>
+                                        </p:attrNameLst>
+                                      </p:cBhvr>
+                                      <p:to>
+                                        <p:strVal val="visible"/>
+                                      </p:to>
+                                    </p:set>
+                                  </p:childTnLst>
+                                </p:cTn>
+                              </p:par>
+                            </p:childTnLst>
+                          </p:cTn>
+                        </p:par>
+                      </p:childTnLst>
+                    </p:cTn>
+                  </p:par>
+                  <p:par>
+                    <p:cTn id="7" fill="hold">
+                      <p:stCondLst>
+                        <p:cond delay="indefinite"/>
+                      </p:stCondLst>
+                      <p:childTnLst>
+                        <p:par>
+                          <p:cTn id="8" fill="hold">
+                            <p:stCondLst>
+                              <p:cond delay="0"/>
+                            </p:stCondLst>
+                            <p:childTnLst>
+                              <p:par>
+                                <p:cTn id="9" presetID="1" presetClass="entr" presetSubtype="0" fill="hold" grpId="0" nodeType="clickEffect">
+                                  <p:stCondLst>
+                                    <p:cond delay="0"/>
+                                  </p:stCondLst>
+                                  <p:childTnLst>
+                                    <p:set>
+                                      <p:cBhvr>
+                                        <p:cTn id="10" dur="1" fill="hold">
+                                          <p:stCondLst>
+                                            <p:cond delay="0"/>
+                                          </p:stCondLst>
+                                        </p:cTn>
+                                        <p:tgtEl>
+                                          <p:spTgt spid="24"/>
+                                        </p:tgtEl>
+                                        <p:attrNameLst>
+                                          <p:attrName>style.visibility</p:attrName>
+                                        </p:attrNameLst>
+                                      </p:cBhvr>
+                                      <p:to>
+                                        <p:strVal val="visible"/>
+                                      </p:to>
+                                    </p:set>
+                                  </p:childTnLst>
+                                </p:cTn>
+                              </p:par>
+                            </p:childTnLst>
+                          </p:cTn>
+                        </p:par>
+                      </p:childTnLst>
+                    </p:cTn>
+                  </p:par>
+                </p:childTnLst>
+              </p:cTn>
+              <p:prevCondLst>
+                <p:cond evt="onPrev" delay="0">
+                  <p:tgtEl>
+                    <p:sldTgt/>
+                  </p:tgtEl>
+                </p:cond>
+              </p:prevCondLst>
+              <p:nextCondLst>
+                <p:cond evt="onNext" delay="0">
+                  <p:tgtEl>
+                    <p:sldTgt/>
+                  </p:tgtEl>
+                </p:cond>
+              </p:nextCondLst>
+            </p:seq>
+          </p:childTnLst>
+        </p:cTn>
+      </p:par>
+    </p:tnLst>
+    <p:bldLst>
+      <p:bldP spid="23" grpId="0" animBg="1"/>
+      <p:bldP spid="24" grpId="0" animBg="1"/>
+    </p:bldLst>
+  </p:timing>
+</p:sld>
+</file>
+
+<file path=ppt/slides/slide6.xml><?xml version="1.0" encoding="utf-8"?>
+<p:sld xmlns:a="http://schemas.openxmlformats.org/drawingml/2006/main" xmlns:r="http://schemas.openxmlformats.org/officeDocument/2006/relationships" xmlns:p="http://schemas.openxmlformats.org/presentationml/2006/main">
+  <p:cSld>
+    <p:spTree>
+      <p:nvGrpSpPr>
+        <p:cNvPr id="1" name=""/>
+        <p:cNvGrpSpPr/>
+        <p:nvPr/>
+      </p:nvGrpSpPr>
+      <p:grpSpPr>
+        <a:xfrm>
+          <a:off x="0" y="0"/>
+          <a:ext cx="0" cy="0"/>
+          <a:chOff x="0" y="0"/>
+          <a:chExt cx="0" cy="0"/>
+        </a:xfrm>
+      </p:grpSpPr>
+      <p:sp>
+        <p:nvSpPr>
+          <p:cNvPr id="2" name="Title 1">
+            <a:extLst>
+              <a:ext uri="{FF2B5EF4-FFF2-40B4-BE49-F238E27FC236}">
+                <a16:creationId xmlns:a16="http://schemas.microsoft.com/office/drawing/2014/main" id="{3F65DECF-A340-C267-ED2B-8314911E17E2}"/>
+              </a:ext>
+            </a:extLst>
+          </p:cNvPr>
+          <p:cNvSpPr>
+            <a:spLocks noGrp="1"/>
+          </p:cNvSpPr>
+          <p:nvPr>
+            <p:ph type="title"/>
+          </p:nvPr>
+        </p:nvSpPr>
+        <p:spPr/>
+        <p:txBody>
+          <a:bodyPr/>
+          <a:lstStyle/>
+          <a:p>
+            <a:r>
+              <a:rPr lang="en-GB" dirty="0"/>
+              <a:t>Data Exploration</a:t>
+            </a:r>
+          </a:p>
+        </p:txBody>
+      </p:sp>
+      <p:pic>
+        <p:nvPicPr>
+          <p:cNvPr id="4" name="Picture 3">
+            <a:extLst>
+              <a:ext uri="{FF2B5EF4-FFF2-40B4-BE49-F238E27FC236}">
+                <a16:creationId xmlns:a16="http://schemas.microsoft.com/office/drawing/2014/main" id="{F5A53A26-21D1-179F-8341-E46E443E2446}"/>
+              </a:ext>
+            </a:extLst>
+          </p:cNvPr>
+          <p:cNvPicPr>
+            <a:picLocks noChangeAspect="1"/>
+          </p:cNvPicPr>
+          <p:nvPr/>
+        </p:nvPicPr>
+        <p:blipFill rotWithShape="1">
+          <a:blip r:embed="rId3"/>
+          <a:srcRect t="1965"/>
+          <a:stretch/>
+        </p:blipFill>
+        <p:spPr>
+          <a:xfrm>
+            <a:off x="400849" y="2192140"/>
+            <a:ext cx="5085307" cy="3745673"/>
+          </a:xfrm>
+          <a:prstGeom prst="rect">
+            <a:avLst/>
+          </a:prstGeom>
+        </p:spPr>
+      </p:pic>
+      <p:sp>
+        <p:nvSpPr>
+          <p:cNvPr id="5" name="TextBox 4">
+            <a:extLst>
+              <a:ext uri="{FF2B5EF4-FFF2-40B4-BE49-F238E27FC236}">
+                <a16:creationId xmlns:a16="http://schemas.microsoft.com/office/drawing/2014/main" id="{63F28E60-6817-C903-4E9A-3A4BE6039DAE}"/>
+              </a:ext>
+            </a:extLst>
+          </p:cNvPr>
+          <p:cNvSpPr txBox="1"/>
+          <p:nvPr/>
+        </p:nvSpPr>
+        <p:spPr>
+          <a:xfrm>
+            <a:off x="805058" y="1780084"/>
+            <a:ext cx="4379764" cy="369332"/>
+          </a:xfrm>
+          <a:prstGeom prst="rect">
+            <a:avLst/>
+          </a:prstGeom>
+          <a:noFill/>
+        </p:spPr>
+        <p:txBody>
+          <a:bodyPr wrap="square" rtlCol="0">
+            <a:spAutoFit/>
+          </a:bodyPr>
+          <a:lstStyle/>
+          <a:p>
+            <a:r>
+              <a:rPr lang="en-GB" dirty="0"/>
+              <a:t>Function to create visualisations</a:t>
+            </a:r>
+          </a:p>
+        </p:txBody>
+      </p:sp>
+      <p:pic>
+        <p:nvPicPr>
+          <p:cNvPr id="7" name="Picture 6" descr="A graph of a number of people&#10;&#10;Description automatically generated with medium confidence">
+            <a:extLst>
+              <a:ext uri="{FF2B5EF4-FFF2-40B4-BE49-F238E27FC236}">
+                <a16:creationId xmlns:a16="http://schemas.microsoft.com/office/drawing/2014/main" id="{99A0CF8F-1734-590E-E737-F5790D1C1667}"/>
+              </a:ext>
+            </a:extLst>
+          </p:cNvPr>
+          <p:cNvPicPr>
+            <a:picLocks noChangeAspect="1"/>
+          </p:cNvPicPr>
+          <p:nvPr/>
+        </p:nvPicPr>
+        <p:blipFill>
+          <a:blip r:embed="rId4">
+            <a:extLst>
+              <a:ext uri="{28A0092B-C50C-407E-A947-70E740481C1C}">
+                <a14:useLocalDpi xmlns:a14="http://schemas.microsoft.com/office/drawing/2010/main" val="0"/>
+              </a:ext>
+            </a:extLst>
+          </a:blip>
+          <a:stretch>
+            <a:fillRect/>
+          </a:stretch>
+        </p:blipFill>
+        <p:spPr>
+          <a:xfrm>
+            <a:off x="5486156" y="1976324"/>
+            <a:ext cx="6665990" cy="4111760"/>
+          </a:xfrm>
+          <a:prstGeom prst="rect">
+            <a:avLst/>
+          </a:prstGeom>
+        </p:spPr>
+      </p:pic>
+      <p:sp>
+        <p:nvSpPr>
+          <p:cNvPr id="8" name="TextBox 7">
+            <a:extLst>
+              <a:ext uri="{FF2B5EF4-FFF2-40B4-BE49-F238E27FC236}">
+                <a16:creationId xmlns:a16="http://schemas.microsoft.com/office/drawing/2014/main" id="{B2ECF6D2-DC77-3ABC-899E-F17064AADB7B}"/>
+              </a:ext>
+            </a:extLst>
+          </p:cNvPr>
+          <p:cNvSpPr txBox="1"/>
+          <p:nvPr/>
+        </p:nvSpPr>
+        <p:spPr>
+          <a:xfrm>
+            <a:off x="10083969" y="1976324"/>
+            <a:ext cx="1911927" cy="923330"/>
+          </a:xfrm>
+          <a:prstGeom prst="rect">
+            <a:avLst/>
+          </a:prstGeom>
+          <a:noFill/>
+        </p:spPr>
+        <p:txBody>
+          <a:bodyPr wrap="square" rtlCol="0">
+            <a:spAutoFit/>
+          </a:bodyPr>
+          <a:lstStyle/>
+          <a:p>
+            <a:pPr algn="ctr"/>
+            <a:r>
+              <a:rPr lang="en-GB" i="1" dirty="0">
+                <a:solidFill>
+                  <a:srgbClr val="FF0000"/>
+                </a:solidFill>
+              </a:rPr>
+              <a:t>Walking distance to nearest greenspace</a:t>
+            </a:r>
+          </a:p>
+        </p:txBody>
+      </p:sp>
+      <p:sp>
+        <p:nvSpPr>
+          <p:cNvPr id="11" name="Slide Number Placeholder 10">
+            <a:extLst>
+              <a:ext uri="{FF2B5EF4-FFF2-40B4-BE49-F238E27FC236}">
+                <a16:creationId xmlns:a16="http://schemas.microsoft.com/office/drawing/2014/main" id="{76C04903-B3D2-2166-6783-91C16111AC81}"/>
+              </a:ext>
+            </a:extLst>
+          </p:cNvPr>
+          <p:cNvSpPr>
+            <a:spLocks noGrp="1"/>
+          </p:cNvSpPr>
+          <p:nvPr>
+            <p:ph type="sldNum" sz="quarter" idx="12"/>
+          </p:nvPr>
+        </p:nvSpPr>
+        <p:spPr/>
+        <p:txBody>
+          <a:bodyPr/>
+          <a:lstStyle/>
+          <a:p>
+            <a:fld id="{1D85C9CE-5A10-4592-9F88-5339DD41B12B}" type="slidenum">
+              <a:rPr lang="en-GB" sz="1600" smtClean="0"/>
+              <a:t>6</a:t>
+            </a:fld>
+            <a:endParaRPr lang="en-GB" sz="1600" dirty="0"/>
+          </a:p>
+        </p:txBody>
+      </p:sp>
+      <p:sp>
+        <p:nvSpPr>
+          <p:cNvPr id="12" name="Title 1">
+            <a:extLst>
+              <a:ext uri="{FF2B5EF4-FFF2-40B4-BE49-F238E27FC236}">
+                <a16:creationId xmlns:a16="http://schemas.microsoft.com/office/drawing/2014/main" id="{D4FE2489-02C7-422F-D5B0-843554ECD55D}"/>
+              </a:ext>
+            </a:extLst>
+          </p:cNvPr>
+          <p:cNvSpPr txBox="1">
+            <a:spLocks/>
+          </p:cNvSpPr>
+          <p:nvPr/>
+        </p:nvSpPr>
+        <p:spPr>
+          <a:xfrm>
+            <a:off x="4095496" y="6430297"/>
+            <a:ext cx="3937459" cy="427703"/>
+          </a:xfrm>
+          <a:prstGeom prst="rect">
+            <a:avLst/>
+          </a:prstGeom>
+        </p:spPr>
+        <p:txBody>
+          <a:bodyPr vert="horz" lIns="91440" tIns="45720" rIns="91440" bIns="45720" rtlCol="0" anchor="ctr">
+            <a:noAutofit/>
+          </a:bodyPr>
+          <a:lstStyle>
+            <a:lvl1pPr algn="l" defTabSz="914400" rtl="0" eaLnBrk="1" latinLnBrk="0" hangingPunct="1">
+              <a:lnSpc>
+                <a:spcPct val="85000"/>
+              </a:lnSpc>
+              <a:spcBef>
+                <a:spcPct val="0"/>
+              </a:spcBef>
+              <a:buNone/>
+              <a:defRPr sz="4800" kern="1200" spc="-50" baseline="0">
+                <a:solidFill>
+                  <a:schemeClr val="tx1">
+                    <a:lumMod val="75000"/>
+                    <a:lumOff val="25000"/>
+                  </a:schemeClr>
+                </a:solidFill>
+                <a:latin typeface="+mj-lt"/>
+                <a:ea typeface="+mj-ea"/>
+                <a:cs typeface="+mj-cs"/>
+              </a:defRPr>
+            </a:lvl1pPr>
+          </a:lstStyle>
+          <a:p>
+            <a:pPr algn="ctr"/>
+            <a:r>
+              <a:rPr lang="en-GB" sz="1600" dirty="0">
+                <a:solidFill>
+                  <a:schemeClr val="bg1"/>
+                </a:solidFill>
+              </a:rPr>
+              <a:t>Data Cleaning and Exploration</a:t>
+            </a:r>
+          </a:p>
+        </p:txBody>
+      </p:sp>
+    </p:spTree>
+    <p:extLst>
+      <p:ext uri="{BB962C8B-B14F-4D97-AF65-F5344CB8AC3E}">
+        <p14:creationId xmlns:p14="http://schemas.microsoft.com/office/powerpoint/2010/main" val="689617100"/>
+      </p:ext>
+    </p:extLst>
+  </p:cSld>
+  <p:clrMapOvr>
+    <a:masterClrMapping/>
+  </p:clrMapOvr>
+</p:sld>
+</file>
+
+<file path=ppt/slides/slide7.xml><?xml version="1.0" encoding="utf-8"?>
+<p:sld xmlns:a="http://schemas.openxmlformats.org/drawingml/2006/main" xmlns:r="http://schemas.openxmlformats.org/officeDocument/2006/relationships" xmlns:p="http://schemas.openxmlformats.org/presentationml/2006/main">
+  <p:cSld>
+    <p:spTree>
+      <p:nvGrpSpPr>
+        <p:cNvPr id="1" name=""/>
+        <p:cNvGrpSpPr/>
+        <p:nvPr/>
+      </p:nvGrpSpPr>
+      <p:grpSpPr>
+        <a:xfrm>
+          <a:off x="0" y="0"/>
+          <a:ext cx="0" cy="0"/>
+          <a:chOff x="0" y="0"/>
+          <a:chExt cx="0" cy="0"/>
+        </a:xfrm>
+      </p:grpSpPr>
+      <p:sp>
+        <p:nvSpPr>
+          <p:cNvPr id="2" name="Title 1">
+            <a:extLst>
+              <a:ext uri="{FF2B5EF4-FFF2-40B4-BE49-F238E27FC236}">
+                <a16:creationId xmlns:a16="http://schemas.microsoft.com/office/drawing/2014/main" id="{7CA1BFFF-94DB-93E6-7FB7-FEC33B352698}"/>
+              </a:ext>
+            </a:extLst>
+          </p:cNvPr>
+          <p:cNvSpPr>
+            <a:spLocks noGrp="1"/>
+          </p:cNvSpPr>
+          <p:nvPr>
+            <p:ph type="title"/>
+          </p:nvPr>
+        </p:nvSpPr>
+        <p:spPr/>
+        <p:txBody>
+          <a:bodyPr>
+            <a:noAutofit/>
+          </a:bodyPr>
+          <a:lstStyle/>
+          <a:p>
+            <a:r>
+              <a:rPr lang="en-GB" sz="6600" dirty="0"/>
+              <a:t>1. Does access to greenspace increase neighbourhood ratings and/or community belonging?</a:t>
+            </a:r>
+          </a:p>
+        </p:txBody>
+      </p:sp>
+      <p:sp>
+        <p:nvSpPr>
+          <p:cNvPr id="6" name="Text Placeholder 5">
+            <a:extLst>
+              <a:ext uri="{FF2B5EF4-FFF2-40B4-BE49-F238E27FC236}">
+                <a16:creationId xmlns:a16="http://schemas.microsoft.com/office/drawing/2014/main" id="{5A5900C4-248D-2C7D-57CB-D90BBDD64228}"/>
+              </a:ext>
+            </a:extLst>
+          </p:cNvPr>
+          <p:cNvSpPr>
+            <a:spLocks noGrp="1"/>
+          </p:cNvSpPr>
+          <p:nvPr>
+            <p:ph type="body" idx="1"/>
+          </p:nvPr>
+        </p:nvSpPr>
+        <p:spPr/>
+        <p:txBody>
+          <a:bodyPr/>
+          <a:lstStyle/>
+          <a:p>
+            <a:r>
+              <a:rPr lang="en-GB" dirty="0"/>
+              <a:t>Explored through R Shiny</a:t>
+            </a:r>
+          </a:p>
+        </p:txBody>
+      </p:sp>
+      <p:sp>
+        <p:nvSpPr>
+          <p:cNvPr id="7" name="Slide Number Placeholder 6">
+            <a:extLst>
+              <a:ext uri="{FF2B5EF4-FFF2-40B4-BE49-F238E27FC236}">
+                <a16:creationId xmlns:a16="http://schemas.microsoft.com/office/drawing/2014/main" id="{20A8038B-0A8B-024A-181D-090C8A1BAAB3}"/>
+              </a:ext>
+            </a:extLst>
+          </p:cNvPr>
+          <p:cNvSpPr>
+            <a:spLocks noGrp="1"/>
+          </p:cNvSpPr>
+          <p:nvPr>
+            <p:ph type="sldNum" sz="quarter" idx="12"/>
+          </p:nvPr>
+        </p:nvSpPr>
+        <p:spPr/>
+        <p:txBody>
+          <a:bodyPr/>
+          <a:lstStyle/>
+          <a:p>
+            <a:fld id="{1D85C9CE-5A10-4592-9F88-5339DD41B12B}" type="slidenum">
+              <a:rPr lang="en-GB" sz="1600" smtClean="0"/>
+              <a:t>7</a:t>
+            </a:fld>
+            <a:endParaRPr lang="en-GB" sz="1600" dirty="0"/>
+          </a:p>
+        </p:txBody>
+      </p:sp>
+    </p:spTree>
+    <p:extLst>
+      <p:ext uri="{BB962C8B-B14F-4D97-AF65-F5344CB8AC3E}">
+        <p14:creationId xmlns:p14="http://schemas.microsoft.com/office/powerpoint/2010/main" val="3783474054"/>
+      </p:ext>
+    </p:extLst>
+  </p:cSld>
+  <p:clrMapOvr>
+    <a:masterClrMapping/>
+  </p:clrMapOvr>
+</p:sld>
+</file>
+
+<file path=ppt/slides/slide8.xml><?xml version="1.0" encoding="utf-8"?>
+<p:sld xmlns:a="http://schemas.openxmlformats.org/drawingml/2006/main" xmlns:r="http://schemas.openxmlformats.org/officeDocument/2006/relationships" xmlns:p="http://schemas.openxmlformats.org/presentationml/2006/main">
+  <p:cSld>
+    <p:spTree>
+      <p:nvGrpSpPr>
+        <p:cNvPr id="1" name=""/>
+        <p:cNvGrpSpPr/>
+        <p:nvPr/>
+      </p:nvGrpSpPr>
+      <p:grpSpPr>
+        <a:xfrm>
+          <a:off x="0" y="0"/>
+          <a:ext cx="0" cy="0"/>
+          <a:chOff x="0" y="0"/>
+          <a:chExt cx="0" cy="0"/>
+        </a:xfrm>
+      </p:grpSpPr>
+      <p:pic>
+        <p:nvPicPr>
+          <p:cNvPr id="4" name="Picture 3" descr="A screenshot of a computer screen&#10;&#10;Description automatically generated">
+            <a:extLst>
+              <a:ext uri="{FF2B5EF4-FFF2-40B4-BE49-F238E27FC236}">
+                <a16:creationId xmlns:a16="http://schemas.microsoft.com/office/drawing/2014/main" id="{515DA28C-FCD0-BAA1-CB0C-EDFC1D37C371}"/>
+              </a:ext>
+            </a:extLst>
+          </p:cNvPr>
+          <p:cNvPicPr>
+            <a:picLocks noChangeAspect="1"/>
+          </p:cNvPicPr>
+          <p:nvPr/>
+        </p:nvPicPr>
+        <p:blipFill>
+          <a:blip r:embed="rId2">
+            <a:extLst>
+              <a:ext uri="{28A0092B-C50C-407E-A947-70E740481C1C}">
+                <a14:useLocalDpi xmlns:a14="http://schemas.microsoft.com/office/drawing/2010/main" val="0"/>
+              </a:ext>
+            </a:extLst>
+          </a:blip>
+          <a:stretch>
+            <a:fillRect/>
+          </a:stretch>
+        </p:blipFill>
+        <p:spPr>
+          <a:xfrm>
+            <a:off x="0" y="0"/>
+            <a:ext cx="12304762" cy="6342927"/>
+          </a:xfrm>
+          <a:prstGeom prst="rect">
+            <a:avLst/>
+          </a:prstGeom>
+        </p:spPr>
+      </p:pic>
+      <p:sp>
+        <p:nvSpPr>
+          <p:cNvPr id="5" name="Title 1">
+            <a:extLst>
+              <a:ext uri="{FF2B5EF4-FFF2-40B4-BE49-F238E27FC236}">
+                <a16:creationId xmlns:a16="http://schemas.microsoft.com/office/drawing/2014/main" id="{F15A8882-EC6D-B455-43C8-81F0B3495EDD}"/>
+              </a:ext>
+            </a:extLst>
+          </p:cNvPr>
+          <p:cNvSpPr txBox="1">
+            <a:spLocks/>
+          </p:cNvSpPr>
+          <p:nvPr/>
+        </p:nvSpPr>
+        <p:spPr>
+          <a:xfrm>
+            <a:off x="1916382" y="6430297"/>
+            <a:ext cx="8359236" cy="427703"/>
+          </a:xfrm>
+          <a:prstGeom prst="rect">
+            <a:avLst/>
+          </a:prstGeom>
+        </p:spPr>
+        <p:txBody>
+          <a:bodyPr vert="horz" lIns="91440" tIns="45720" rIns="91440" bIns="45720" rtlCol="0" anchor="ctr">
+            <a:noAutofit/>
+          </a:bodyPr>
+          <a:lstStyle>
+            <a:lvl1pPr algn="l" defTabSz="914400" rtl="0" eaLnBrk="1" latinLnBrk="0" hangingPunct="1">
+              <a:lnSpc>
+                <a:spcPct val="85000"/>
+              </a:lnSpc>
+              <a:spcBef>
+                <a:spcPct val="0"/>
+              </a:spcBef>
+              <a:buNone/>
+              <a:defRPr sz="4800" kern="1200" spc="-50" baseline="0">
+                <a:solidFill>
+                  <a:schemeClr val="tx1">
+                    <a:lumMod val="75000"/>
+                    <a:lumOff val="25000"/>
+                  </a:schemeClr>
+                </a:solidFill>
+                <a:latin typeface="+mj-lt"/>
+                <a:ea typeface="+mj-ea"/>
+                <a:cs typeface="+mj-cs"/>
+              </a:defRPr>
+            </a:lvl1pPr>
+          </a:lstStyle>
+          <a:p>
+            <a:pPr algn="ctr"/>
+            <a:r>
+              <a:rPr lang="en-GB" sz="1800" dirty="0">
+                <a:solidFill>
+                  <a:schemeClr val="bg1"/>
+                </a:solidFill>
+              </a:rPr>
+              <a:t>1. Does access to greenspace increase neighbourhood ratings and/or community belonging?</a:t>
+            </a:r>
+          </a:p>
+        </p:txBody>
+      </p:sp>
+      <p:sp>
+        <p:nvSpPr>
+          <p:cNvPr id="12" name="Slide Number Placeholder 11">
+            <a:extLst>
+              <a:ext uri="{FF2B5EF4-FFF2-40B4-BE49-F238E27FC236}">
+                <a16:creationId xmlns:a16="http://schemas.microsoft.com/office/drawing/2014/main" id="{8A8A485A-512C-9D63-37C7-B00F934A6E5D}"/>
+              </a:ext>
+            </a:extLst>
+          </p:cNvPr>
+          <p:cNvSpPr>
+            <a:spLocks noGrp="1"/>
+          </p:cNvSpPr>
+          <p:nvPr>
+            <p:ph type="sldNum" sz="quarter" idx="12"/>
+          </p:nvPr>
+        </p:nvSpPr>
+        <p:spPr/>
+        <p:txBody>
+          <a:bodyPr/>
+          <a:lstStyle/>
+          <a:p>
+            <a:fld id="{1D85C9CE-5A10-4592-9F88-5339DD41B12B}" type="slidenum">
+              <a:rPr lang="en-GB" sz="1600" smtClean="0"/>
+              <a:t>8</a:t>
+            </a:fld>
+            <a:endParaRPr lang="en-GB" sz="1600"/>
+          </a:p>
+        </p:txBody>
+      </p:sp>
+    </p:spTree>
+    <p:extLst>
+      <p:ext uri="{BB962C8B-B14F-4D97-AF65-F5344CB8AC3E}">
+        <p14:creationId xmlns:p14="http://schemas.microsoft.com/office/powerpoint/2010/main" val="4227624480"/>
+      </p:ext>
+    </p:extLst>
+  </p:cSld>
+  <p:clrMapOvr>
+    <a:masterClrMapping/>
+  </p:clrMapOvr>
+</p:sld>
+</file>
+
+<file path=ppt/slides/slide9.xml><?xml version="1.0" encoding="utf-8"?>
+<p:sld xmlns:a="http://schemas.openxmlformats.org/drawingml/2006/main" xmlns:r="http://schemas.openxmlformats.org/officeDocument/2006/relationships" xmlns:p="http://schemas.openxmlformats.org/presentationml/2006/main">
+  <p:cSld>
+    <p:spTree>
+      <p:nvGrpSpPr>
+        <p:cNvPr id="1" name=""/>
+        <p:cNvGrpSpPr/>
+        <p:nvPr/>
+      </p:nvGrpSpPr>
+      <p:grpSpPr>
+        <a:xfrm>
+          <a:off x="0" y="0"/>
+          <a:ext cx="0" cy="0"/>
+          <a:chOff x="0" y="0"/>
+          <a:chExt cx="0" cy="0"/>
+        </a:xfrm>
+      </p:grpSpPr>
+      <p:sp>
+        <p:nvSpPr>
+          <p:cNvPr id="7" name="Content Placeholder 6">
+            <a:extLst>
+              <a:ext uri="{FF2B5EF4-FFF2-40B4-BE49-F238E27FC236}">
+                <a16:creationId xmlns:a16="http://schemas.microsoft.com/office/drawing/2014/main" id="{E7BBEC87-0FF0-0869-2905-9022CF347B5D}"/>
+              </a:ext>
+            </a:extLst>
+          </p:cNvPr>
+          <p:cNvSpPr>
+            <a:spLocks noGrp="1"/>
+          </p:cNvSpPr>
+          <p:nvPr>
+            <p:ph idx="1"/>
+          </p:nvPr>
+        </p:nvSpPr>
+        <p:spPr/>
+        <p:txBody>
+          <a:bodyPr/>
+          <a:lstStyle/>
+          <a:p>
+            <a:endParaRPr lang="en-GB"/>
+          </a:p>
+        </p:txBody>
+      </p:sp>
+      <p:pic>
+        <p:nvPicPr>
+          <p:cNvPr id="13" name="Picture 12">
+            <a:extLst>
+              <a:ext uri="{FF2B5EF4-FFF2-40B4-BE49-F238E27FC236}">
+                <a16:creationId xmlns:a16="http://schemas.microsoft.com/office/drawing/2014/main" id="{B1AF7445-9D5A-108A-7F56-D85006BF7157}"/>
+              </a:ext>
+            </a:extLst>
+          </p:cNvPr>
+          <p:cNvPicPr>
+            <a:picLocks noChangeAspect="1"/>
+          </p:cNvPicPr>
+          <p:nvPr/>
+        </p:nvPicPr>
+        <p:blipFill>
+          <a:blip r:embed="rId3"/>
+          <a:stretch>
+            <a:fillRect/>
+          </a:stretch>
+        </p:blipFill>
+        <p:spPr>
+          <a:xfrm>
+            <a:off x="38122" y="0"/>
+            <a:ext cx="12115756" cy="6296628"/>
+          </a:xfrm>
+          <a:prstGeom prst="rect">
+            <a:avLst/>
+          </a:prstGeom>
+        </p:spPr>
+      </p:pic>
+      <p:sp>
+        <p:nvSpPr>
+          <p:cNvPr id="5" name="Slide Number Placeholder 4">
+            <a:extLst>
+              <a:ext uri="{FF2B5EF4-FFF2-40B4-BE49-F238E27FC236}">
+                <a16:creationId xmlns:a16="http://schemas.microsoft.com/office/drawing/2014/main" id="{758A3596-C24D-5A10-1338-0BC5F146606B}"/>
+              </a:ext>
+            </a:extLst>
+          </p:cNvPr>
+          <p:cNvSpPr>
+            <a:spLocks noGrp="1"/>
+          </p:cNvSpPr>
+          <p:nvPr>
+            <p:ph type="sldNum" sz="quarter" idx="12"/>
+          </p:nvPr>
+        </p:nvSpPr>
+        <p:spPr/>
+        <p:txBody>
+          <a:bodyPr/>
+          <a:lstStyle/>
+          <a:p>
+            <a:fld id="{1D85C9CE-5A10-4592-9F88-5339DD41B12B}" type="slidenum">
+              <a:rPr lang="en-GB" sz="1600" smtClean="0"/>
+              <a:t>9</a:t>
+            </a:fld>
+            <a:endParaRPr lang="en-GB" sz="1600" dirty="0"/>
+          </a:p>
+        </p:txBody>
+      </p:sp>
+      <p:sp>
+        <p:nvSpPr>
+          <p:cNvPr id="6" name="Title 1">
+            <a:extLst>
+              <a:ext uri="{FF2B5EF4-FFF2-40B4-BE49-F238E27FC236}">
+                <a16:creationId xmlns:a16="http://schemas.microsoft.com/office/drawing/2014/main" id="{8A946D38-CBB4-19B9-BD64-1E3D9C004854}"/>
+              </a:ext>
+            </a:extLst>
+          </p:cNvPr>
+          <p:cNvSpPr txBox="1">
+            <a:spLocks/>
+          </p:cNvSpPr>
+          <p:nvPr/>
+        </p:nvSpPr>
+        <p:spPr>
+          <a:xfrm>
+            <a:off x="1916382" y="6430297"/>
+            <a:ext cx="8359236" cy="427703"/>
+          </a:xfrm>
+          <a:prstGeom prst="rect">
+            <a:avLst/>
+          </a:prstGeom>
+        </p:spPr>
+        <p:txBody>
+          <a:bodyPr vert="horz" lIns="91440" tIns="45720" rIns="91440" bIns="45720" rtlCol="0" anchor="ctr">
+            <a:noAutofit/>
+          </a:bodyPr>
+          <a:lstStyle>
+            <a:lvl1pPr algn="l" defTabSz="914400" rtl="0" eaLnBrk="1" latinLnBrk="0" hangingPunct="1">
+              <a:lnSpc>
+                <a:spcPct val="85000"/>
+              </a:lnSpc>
+              <a:spcBef>
+                <a:spcPct val="0"/>
+              </a:spcBef>
+              <a:buNone/>
+              <a:defRPr sz="4800" kern="1200" spc="-50" baseline="0">
+                <a:solidFill>
+                  <a:schemeClr val="tx1">
+                    <a:lumMod val="75000"/>
+                    <a:lumOff val="25000"/>
+                  </a:schemeClr>
+                </a:solidFill>
+                <a:latin typeface="+mj-lt"/>
+                <a:ea typeface="+mj-ea"/>
+                <a:cs typeface="+mj-cs"/>
+              </a:defRPr>
+            </a:lvl1pPr>
+          </a:lstStyle>
+          <a:p>
+            <a:pPr algn="ctr"/>
+            <a:r>
+              <a:rPr lang="en-GB" sz="1800" dirty="0">
+                <a:solidFill>
+                  <a:schemeClr val="bg1"/>
+                </a:solidFill>
+              </a:rPr>
+              <a:t>1. Does access to greenspace increase neighbourhood ratings and/or community belonging?</a:t>
+            </a:r>
+          </a:p>
+        </p:txBody>
+      </p:sp>
+    </p:spTree>
+    <p:extLst>
+      <p:ext uri="{BB962C8B-B14F-4D97-AF65-F5344CB8AC3E}">
+        <p14:creationId xmlns:p14="http://schemas.microsoft.com/office/powerpoint/2010/main" val="852846059"/>
       </p:ext>
     </p:extLst>
   </p:cSld>
@@ -9521,4 +11916,299 @@
     </a:ext>
   </a:extLst>
 </a:theme>
+</file>
+
+<file path=ppt/theme/theme2.xml><?xml version="1.0" encoding="utf-8"?>
+<a:theme xmlns:a="http://schemas.openxmlformats.org/drawingml/2006/main" name="Office Theme">
+  <a:themeElements>
+    <a:clrScheme name="Office">
+      <a:dk1>
+        <a:sysClr val="windowText" lastClr="000000"/>
+      </a:dk1>
+      <a:lt1>
+        <a:sysClr val="window" lastClr="FFFFFF"/>
+      </a:lt1>
+      <a:dk2>
+        <a:srgbClr val="44546A"/>
+      </a:dk2>
+      <a:lt2>
+        <a:srgbClr val="E7E6E6"/>
+      </a:lt2>
+      <a:accent1>
+        <a:srgbClr val="4472C4"/>
+      </a:accent1>
+      <a:accent2>
+        <a:srgbClr val="ED7D31"/>
+      </a:accent2>
+      <a:accent3>
+        <a:srgbClr val="A5A5A5"/>
+      </a:accent3>
+      <a:accent4>
+        <a:srgbClr val="FFC000"/>
+      </a:accent4>
+      <a:accent5>
+        <a:srgbClr val="5B9BD5"/>
+      </a:accent5>
+      <a:accent6>
+        <a:srgbClr val="70AD47"/>
+      </a:accent6>
+      <a:hlink>
+        <a:srgbClr val="0563C1"/>
+      </a:hlink>
+      <a:folHlink>
+        <a:srgbClr val="954F72"/>
+      </a:folHlink>
+    </a:clrScheme>
+    <a:fontScheme name="Office">
+      <a:majorFont>
+        <a:latin typeface="Calibri Light" panose="020F0302020204030204"/>
+        <a:ea typeface=""/>
+        <a:cs typeface=""/>
+        <a:font script="Jpan" typeface="游ゴシック Light"/>
+        <a:font script="Hang" typeface="맑은 고딕"/>
+        <a:font script="Hans" typeface="等线 Light"/>
+        <a:font script="Hant" typeface="新細明體"/>
+        <a:font script="Arab" typeface="Times New Roman"/>
+        <a:font script="Hebr" typeface="Times New Roman"/>
+        <a:font script="Thai" typeface="Angsana New"/>
+        <a:font script="Ethi" typeface="Nyala"/>
+        <a:font script="Beng" typeface="Vrinda"/>
+        <a:font script="Gujr" typeface="Shruti"/>
+        <a:font script="Khmr" typeface="MoolBoran"/>
+        <a:font script="Knda" typeface="Tunga"/>
+        <a:font script="Guru" typeface="Raavi"/>
+        <a:font script="Cans" typeface="Euphemia"/>
+        <a:font script="Cher" typeface="Plantagenet Cherokee"/>
+        <a:font script="Yiii" typeface="Microsoft Yi Baiti"/>
+        <a:font script="Tibt" typeface="Microsoft Himalaya"/>
+        <a:font script="Thaa" typeface="MV Boli"/>
+        <a:font script="Deva" typeface="Mangal"/>
+        <a:font script="Telu" typeface="Gautami"/>
+        <a:font script="Taml" typeface="Latha"/>
+        <a:font script="Syrc" typeface="Estrangelo Edessa"/>
+        <a:font script="Orya" typeface="Kalinga"/>
+        <a:font script="Mlym" typeface="Kartika"/>
+        <a:font script="Laoo" typeface="DokChampa"/>
+        <a:font script="Sinh" typeface="Iskoola Pota"/>
+        <a:font script="Mong" typeface="Mongolian Baiti"/>
+        <a:font script="Viet" typeface="Times New Roman"/>
+        <a:font script="Uigh" typeface="Microsoft Uighur"/>
+        <a:font script="Geor" typeface="Sylfaen"/>
+        <a:font script="Armn" typeface="Arial"/>
+        <a:font script="Bugi" typeface="Leelawadee UI"/>
+        <a:font script="Bopo" typeface="Microsoft JhengHei"/>
+        <a:font script="Java" typeface="Javanese Text"/>
+        <a:font script="Lisu" typeface="Segoe UI"/>
+        <a:font script="Mymr" typeface="Myanmar Text"/>
+        <a:font script="Nkoo" typeface="Ebrima"/>
+        <a:font script="Olck" typeface="Nirmala UI"/>
+        <a:font script="Osma" typeface="Ebrima"/>
+        <a:font script="Phag" typeface="Phagspa"/>
+        <a:font script="Syrn" typeface="Estrangelo Edessa"/>
+        <a:font script="Syrj" typeface="Estrangelo Edessa"/>
+        <a:font script="Syre" typeface="Estrangelo Edessa"/>
+        <a:font script="Sora" typeface="Nirmala UI"/>
+        <a:font script="Tale" typeface="Microsoft Tai Le"/>
+        <a:font script="Talu" typeface="Microsoft New Tai Lue"/>
+        <a:font script="Tfng" typeface="Ebrima"/>
+      </a:majorFont>
+      <a:minorFont>
+        <a:latin typeface="Calibri" panose="020F0502020204030204"/>
+        <a:ea typeface=""/>
+        <a:cs typeface=""/>
+        <a:font script="Jpan" typeface="游ゴシック"/>
+        <a:font script="Hang" typeface="맑은 고딕"/>
+        <a:font script="Hans" typeface="等线"/>
+        <a:font script="Hant" typeface="新細明體"/>
+        <a:font script="Arab" typeface="Arial"/>
+        <a:font script="Hebr" typeface="Arial"/>
+        <a:font script="Thai" typeface="Cordia New"/>
+        <a:font script="Ethi" typeface="Nyala"/>
+        <a:font script="Beng" typeface="Vrinda"/>
+        <a:font script="Gujr" typeface="Shruti"/>
+        <a:font script="Khmr" typeface="DaunPenh"/>
+        <a:font script="Knda" typeface="Tunga"/>
+        <a:font script="Guru" typeface="Raavi"/>
+        <a:font script="Cans" typeface="Euphemia"/>
+        <a:font script="Cher" typeface="Plantagenet Cherokee"/>
+        <a:font script="Yiii" typeface="Microsoft Yi Baiti"/>
+        <a:font script="Tibt" typeface="Microsoft Himalaya"/>
+        <a:font script="Thaa" typeface="MV Boli"/>
+        <a:font script="Deva" typeface="Mangal"/>
+        <a:font script="Telu" typeface="Gautami"/>
+        <a:font script="Taml" typeface="Latha"/>
+        <a:font script="Syrc" typeface="Estrangelo Edessa"/>
+        <a:font script="Orya" typeface="Kalinga"/>
+        <a:font script="Mlym" typeface="Kartika"/>
+        <a:font script="Laoo" typeface="DokChampa"/>
+        <a:font script="Sinh" typeface="Iskoola Pota"/>
+        <a:font script="Mong" typeface="Mongolian Baiti"/>
+        <a:font script="Viet" typeface="Arial"/>
+        <a:font script="Uigh" typeface="Microsoft Uighur"/>
+        <a:font script="Geor" typeface="Sylfaen"/>
+        <a:font script="Armn" typeface="Arial"/>
+        <a:font script="Bugi" typeface="Leelawadee UI"/>
+        <a:font script="Bopo" typeface="Microsoft JhengHei"/>
+        <a:font script="Java" typeface="Javanese Text"/>
+        <a:font script="Lisu" typeface="Segoe UI"/>
+        <a:font script="Mymr" typeface="Myanmar Text"/>
+        <a:font script="Nkoo" typeface="Ebrima"/>
+        <a:font script="Olck" typeface="Nirmala UI"/>
+        <a:font script="Osma" typeface="Ebrima"/>
+        <a:font script="Phag" typeface="Phagspa"/>
+        <a:font script="Syrn" typeface="Estrangelo Edessa"/>
+        <a:font script="Syrj" typeface="Estrangelo Edessa"/>
+        <a:font script="Syre" typeface="Estrangelo Edessa"/>
+        <a:font script="Sora" typeface="Nirmala UI"/>
+        <a:font script="Tale" typeface="Microsoft Tai Le"/>
+        <a:font script="Talu" typeface="Microsoft New Tai Lue"/>
+        <a:font script="Tfng" typeface="Ebrima"/>
+      </a:minorFont>
+    </a:fontScheme>
+    <a:fmtScheme name="Office">
+      <a:fillStyleLst>
+        <a:solidFill>
+          <a:schemeClr val="phClr"/>
+        </a:solidFill>
+        <a:gradFill rotWithShape="1">
+          <a:gsLst>
+            <a:gs pos="0">
+              <a:schemeClr val="phClr">
+                <a:lumMod val="110000"/>
+                <a:satMod val="105000"/>
+                <a:tint val="67000"/>
+              </a:schemeClr>
+            </a:gs>
+            <a:gs pos="50000">
+              <a:schemeClr val="phClr">
+                <a:lumMod val="105000"/>
+                <a:satMod val="103000"/>
+                <a:tint val="73000"/>
+              </a:schemeClr>
+            </a:gs>
+            <a:gs pos="100000">
+              <a:schemeClr val="phClr">
+                <a:lumMod val="105000"/>
+                <a:satMod val="109000"/>
+                <a:tint val="81000"/>
+              </a:schemeClr>
+            </a:gs>
+          </a:gsLst>
+          <a:lin ang="5400000" scaled="0"/>
+        </a:gradFill>
+        <a:gradFill rotWithShape="1">
+          <a:gsLst>
+            <a:gs pos="0">
+              <a:schemeClr val="phClr">
+                <a:satMod val="103000"/>
+                <a:lumMod val="102000"/>
+                <a:tint val="94000"/>
+              </a:schemeClr>
+            </a:gs>
+            <a:gs pos="50000">
+              <a:schemeClr val="phClr">
+                <a:satMod val="110000"/>
+                <a:lumMod val="100000"/>
+                <a:shade val="100000"/>
+              </a:schemeClr>
+            </a:gs>
+            <a:gs pos="100000">
+              <a:schemeClr val="phClr">
+                <a:lumMod val="99000"/>
+                <a:satMod val="120000"/>
+                <a:shade val="78000"/>
+              </a:schemeClr>
+            </a:gs>
+          </a:gsLst>
+          <a:lin ang="5400000" scaled="0"/>
+        </a:gradFill>
+      </a:fillStyleLst>
+      <a:lnStyleLst>
+        <a:ln w="6350" cap="flat" cmpd="sng" algn="ctr">
+          <a:solidFill>
+            <a:schemeClr val="phClr"/>
+          </a:solidFill>
+          <a:prstDash val="solid"/>
+          <a:miter lim="800000"/>
+        </a:ln>
+        <a:ln w="12700" cap="flat" cmpd="sng" algn="ctr">
+          <a:solidFill>
+            <a:schemeClr val="phClr"/>
+          </a:solidFill>
+          <a:prstDash val="solid"/>
+          <a:miter lim="800000"/>
+        </a:ln>
+        <a:ln w="19050" cap="flat" cmpd="sng" algn="ctr">
+          <a:solidFill>
+            <a:schemeClr val="phClr"/>
+          </a:solidFill>
+          <a:prstDash val="solid"/>
+          <a:miter lim="800000"/>
+        </a:ln>
+      </a:lnStyleLst>
+      <a:effectStyleLst>
+        <a:effectStyle>
+          <a:effectLst/>
+        </a:effectStyle>
+        <a:effectStyle>
+          <a:effectLst/>
+        </a:effectStyle>
+        <a:effectStyle>
+          <a:effectLst>
+            <a:outerShdw blurRad="57150" dist="19050" dir="5400000" algn="ctr" rotWithShape="0">
+              <a:srgbClr val="000000">
+                <a:alpha val="63000"/>
+              </a:srgbClr>
+            </a:outerShdw>
+          </a:effectLst>
+        </a:effectStyle>
+      </a:effectStyleLst>
+      <a:bgFillStyleLst>
+        <a:solidFill>
+          <a:schemeClr val="phClr"/>
+        </a:solidFill>
+        <a:solidFill>
+          <a:schemeClr val="phClr">
+            <a:tint val="95000"/>
+            <a:satMod val="170000"/>
+          </a:schemeClr>
+        </a:solidFill>
+        <a:gradFill rotWithShape="1">
+          <a:gsLst>
+            <a:gs pos="0">
+              <a:schemeClr val="phClr">
+                <a:tint val="93000"/>
+                <a:satMod val="150000"/>
+                <a:shade val="98000"/>
+                <a:lumMod val="102000"/>
+              </a:schemeClr>
+            </a:gs>
+            <a:gs pos="50000">
+              <a:schemeClr val="phClr">
+                <a:tint val="98000"/>
+                <a:satMod val="130000"/>
+                <a:shade val="90000"/>
+                <a:lumMod val="103000"/>
+              </a:schemeClr>
+            </a:gs>
+            <a:gs pos="100000">
+              <a:schemeClr val="phClr">
+                <a:shade val="63000"/>
+                <a:satMod val="120000"/>
+              </a:schemeClr>
+            </a:gs>
+          </a:gsLst>
+          <a:lin ang="5400000" scaled="0"/>
+        </a:gradFill>
+      </a:bgFillStyleLst>
+    </a:fmtScheme>
+  </a:themeElements>
+  <a:objectDefaults/>
+  <a:extraClrSchemeLst/>
+  <a:extLst>
+    <a:ext uri="{05A4C25C-085E-4340-85A3-A5531E510DB2}">
+      <thm15:themeFamily xmlns:thm15="http://schemas.microsoft.com/office/thememl/2012/main" name="Office Theme" id="{62F939B6-93AF-4DB8-9C6B-D6C7DFDC589F}" vid="{4A3C46E8-61CC-4603-A589-7422A47A8E4A}"/>
+    </a:ext>
+  </a:extLst>
+</a:theme>
 </file>
--- a/presentation/Scottish Household Survey Analysis.pptx
+++ b/presentation/Scottish Household Survey Analysis.pptx
@@ -5,7 +5,7 @@
     <p:sldMasterId id="2147483702" r:id="rId1"/>
   </p:sldMasterIdLst>
   <p:notesMasterIdLst>
-    <p:notesMasterId r:id="rId18"/>
+    <p:notesMasterId r:id="rId19"/>
   </p:notesMasterIdLst>
   <p:sldIdLst>
     <p:sldId id="256" r:id="rId2"/>
@@ -19,11 +19,12 @@
     <p:sldId id="265" r:id="rId10"/>
     <p:sldId id="271" r:id="rId11"/>
     <p:sldId id="260" r:id="rId12"/>
-    <p:sldId id="272" r:id="rId13"/>
-    <p:sldId id="267" r:id="rId14"/>
-    <p:sldId id="261" r:id="rId15"/>
-    <p:sldId id="262" r:id="rId16"/>
-    <p:sldId id="263" r:id="rId17"/>
+    <p:sldId id="273" r:id="rId13"/>
+    <p:sldId id="272" r:id="rId14"/>
+    <p:sldId id="267" r:id="rId15"/>
+    <p:sldId id="261" r:id="rId16"/>
+    <p:sldId id="262" r:id="rId17"/>
+    <p:sldId id="263" r:id="rId18"/>
   </p:sldIdLst>
   <p:sldSz cx="12192000" cy="6858000"/>
   <p:notesSz cx="6858000" cy="9144000"/>
@@ -212,7 +213,7 @@
           <a:p>
             <a:fld id="{536E0770-CD38-482F-9D21-D73B337B38FC}" type="datetimeFigureOut">
               <a:rPr lang="en-GB" smtClean="0"/>
-              <a:t>29/08/2023</a:t>
+              <a:t>30/08/2023</a:t>
             </a:fld>
             <a:endParaRPr lang="en-GB"/>
           </a:p>
@@ -524,18 +525,6 @@
           <a:bodyPr/>
           <a:lstStyle/>
           <a:p>
-            <a:r>
-              <a:rPr lang="en-GB" dirty="0"/>
-              <a:t>Measurements: percent, upper and lower confidence limits</a:t>
-            </a:r>
-          </a:p>
-          <a:p>
-            <a:r>
-              <a:rPr lang="en-GB" dirty="0"/>
-              <a:t>Years: 2013-2019</a:t>
-            </a:r>
-          </a:p>
-          <a:p>
             <a:endParaRPr lang="en-GB" dirty="0"/>
           </a:p>
         </p:txBody>
@@ -557,7 +546,7 @@
           <a:p>
             <a:fld id="{CCA02471-DE2F-4636-BAD6-5E9EBD7A50FC}" type="slidenum">
               <a:rPr lang="en-GB" smtClean="0"/>
-              <a:t>5</a:t>
+              <a:t>2</a:t>
             </a:fld>
             <a:endParaRPr lang="en-GB"/>
           </a:p>
@@ -566,7 +555,7 @@
     </p:spTree>
     <p:extLst>
       <p:ext uri="{BB962C8B-B14F-4D97-AF65-F5344CB8AC3E}">
-        <p14:creationId xmlns:p14="http://schemas.microsoft.com/office/powerpoint/2010/main" val="3232607098"/>
+        <p14:creationId xmlns:p14="http://schemas.microsoft.com/office/powerpoint/2010/main" val="3495438139"/>
       </p:ext>
     </p:extLst>
   </p:cSld>
@@ -622,32 +611,17 @@
           <a:p>
             <a:r>
               <a:rPr lang="en-GB" dirty="0"/>
-              <a:t>First made a function to easily visualise responses. </a:t>
+              <a:t>Measurements: percent, upper and lower confidence limits</a:t>
             </a:r>
           </a:p>
           <a:p>
             <a:r>
               <a:rPr lang="en-GB" dirty="0"/>
-              <a:t>Issues -&gt; </a:t>
-            </a:r>
-          </a:p>
-          <a:p>
-            <a:r>
-              <a:rPr lang="en-GB" dirty="0"/>
-              <a:t>only 2019, perhaps it changes over time?</a:t>
-            </a:r>
-          </a:p>
-          <a:p>
-            <a:r>
-              <a:rPr lang="en-GB" dirty="0"/>
-              <a:t>no “overall” score to see which group rated the highest</a:t>
-            </a:r>
-          </a:p>
-          <a:p>
-            <a:r>
-              <a:rPr lang="en-GB" dirty="0"/>
-              <a:t>Whole of Scotland, what if different areas differ?</a:t>
-            </a:r>
+              <a:t>Years: 2013-2019</a:t>
+            </a:r>
+          </a:p>
+          <a:p>
+            <a:endParaRPr lang="en-GB" dirty="0"/>
           </a:p>
         </p:txBody>
       </p:sp>
@@ -668,7 +642,7 @@
           <a:p>
             <a:fld id="{CCA02471-DE2F-4636-BAD6-5E9EBD7A50FC}" type="slidenum">
               <a:rPr lang="en-GB" smtClean="0"/>
-              <a:t>6</a:t>
+              <a:t>5</a:t>
             </a:fld>
             <a:endParaRPr lang="en-GB"/>
           </a:p>
@@ -677,7 +651,7 @@
     </p:spTree>
     <p:extLst>
       <p:ext uri="{BB962C8B-B14F-4D97-AF65-F5344CB8AC3E}">
-        <p14:creationId xmlns:p14="http://schemas.microsoft.com/office/powerpoint/2010/main" val="1962295463"/>
+        <p14:creationId xmlns:p14="http://schemas.microsoft.com/office/powerpoint/2010/main" val="3232607098"/>
       </p:ext>
     </p:extLst>
   </p:cSld>
@@ -733,7 +707,31 @@
           <a:p>
             <a:r>
               <a:rPr lang="en-GB" dirty="0"/>
-              <a:t>Access to greenspace does increase neighbourhood ratings AND community belonging.</a:t>
+              <a:t>First made a function to easily visualise responses. </a:t>
+            </a:r>
+          </a:p>
+          <a:p>
+            <a:r>
+              <a:rPr lang="en-GB" dirty="0"/>
+              <a:t>Issues -&gt; </a:t>
+            </a:r>
+          </a:p>
+          <a:p>
+            <a:r>
+              <a:rPr lang="en-GB" dirty="0"/>
+              <a:t>only 2019, perhaps it changes over time?</a:t>
+            </a:r>
+          </a:p>
+          <a:p>
+            <a:r>
+              <a:rPr lang="en-GB" dirty="0"/>
+              <a:t>no “overall” score to see which group rated the highest</a:t>
+            </a:r>
+          </a:p>
+          <a:p>
+            <a:r>
+              <a:rPr lang="en-GB" dirty="0"/>
+              <a:t>Whole of Scotland, what if different areas differ?</a:t>
             </a:r>
           </a:p>
         </p:txBody>
@@ -755,7 +753,7 @@
           <a:p>
             <a:fld id="{CCA02471-DE2F-4636-BAD6-5E9EBD7A50FC}" type="slidenum">
               <a:rPr lang="en-GB" smtClean="0"/>
-              <a:t>9</a:t>
+              <a:t>6</a:t>
             </a:fld>
             <a:endParaRPr lang="en-GB"/>
           </a:p>
@@ -764,7 +762,7 @@
     </p:spTree>
     <p:extLst>
       <p:ext uri="{BB962C8B-B14F-4D97-AF65-F5344CB8AC3E}">
-        <p14:creationId xmlns:p14="http://schemas.microsoft.com/office/powerpoint/2010/main" val="2435635944"/>
+        <p14:creationId xmlns:p14="http://schemas.microsoft.com/office/powerpoint/2010/main" val="1962295463"/>
       </p:ext>
     </p:extLst>
   </p:cSld>
@@ -818,6 +816,93 @@
           <a:bodyPr/>
           <a:lstStyle/>
           <a:p>
+            <a:r>
+              <a:rPr lang="en-GB" dirty="0"/>
+              <a:t>Access to greenspace does increase neighbourhood ratings AND community belonging.</a:t>
+            </a:r>
+          </a:p>
+        </p:txBody>
+      </p:sp>
+      <p:sp>
+        <p:nvSpPr>
+          <p:cNvPr id="4" name="Slide Number Placeholder 3"/>
+          <p:cNvSpPr>
+            <a:spLocks noGrp="1"/>
+          </p:cNvSpPr>
+          <p:nvPr>
+            <p:ph type="sldNum" sz="quarter" idx="5"/>
+          </p:nvPr>
+        </p:nvSpPr>
+        <p:spPr/>
+        <p:txBody>
+          <a:bodyPr/>
+          <a:lstStyle/>
+          <a:p>
+            <a:fld id="{CCA02471-DE2F-4636-BAD6-5E9EBD7A50FC}" type="slidenum">
+              <a:rPr lang="en-GB" smtClean="0"/>
+              <a:t>9</a:t>
+            </a:fld>
+            <a:endParaRPr lang="en-GB"/>
+          </a:p>
+        </p:txBody>
+      </p:sp>
+    </p:spTree>
+    <p:extLst>
+      <p:ext uri="{BB962C8B-B14F-4D97-AF65-F5344CB8AC3E}">
+        <p14:creationId xmlns:p14="http://schemas.microsoft.com/office/powerpoint/2010/main" val="2435635944"/>
+      </p:ext>
+    </p:extLst>
+  </p:cSld>
+  <p:clrMapOvr>
+    <a:masterClrMapping/>
+  </p:clrMapOvr>
+</p:notes>
+</file>
+
+<file path=ppt/notesSlides/notesSlide5.xml><?xml version="1.0" encoding="utf-8"?>
+<p:notes xmlns:a="http://schemas.openxmlformats.org/drawingml/2006/main" xmlns:r="http://schemas.openxmlformats.org/officeDocument/2006/relationships" xmlns:p="http://schemas.openxmlformats.org/presentationml/2006/main">
+  <p:cSld>
+    <p:spTree>
+      <p:nvGrpSpPr>
+        <p:cNvPr id="1" name=""/>
+        <p:cNvGrpSpPr/>
+        <p:nvPr/>
+      </p:nvGrpSpPr>
+      <p:grpSpPr>
+        <a:xfrm>
+          <a:off x="0" y="0"/>
+          <a:ext cx="0" cy="0"/>
+          <a:chOff x="0" y="0"/>
+          <a:chExt cx="0" cy="0"/>
+        </a:xfrm>
+      </p:grpSpPr>
+      <p:sp>
+        <p:nvSpPr>
+          <p:cNvPr id="2" name="Slide Image Placeholder 1"/>
+          <p:cNvSpPr>
+            <a:spLocks noGrp="1" noRot="1" noChangeAspect="1"/>
+          </p:cNvSpPr>
+          <p:nvPr>
+            <p:ph type="sldImg"/>
+          </p:nvPr>
+        </p:nvSpPr>
+        <p:spPr/>
+      </p:sp>
+      <p:sp>
+        <p:nvSpPr>
+          <p:cNvPr id="3" name="Notes Placeholder 2"/>
+          <p:cNvSpPr>
+            <a:spLocks noGrp="1"/>
+          </p:cNvSpPr>
+          <p:nvPr>
+            <p:ph type="body" idx="1"/>
+          </p:nvPr>
+        </p:nvSpPr>
+        <p:spPr/>
+        <p:txBody>
+          <a:bodyPr/>
+          <a:lstStyle/>
+          <a:p>
             <a:endParaRPr lang="en-GB" dirty="0"/>
           </a:p>
         </p:txBody>
@@ -849,6 +934,90 @@
     <p:extLst>
       <p:ext uri="{BB962C8B-B14F-4D97-AF65-F5344CB8AC3E}">
         <p14:creationId xmlns:p14="http://schemas.microsoft.com/office/powerpoint/2010/main" val="4012631341"/>
+      </p:ext>
+    </p:extLst>
+  </p:cSld>
+  <p:clrMapOvr>
+    <a:masterClrMapping/>
+  </p:clrMapOvr>
+</p:notes>
+</file>
+
+<file path=ppt/notesSlides/notesSlide6.xml><?xml version="1.0" encoding="utf-8"?>
+<p:notes xmlns:a="http://schemas.openxmlformats.org/drawingml/2006/main" xmlns:r="http://schemas.openxmlformats.org/officeDocument/2006/relationships" xmlns:p="http://schemas.openxmlformats.org/presentationml/2006/main">
+  <p:cSld>
+    <p:spTree>
+      <p:nvGrpSpPr>
+        <p:cNvPr id="1" name=""/>
+        <p:cNvGrpSpPr/>
+        <p:nvPr/>
+      </p:nvGrpSpPr>
+      <p:grpSpPr>
+        <a:xfrm>
+          <a:off x="0" y="0"/>
+          <a:ext cx="0" cy="0"/>
+          <a:chOff x="0" y="0"/>
+          <a:chExt cx="0" cy="0"/>
+        </a:xfrm>
+      </p:grpSpPr>
+      <p:sp>
+        <p:nvSpPr>
+          <p:cNvPr id="2" name="Slide Image Placeholder 1"/>
+          <p:cNvSpPr>
+            <a:spLocks noGrp="1" noRot="1" noChangeAspect="1"/>
+          </p:cNvSpPr>
+          <p:nvPr>
+            <p:ph type="sldImg"/>
+          </p:nvPr>
+        </p:nvSpPr>
+        <p:spPr/>
+      </p:sp>
+      <p:sp>
+        <p:nvSpPr>
+          <p:cNvPr id="3" name="Notes Placeholder 2"/>
+          <p:cNvSpPr>
+            <a:spLocks noGrp="1"/>
+          </p:cNvSpPr>
+          <p:nvPr>
+            <p:ph type="body" idx="1"/>
+          </p:nvPr>
+        </p:nvSpPr>
+        <p:spPr/>
+        <p:txBody>
+          <a:bodyPr/>
+          <a:lstStyle/>
+          <a:p>
+            <a:endParaRPr lang="en-GB" dirty="0"/>
+          </a:p>
+        </p:txBody>
+      </p:sp>
+      <p:sp>
+        <p:nvSpPr>
+          <p:cNvPr id="4" name="Slide Number Placeholder 3"/>
+          <p:cNvSpPr>
+            <a:spLocks noGrp="1"/>
+          </p:cNvSpPr>
+          <p:nvPr>
+            <p:ph type="sldNum" sz="quarter" idx="5"/>
+          </p:nvPr>
+        </p:nvSpPr>
+        <p:spPr/>
+        <p:txBody>
+          <a:bodyPr/>
+          <a:lstStyle/>
+          <a:p>
+            <a:fld id="{CCA02471-DE2F-4636-BAD6-5E9EBD7A50FC}" type="slidenum">
+              <a:rPr lang="en-GB" smtClean="0"/>
+              <a:t>12</a:t>
+            </a:fld>
+            <a:endParaRPr lang="en-GB"/>
+          </a:p>
+        </p:txBody>
+      </p:sp>
+    </p:spTree>
+    <p:extLst>
+      <p:ext uri="{BB962C8B-B14F-4D97-AF65-F5344CB8AC3E}">
+        <p14:creationId xmlns:p14="http://schemas.microsoft.com/office/powerpoint/2010/main" val="1165208387"/>
       </p:ext>
     </p:extLst>
   </p:cSld>
@@ -1084,7 +1253,7 @@
           <a:p>
             <a:fld id="{CE4A3503-C3D4-4F6D-81DE-5A90DE1C92CC}" type="datetime1">
               <a:rPr lang="en-GB" smtClean="0"/>
-              <a:t>29/08/2023</a:t>
+              <a:t>30/08/2023</a:t>
             </a:fld>
             <a:endParaRPr lang="en-GB"/>
           </a:p>
@@ -1292,7 +1461,7 @@
           <a:p>
             <a:fld id="{9B556DEB-F63B-462B-B8B2-64A2F3D66F96}" type="datetime1">
               <a:rPr lang="en-GB" smtClean="0"/>
-              <a:t>29/08/2023</a:t>
+              <a:t>30/08/2023</a:t>
             </a:fld>
             <a:endParaRPr lang="en-GB"/>
           </a:p>
@@ -1548,7 +1717,7 @@
           <a:p>
             <a:fld id="{317934FC-3264-40BE-99B1-E01E91DAF153}" type="datetime1">
               <a:rPr lang="en-GB" smtClean="0"/>
-              <a:t>29/08/2023</a:t>
+              <a:t>30/08/2023</a:t>
             </a:fld>
             <a:endParaRPr lang="en-GB"/>
           </a:p>
@@ -1718,7 +1887,7 @@
           <a:p>
             <a:fld id="{ABC06397-985D-4758-A1D0-6486593FC8BF}" type="datetime1">
               <a:rPr lang="en-GB" smtClean="0"/>
-              <a:t>29/08/2023</a:t>
+              <a:t>30/08/2023</a:t>
             </a:fld>
             <a:endParaRPr lang="en-GB"/>
           </a:p>
@@ -2061,7 +2230,7 @@
           <a:p>
             <a:fld id="{FDA121CD-E0E1-41C8-B9D8-6BE6EBE743C0}" type="datetime1">
               <a:rPr lang="en-GB" smtClean="0"/>
-              <a:t>29/08/2023</a:t>
+              <a:t>30/08/2023</a:t>
             </a:fld>
             <a:endParaRPr lang="en-GB"/>
           </a:p>
@@ -2336,7 +2505,7 @@
           <a:p>
             <a:fld id="{43126390-DA8B-428E-BB80-BA8AAF2CE3F7}" type="datetime1">
               <a:rPr lang="en-GB" smtClean="0"/>
-              <a:t>29/08/2023</a:t>
+              <a:t>30/08/2023</a:t>
             </a:fld>
             <a:endParaRPr lang="en-GB"/>
           </a:p>
@@ -2715,7 +2884,7 @@
           <a:p>
             <a:fld id="{14C83330-CD0E-4E23-9F18-4C49BBA2733B}" type="datetime1">
               <a:rPr lang="en-GB" smtClean="0"/>
-              <a:t>29/08/2023</a:t>
+              <a:t>30/08/2023</a:t>
             </a:fld>
             <a:endParaRPr lang="en-GB"/>
           </a:p>
@@ -2833,7 +3002,7 @@
           <a:p>
             <a:fld id="{B109A2A1-6BCB-42CB-82E1-6615D0BAD0F4}" type="datetime1">
               <a:rPr lang="en-GB" smtClean="0"/>
-              <a:t>29/08/2023</a:t>
+              <a:t>30/08/2023</a:t>
             </a:fld>
             <a:endParaRPr lang="en-GB"/>
           </a:p>
@@ -3004,7 +3173,7 @@
           <a:p>
             <a:fld id="{1CA09334-B197-46E3-84E0-287ABA66A5B3}" type="datetime1">
               <a:rPr lang="en-GB" smtClean="0"/>
-              <a:t>29/08/2023</a:t>
+              <a:t>30/08/2023</a:t>
             </a:fld>
             <a:endParaRPr lang="en-GB"/>
           </a:p>
@@ -3358,7 +3527,7 @@
           <a:p>
             <a:fld id="{AA2AE584-DAFC-4BDA-883B-E8CCDDC61B97}" type="datetime1">
               <a:rPr lang="en-GB" smtClean="0"/>
-              <a:t>29/08/2023</a:t>
+              <a:t>30/08/2023</a:t>
             </a:fld>
             <a:endParaRPr lang="en-GB"/>
           </a:p>
@@ -3735,7 +3904,7 @@
           <a:p>
             <a:fld id="{2B8D6311-9579-4B11-9452-2E0543F25B3F}" type="datetime1">
               <a:rPr lang="en-GB" smtClean="0"/>
-              <a:t>29/08/2023</a:t>
+              <a:t>30/08/2023</a:t>
             </a:fld>
             <a:endParaRPr lang="en-GB"/>
           </a:p>
@@ -4022,7 +4191,7 @@
           <a:p>
             <a:fld id="{F55059E5-08DE-414B-8414-11009CC039F5}" type="datetime1">
               <a:rPr lang="en-GB" smtClean="0"/>
-              <a:t>29/08/2023</a:t>
+              <a:t>30/08/2023</a:t>
             </a:fld>
             <a:endParaRPr lang="en-GB"/>
           </a:p>
@@ -7797,7 +7966,7 @@
                   <a:schemeClr val="bg1"/>
                 </a:solidFill>
               </a:rPr>
-              <a:t>2. Which areas have the best and worst ratings? Does this correlate with certain factors?</a:t>
+              <a:t>2. Which areas have the best and worst ratings? </a:t>
             </a:r>
           </a:p>
         </p:txBody>
@@ -7832,12 +8001,48 @@
           <a:chExt cx="0" cy="0"/>
         </a:xfrm>
       </p:grpSpPr>
+      <p:pic>
+        <p:nvPicPr>
+          <p:cNvPr id="28" name="Picture 27" descr="A graph of different colored bars&#10;&#10;Description automatically generated">
+            <a:extLst>
+              <a:ext uri="{FF2B5EF4-FFF2-40B4-BE49-F238E27FC236}">
+                <a16:creationId xmlns:a16="http://schemas.microsoft.com/office/drawing/2014/main" id="{055E2764-27C5-7053-5633-0AA91211F661}"/>
+              </a:ext>
+            </a:extLst>
+          </p:cNvPr>
+          <p:cNvPicPr>
+            <a:picLocks noChangeAspect="1"/>
+          </p:cNvPicPr>
+          <p:nvPr/>
+        </p:nvPicPr>
+        <p:blipFill>
+          <a:blip r:embed="rId3">
+            <a:extLst>
+              <a:ext uri="{28A0092B-C50C-407E-A947-70E740481C1C}">
+                <a14:useLocalDpi xmlns:a14="http://schemas.microsoft.com/office/drawing/2010/main" val="0"/>
+              </a:ext>
+            </a:extLst>
+          </a:blip>
+          <a:stretch>
+            <a:fillRect/>
+          </a:stretch>
+        </p:blipFill>
+        <p:spPr>
+          <a:xfrm>
+            <a:off x="6610499" y="33090"/>
+            <a:ext cx="5562619" cy="3431171"/>
+          </a:xfrm>
+          <a:prstGeom prst="rect">
+            <a:avLst/>
+          </a:prstGeom>
+        </p:spPr>
+      </p:pic>
       <p:sp>
         <p:nvSpPr>
           <p:cNvPr id="2" name="Title 1">
             <a:extLst>
               <a:ext uri="{FF2B5EF4-FFF2-40B4-BE49-F238E27FC236}">
-                <a16:creationId xmlns:a16="http://schemas.microsoft.com/office/drawing/2014/main" id="{7CA1BFFF-94DB-93E6-7FB7-FEC33B352698}"/>
+                <a16:creationId xmlns:a16="http://schemas.microsoft.com/office/drawing/2014/main" id="{2B132809-1B83-AFA6-BF0B-EAB265087462}"/>
               </a:ext>
             </a:extLst>
           </p:cNvPr>
@@ -7848,26 +8053,70 @@
             <p:ph type="title"/>
           </p:nvPr>
         </p:nvSpPr>
-        <p:spPr/>
+        <p:spPr>
+          <a:xfrm>
+            <a:off x="182454" y="286603"/>
+            <a:ext cx="4574021" cy="1785388"/>
+          </a:xfrm>
+          <a:solidFill>
+            <a:schemeClr val="bg1"/>
+          </a:solidFill>
+        </p:spPr>
         <p:txBody>
           <a:bodyPr>
-            <a:noAutofit/>
+            <a:normAutofit fontScale="90000"/>
           </a:bodyPr>
           <a:lstStyle/>
           <a:p>
             <a:r>
-              <a:rPr lang="en-GB" sz="6600" dirty="0"/>
-              <a:t>3. What factors influence neighbourhood ratings and community belonging?</a:t>
-            </a:r>
-          </a:p>
-        </p:txBody>
-      </p:sp>
-      <p:sp>
-        <p:nvSpPr>
-          <p:cNvPr id="6" name="Text Placeholder 5">
+              <a:rPr lang="en-GB" dirty="0"/>
+              <a:t>What makes these areas different?</a:t>
+            </a:r>
+          </a:p>
+        </p:txBody>
+      </p:sp>
+      <p:pic>
+        <p:nvPicPr>
+          <p:cNvPr id="26" name="Picture 25" descr="A graph of different colored bars&#10;&#10;Description automatically generated">
             <a:extLst>
               <a:ext uri="{FF2B5EF4-FFF2-40B4-BE49-F238E27FC236}">
-                <a16:creationId xmlns:a16="http://schemas.microsoft.com/office/drawing/2014/main" id="{5A5900C4-248D-2C7D-57CB-D90BBDD64228}"/>
+                <a16:creationId xmlns:a16="http://schemas.microsoft.com/office/drawing/2014/main" id="{BC5DFE76-D448-5A5D-5962-DFC362390360}"/>
+              </a:ext>
+            </a:extLst>
+          </p:cNvPr>
+          <p:cNvPicPr>
+            <a:picLocks noChangeAspect="1"/>
+          </p:cNvPicPr>
+          <p:nvPr/>
+        </p:nvPicPr>
+        <p:blipFill>
+          <a:blip r:embed="rId4">
+            <a:extLst>
+              <a:ext uri="{28A0092B-C50C-407E-A947-70E740481C1C}">
+                <a14:useLocalDpi xmlns:a14="http://schemas.microsoft.com/office/drawing/2010/main" val="0"/>
+              </a:ext>
+            </a:extLst>
+          </a:blip>
+          <a:stretch>
+            <a:fillRect/>
+          </a:stretch>
+        </p:blipFill>
+        <p:spPr>
+          <a:xfrm>
+            <a:off x="-32613" y="2809506"/>
+            <a:ext cx="6589829" cy="4064781"/>
+          </a:xfrm>
+          <a:prstGeom prst="rect">
+            <a:avLst/>
+          </a:prstGeom>
+        </p:spPr>
+      </p:pic>
+      <p:sp>
+        <p:nvSpPr>
+          <p:cNvPr id="4" name="Slide Number Placeholder 3">
+            <a:extLst>
+              <a:ext uri="{FF2B5EF4-FFF2-40B4-BE49-F238E27FC236}">
+                <a16:creationId xmlns:a16="http://schemas.microsoft.com/office/drawing/2014/main" id="{B0CB99B8-71F9-D278-FE34-8749978A3F38}"/>
               </a:ext>
             </a:extLst>
           </p:cNvPr>
@@ -7875,7 +8124,7 @@
             <a:spLocks noGrp="1"/>
           </p:cNvSpPr>
           <p:nvPr>
-            <p:ph type="body" idx="1"/>
+            <p:ph type="sldNum" sz="quarter" idx="12"/>
           </p:nvPr>
         </p:nvSpPr>
         <p:spPr/>
@@ -7883,46 +8132,725 @@
           <a:bodyPr/>
           <a:lstStyle/>
           <a:p>
-            <a:r>
-              <a:rPr lang="en-GB" dirty="0"/>
-              <a:t>Explored through R Shiny and Visualisations</a:t>
-            </a:r>
-          </a:p>
-        </p:txBody>
-      </p:sp>
-      <p:sp>
-        <p:nvSpPr>
-          <p:cNvPr id="7" name="Slide Number Placeholder 6">
+            <a:fld id="{1D85C9CE-5A10-4592-9F88-5339DD41B12B}" type="slidenum">
+              <a:rPr lang="en-GB" smtClean="0"/>
+              <a:t>12</a:t>
+            </a:fld>
+            <a:endParaRPr lang="en-GB"/>
+          </a:p>
+        </p:txBody>
+      </p:sp>
+      <p:sp>
+        <p:nvSpPr>
+          <p:cNvPr id="11" name="Oval 10">
             <a:extLst>
               <a:ext uri="{FF2B5EF4-FFF2-40B4-BE49-F238E27FC236}">
-                <a16:creationId xmlns:a16="http://schemas.microsoft.com/office/drawing/2014/main" id="{20A8038B-0A8B-024A-181D-090C8A1BAAB3}"/>
+                <a16:creationId xmlns:a16="http://schemas.microsoft.com/office/drawing/2014/main" id="{34BFD08E-E379-7857-AFA3-5F9AA362780D}"/>
               </a:ext>
             </a:extLst>
           </p:cNvPr>
-          <p:cNvSpPr>
-            <a:spLocks noGrp="1"/>
-          </p:cNvSpPr>
-          <p:nvPr>
-            <p:ph type="sldNum" sz="quarter" idx="12"/>
-          </p:nvPr>
-        </p:nvSpPr>
-        <p:spPr/>
-        <p:txBody>
-          <a:bodyPr/>
+          <p:cNvSpPr/>
+          <p:nvPr/>
+        </p:nvSpPr>
+        <p:spPr>
+          <a:xfrm>
+            <a:off x="2417473" y="4158320"/>
+            <a:ext cx="1103940" cy="1265103"/>
+          </a:xfrm>
+          <a:prstGeom prst="ellipse">
+            <a:avLst/>
+          </a:prstGeom>
+          <a:noFill/>
+          <a:ln w="38100">
+            <a:solidFill>
+              <a:srgbClr val="FF0000"/>
+            </a:solidFill>
+          </a:ln>
+        </p:spPr>
+        <p:style>
+          <a:lnRef idx="2">
+            <a:schemeClr val="accent1">
+              <a:shade val="15000"/>
+            </a:schemeClr>
+          </a:lnRef>
+          <a:fillRef idx="1">
+            <a:schemeClr val="accent1"/>
+          </a:fillRef>
+          <a:effectRef idx="0">
+            <a:schemeClr val="accent1"/>
+          </a:effectRef>
+          <a:fontRef idx="minor">
+            <a:schemeClr val="lt1"/>
+          </a:fontRef>
+        </p:style>
+        <p:txBody>
+          <a:bodyPr rtlCol="0" anchor="ctr"/>
           <a:lstStyle/>
           <a:p>
-            <a:fld id="{1D85C9CE-5A10-4592-9F88-5339DD41B12B}" type="slidenum">
-              <a:rPr lang="en-GB" sz="1600" smtClean="0"/>
-              <a:t>12</a:t>
-            </a:fld>
-            <a:endParaRPr lang="en-GB" sz="1600" dirty="0"/>
-          </a:p>
-        </p:txBody>
-      </p:sp>
+            <a:pPr algn="ctr"/>
+            <a:endParaRPr lang="en-GB"/>
+          </a:p>
+        </p:txBody>
+      </p:sp>
+      <p:sp>
+        <p:nvSpPr>
+          <p:cNvPr id="12" name="Oval 11">
+            <a:extLst>
+              <a:ext uri="{FF2B5EF4-FFF2-40B4-BE49-F238E27FC236}">
+                <a16:creationId xmlns:a16="http://schemas.microsoft.com/office/drawing/2014/main" id="{9B03796B-A1A7-AC1C-5985-D6C1A401944D}"/>
+              </a:ext>
+            </a:extLst>
+          </p:cNvPr>
+          <p:cNvSpPr/>
+          <p:nvPr/>
+        </p:nvSpPr>
+        <p:spPr>
+          <a:xfrm>
+            <a:off x="3661335" y="3922552"/>
+            <a:ext cx="998433" cy="1435084"/>
+          </a:xfrm>
+          <a:prstGeom prst="ellipse">
+            <a:avLst/>
+          </a:prstGeom>
+          <a:noFill/>
+          <a:ln w="38100">
+            <a:solidFill>
+              <a:srgbClr val="FF0000"/>
+            </a:solidFill>
+          </a:ln>
+        </p:spPr>
+        <p:style>
+          <a:lnRef idx="2">
+            <a:schemeClr val="accent1">
+              <a:shade val="15000"/>
+            </a:schemeClr>
+          </a:lnRef>
+          <a:fillRef idx="1">
+            <a:schemeClr val="accent1"/>
+          </a:fillRef>
+          <a:effectRef idx="0">
+            <a:schemeClr val="accent1"/>
+          </a:effectRef>
+          <a:fontRef idx="minor">
+            <a:schemeClr val="lt1"/>
+          </a:fontRef>
+        </p:style>
+        <p:txBody>
+          <a:bodyPr rtlCol="0" anchor="ctr"/>
+          <a:lstStyle/>
+          <a:p>
+            <a:pPr algn="ctr"/>
+            <a:endParaRPr lang="en-GB"/>
+          </a:p>
+        </p:txBody>
+      </p:sp>
+      <p:sp>
+        <p:nvSpPr>
+          <p:cNvPr id="13" name="Oval 12">
+            <a:extLst>
+              <a:ext uri="{FF2B5EF4-FFF2-40B4-BE49-F238E27FC236}">
+                <a16:creationId xmlns:a16="http://schemas.microsoft.com/office/drawing/2014/main" id="{DB93333D-DAD7-BD63-8A3D-939809AD7EE3}"/>
+              </a:ext>
+            </a:extLst>
+          </p:cNvPr>
+          <p:cNvSpPr/>
+          <p:nvPr/>
+        </p:nvSpPr>
+        <p:spPr>
+          <a:xfrm>
+            <a:off x="9774677" y="851521"/>
+            <a:ext cx="1254868" cy="2521622"/>
+          </a:xfrm>
+          <a:prstGeom prst="ellipse">
+            <a:avLst/>
+          </a:prstGeom>
+          <a:noFill/>
+          <a:ln w="38100">
+            <a:solidFill>
+              <a:srgbClr val="FF0000"/>
+            </a:solidFill>
+          </a:ln>
+        </p:spPr>
+        <p:style>
+          <a:lnRef idx="2">
+            <a:schemeClr val="accent1">
+              <a:shade val="15000"/>
+            </a:schemeClr>
+          </a:lnRef>
+          <a:fillRef idx="1">
+            <a:schemeClr val="accent1"/>
+          </a:fillRef>
+          <a:effectRef idx="0">
+            <a:schemeClr val="accent1"/>
+          </a:effectRef>
+          <a:fontRef idx="minor">
+            <a:schemeClr val="lt1"/>
+          </a:fontRef>
+        </p:style>
+        <p:txBody>
+          <a:bodyPr rtlCol="0" anchor="ctr"/>
+          <a:lstStyle/>
+          <a:p>
+            <a:pPr algn="ctr"/>
+            <a:endParaRPr lang="en-GB"/>
+          </a:p>
+        </p:txBody>
+      </p:sp>
+      <p:pic>
+        <p:nvPicPr>
+          <p:cNvPr id="32" name="Picture 31" descr="A graph of different colored bars&#10;&#10;Description automatically generated">
+            <a:extLst>
+              <a:ext uri="{FF2B5EF4-FFF2-40B4-BE49-F238E27FC236}">
+                <a16:creationId xmlns:a16="http://schemas.microsoft.com/office/drawing/2014/main" id="{C2746A1B-B83E-B027-079D-126E8D1AFCC0}"/>
+              </a:ext>
+            </a:extLst>
+          </p:cNvPr>
+          <p:cNvPicPr>
+            <a:picLocks noChangeAspect="1"/>
+          </p:cNvPicPr>
+          <p:nvPr/>
+        </p:nvPicPr>
+        <p:blipFill>
+          <a:blip r:embed="rId5">
+            <a:extLst>
+              <a:ext uri="{28A0092B-C50C-407E-A947-70E740481C1C}">
+                <a14:useLocalDpi xmlns:a14="http://schemas.microsoft.com/office/drawing/2010/main" val="0"/>
+              </a:ext>
+            </a:extLst>
+          </a:blip>
+          <a:stretch>
+            <a:fillRect/>
+          </a:stretch>
+        </p:blipFill>
+        <p:spPr>
+          <a:xfrm>
+            <a:off x="6503934" y="3365737"/>
+            <a:ext cx="5688066" cy="3508550"/>
+          </a:xfrm>
+          <a:prstGeom prst="rect">
+            <a:avLst/>
+          </a:prstGeom>
+        </p:spPr>
+      </p:pic>
+      <p:sp>
+        <p:nvSpPr>
+          <p:cNvPr id="14" name="Oval 13">
+            <a:extLst>
+              <a:ext uri="{FF2B5EF4-FFF2-40B4-BE49-F238E27FC236}">
+                <a16:creationId xmlns:a16="http://schemas.microsoft.com/office/drawing/2014/main" id="{3C6697A7-73F5-D7AD-D5EE-FFD2A3BE671B}"/>
+              </a:ext>
+            </a:extLst>
+          </p:cNvPr>
+          <p:cNvSpPr/>
+          <p:nvPr/>
+        </p:nvSpPr>
+        <p:spPr>
+          <a:xfrm>
+            <a:off x="7344282" y="906836"/>
+            <a:ext cx="1254868" cy="2330310"/>
+          </a:xfrm>
+          <a:prstGeom prst="ellipse">
+            <a:avLst/>
+          </a:prstGeom>
+          <a:noFill/>
+          <a:ln w="38100">
+            <a:solidFill>
+              <a:srgbClr val="FF0000"/>
+            </a:solidFill>
+          </a:ln>
+        </p:spPr>
+        <p:style>
+          <a:lnRef idx="2">
+            <a:schemeClr val="accent1">
+              <a:shade val="15000"/>
+            </a:schemeClr>
+          </a:lnRef>
+          <a:fillRef idx="1">
+            <a:schemeClr val="accent1"/>
+          </a:fillRef>
+          <a:effectRef idx="0">
+            <a:schemeClr val="accent1"/>
+          </a:effectRef>
+          <a:fontRef idx="minor">
+            <a:schemeClr val="lt1"/>
+          </a:fontRef>
+        </p:style>
+        <p:txBody>
+          <a:bodyPr rtlCol="0" anchor="ctr"/>
+          <a:lstStyle/>
+          <a:p>
+            <a:pPr algn="ctr"/>
+            <a:endParaRPr lang="en-GB"/>
+          </a:p>
+        </p:txBody>
+      </p:sp>
+      <p:sp>
+        <p:nvSpPr>
+          <p:cNvPr id="15" name="Oval 14">
+            <a:extLst>
+              <a:ext uri="{FF2B5EF4-FFF2-40B4-BE49-F238E27FC236}">
+                <a16:creationId xmlns:a16="http://schemas.microsoft.com/office/drawing/2014/main" id="{3081ADC7-FF51-835B-2A01-63ABEEF0D04B}"/>
+              </a:ext>
+            </a:extLst>
+          </p:cNvPr>
+          <p:cNvSpPr/>
+          <p:nvPr/>
+        </p:nvSpPr>
+        <p:spPr>
+          <a:xfrm>
+            <a:off x="7104859" y="4944464"/>
+            <a:ext cx="1600113" cy="1828801"/>
+          </a:xfrm>
+          <a:prstGeom prst="ellipse">
+            <a:avLst/>
+          </a:prstGeom>
+          <a:noFill/>
+          <a:ln w="38100">
+            <a:solidFill>
+              <a:srgbClr val="FF0000"/>
+            </a:solidFill>
+          </a:ln>
+        </p:spPr>
+        <p:style>
+          <a:lnRef idx="2">
+            <a:schemeClr val="accent1">
+              <a:shade val="15000"/>
+            </a:schemeClr>
+          </a:lnRef>
+          <a:fillRef idx="1">
+            <a:schemeClr val="accent1"/>
+          </a:fillRef>
+          <a:effectRef idx="0">
+            <a:schemeClr val="accent1"/>
+          </a:effectRef>
+          <a:fontRef idx="minor">
+            <a:schemeClr val="lt1"/>
+          </a:fontRef>
+        </p:style>
+        <p:txBody>
+          <a:bodyPr rtlCol="0" anchor="ctr"/>
+          <a:lstStyle/>
+          <a:p>
+            <a:pPr algn="ctr"/>
+            <a:endParaRPr lang="en-GB"/>
+          </a:p>
+        </p:txBody>
+      </p:sp>
+      <p:sp>
+        <p:nvSpPr>
+          <p:cNvPr id="16" name="Oval 15">
+            <a:extLst>
+              <a:ext uri="{FF2B5EF4-FFF2-40B4-BE49-F238E27FC236}">
+                <a16:creationId xmlns:a16="http://schemas.microsoft.com/office/drawing/2014/main" id="{DAC74A28-22D9-6CB0-D794-E6DE9D6DA9C7}"/>
+              </a:ext>
+            </a:extLst>
+          </p:cNvPr>
+          <p:cNvSpPr/>
+          <p:nvPr/>
+        </p:nvSpPr>
+        <p:spPr>
+          <a:xfrm>
+            <a:off x="10457234" y="4640094"/>
+            <a:ext cx="1715884" cy="2123208"/>
+          </a:xfrm>
+          <a:prstGeom prst="ellipse">
+            <a:avLst/>
+          </a:prstGeom>
+          <a:noFill/>
+          <a:ln w="38100">
+            <a:solidFill>
+              <a:srgbClr val="FF0000"/>
+            </a:solidFill>
+          </a:ln>
+        </p:spPr>
+        <p:style>
+          <a:lnRef idx="2">
+            <a:schemeClr val="accent1">
+              <a:shade val="15000"/>
+            </a:schemeClr>
+          </a:lnRef>
+          <a:fillRef idx="1">
+            <a:schemeClr val="accent1"/>
+          </a:fillRef>
+          <a:effectRef idx="0">
+            <a:schemeClr val="accent1"/>
+          </a:effectRef>
+          <a:fontRef idx="minor">
+            <a:schemeClr val="lt1"/>
+          </a:fontRef>
+        </p:style>
+        <p:txBody>
+          <a:bodyPr rtlCol="0" anchor="ctr"/>
+          <a:lstStyle/>
+          <a:p>
+            <a:pPr algn="ctr"/>
+            <a:endParaRPr lang="en-GB"/>
+          </a:p>
+        </p:txBody>
+      </p:sp>
+      <p:sp>
+        <p:nvSpPr>
+          <p:cNvPr id="17" name="Arrow: Up 16">
+            <a:extLst>
+              <a:ext uri="{FF2B5EF4-FFF2-40B4-BE49-F238E27FC236}">
+                <a16:creationId xmlns:a16="http://schemas.microsoft.com/office/drawing/2014/main" id="{63E350C5-1881-623C-D7FF-C0473AEAEEC3}"/>
+              </a:ext>
+            </a:extLst>
+          </p:cNvPr>
+          <p:cNvSpPr/>
+          <p:nvPr/>
+        </p:nvSpPr>
+        <p:spPr>
+          <a:xfrm>
+            <a:off x="2773466" y="4700446"/>
+            <a:ext cx="376075" cy="473598"/>
+          </a:xfrm>
+          <a:prstGeom prst="upArrow">
+            <a:avLst/>
+          </a:prstGeom>
+          <a:solidFill>
+            <a:srgbClr val="FF0000"/>
+          </a:solidFill>
+          <a:ln>
+            <a:solidFill>
+              <a:schemeClr val="tx1"/>
+            </a:solidFill>
+          </a:ln>
+        </p:spPr>
+        <p:style>
+          <a:lnRef idx="2">
+            <a:schemeClr val="accent1">
+              <a:shade val="15000"/>
+            </a:schemeClr>
+          </a:lnRef>
+          <a:fillRef idx="1">
+            <a:schemeClr val="accent1"/>
+          </a:fillRef>
+          <a:effectRef idx="0">
+            <a:schemeClr val="accent1"/>
+          </a:effectRef>
+          <a:fontRef idx="minor">
+            <a:schemeClr val="lt1"/>
+          </a:fontRef>
+        </p:style>
+        <p:txBody>
+          <a:bodyPr rtlCol="0" anchor="ctr"/>
+          <a:lstStyle/>
+          <a:p>
+            <a:pPr algn="ctr"/>
+            <a:endParaRPr lang="en-GB"/>
+          </a:p>
+        </p:txBody>
+      </p:sp>
+      <p:sp>
+        <p:nvSpPr>
+          <p:cNvPr id="18" name="Arrow: Up 17">
+            <a:extLst>
+              <a:ext uri="{FF2B5EF4-FFF2-40B4-BE49-F238E27FC236}">
+                <a16:creationId xmlns:a16="http://schemas.microsoft.com/office/drawing/2014/main" id="{A97471F7-DE1E-FBC9-CD7B-A4D89EBCC915}"/>
+              </a:ext>
+            </a:extLst>
+          </p:cNvPr>
+          <p:cNvSpPr/>
+          <p:nvPr/>
+        </p:nvSpPr>
+        <p:spPr>
+          <a:xfrm>
+            <a:off x="3925252" y="4646415"/>
+            <a:ext cx="470597" cy="473597"/>
+          </a:xfrm>
+          <a:prstGeom prst="upArrow">
+            <a:avLst/>
+          </a:prstGeom>
+          <a:solidFill>
+            <a:srgbClr val="FF0000"/>
+          </a:solidFill>
+          <a:ln>
+            <a:solidFill>
+              <a:schemeClr val="tx1"/>
+            </a:solidFill>
+          </a:ln>
+        </p:spPr>
+        <p:style>
+          <a:lnRef idx="2">
+            <a:schemeClr val="accent1">
+              <a:shade val="15000"/>
+            </a:schemeClr>
+          </a:lnRef>
+          <a:fillRef idx="1">
+            <a:schemeClr val="accent1"/>
+          </a:fillRef>
+          <a:effectRef idx="0">
+            <a:schemeClr val="accent1"/>
+          </a:effectRef>
+          <a:fontRef idx="minor">
+            <a:schemeClr val="lt1"/>
+          </a:fontRef>
+        </p:style>
+        <p:txBody>
+          <a:bodyPr rtlCol="0" anchor="ctr"/>
+          <a:lstStyle/>
+          <a:p>
+            <a:pPr algn="ctr"/>
+            <a:endParaRPr lang="en-GB"/>
+          </a:p>
+        </p:txBody>
+      </p:sp>
+      <p:sp>
+        <p:nvSpPr>
+          <p:cNvPr id="19" name="Arrow: Up 18">
+            <a:extLst>
+              <a:ext uri="{FF2B5EF4-FFF2-40B4-BE49-F238E27FC236}">
+                <a16:creationId xmlns:a16="http://schemas.microsoft.com/office/drawing/2014/main" id="{01A5E436-202F-DA42-1943-F2D7C2E3148B}"/>
+              </a:ext>
+            </a:extLst>
+          </p:cNvPr>
+          <p:cNvSpPr/>
+          <p:nvPr/>
+        </p:nvSpPr>
+        <p:spPr>
+          <a:xfrm rot="10800000">
+            <a:off x="7671724" y="2112332"/>
+            <a:ext cx="445511" cy="488624"/>
+          </a:xfrm>
+          <a:prstGeom prst="upArrow">
+            <a:avLst/>
+          </a:prstGeom>
+          <a:solidFill>
+            <a:srgbClr val="FF0000"/>
+          </a:solidFill>
+          <a:ln>
+            <a:solidFill>
+              <a:schemeClr val="tx1"/>
+            </a:solidFill>
+          </a:ln>
+        </p:spPr>
+        <p:style>
+          <a:lnRef idx="2">
+            <a:schemeClr val="accent1">
+              <a:shade val="15000"/>
+            </a:schemeClr>
+          </a:lnRef>
+          <a:fillRef idx="1">
+            <a:schemeClr val="accent1"/>
+          </a:fillRef>
+          <a:effectRef idx="0">
+            <a:schemeClr val="accent1"/>
+          </a:effectRef>
+          <a:fontRef idx="minor">
+            <a:schemeClr val="lt1"/>
+          </a:fontRef>
+        </p:style>
+        <p:txBody>
+          <a:bodyPr rtlCol="0" anchor="ctr"/>
+          <a:lstStyle/>
+          <a:p>
+            <a:pPr algn="ctr"/>
+            <a:endParaRPr lang="en-GB"/>
+          </a:p>
+        </p:txBody>
+      </p:sp>
+      <p:sp>
+        <p:nvSpPr>
+          <p:cNvPr id="20" name="Arrow: Up 19">
+            <a:extLst>
+              <a:ext uri="{FF2B5EF4-FFF2-40B4-BE49-F238E27FC236}">
+                <a16:creationId xmlns:a16="http://schemas.microsoft.com/office/drawing/2014/main" id="{28DB523E-2EE7-D013-674A-0086FBC247C6}"/>
+              </a:ext>
+            </a:extLst>
+          </p:cNvPr>
+          <p:cNvSpPr/>
+          <p:nvPr/>
+        </p:nvSpPr>
+        <p:spPr>
+          <a:xfrm>
+            <a:off x="10224375" y="2078308"/>
+            <a:ext cx="465717" cy="484623"/>
+          </a:xfrm>
+          <a:prstGeom prst="upArrow">
+            <a:avLst/>
+          </a:prstGeom>
+          <a:solidFill>
+            <a:srgbClr val="FF0000"/>
+          </a:solidFill>
+          <a:ln>
+            <a:solidFill>
+              <a:schemeClr val="tx1"/>
+            </a:solidFill>
+          </a:ln>
+        </p:spPr>
+        <p:style>
+          <a:lnRef idx="2">
+            <a:schemeClr val="accent1">
+              <a:shade val="15000"/>
+            </a:schemeClr>
+          </a:lnRef>
+          <a:fillRef idx="1">
+            <a:schemeClr val="accent1"/>
+          </a:fillRef>
+          <a:effectRef idx="0">
+            <a:schemeClr val="accent1"/>
+          </a:effectRef>
+          <a:fontRef idx="minor">
+            <a:schemeClr val="lt1"/>
+          </a:fontRef>
+        </p:style>
+        <p:txBody>
+          <a:bodyPr rtlCol="0" anchor="ctr"/>
+          <a:lstStyle/>
+          <a:p>
+            <a:pPr algn="ctr"/>
+            <a:endParaRPr lang="en-GB"/>
+          </a:p>
+        </p:txBody>
+      </p:sp>
+      <p:sp>
+        <p:nvSpPr>
+          <p:cNvPr id="21" name="Arrow: Up 20">
+            <a:extLst>
+              <a:ext uri="{FF2B5EF4-FFF2-40B4-BE49-F238E27FC236}">
+                <a16:creationId xmlns:a16="http://schemas.microsoft.com/office/drawing/2014/main" id="{4AB575B9-74DB-44CE-41D2-2BB354DFF671}"/>
+              </a:ext>
+            </a:extLst>
+          </p:cNvPr>
+          <p:cNvSpPr/>
+          <p:nvPr/>
+        </p:nvSpPr>
+        <p:spPr>
+          <a:xfrm rot="16200000">
+            <a:off x="7756440" y="5343357"/>
+            <a:ext cx="339962" cy="568593"/>
+          </a:xfrm>
+          <a:prstGeom prst="upArrow">
+            <a:avLst/>
+          </a:prstGeom>
+          <a:solidFill>
+            <a:srgbClr val="FF0000"/>
+          </a:solidFill>
+          <a:ln>
+            <a:solidFill>
+              <a:schemeClr val="tx1"/>
+            </a:solidFill>
+          </a:ln>
+        </p:spPr>
+        <p:style>
+          <a:lnRef idx="2">
+            <a:schemeClr val="accent1">
+              <a:shade val="15000"/>
+            </a:schemeClr>
+          </a:lnRef>
+          <a:fillRef idx="1">
+            <a:schemeClr val="accent1"/>
+          </a:fillRef>
+          <a:effectRef idx="0">
+            <a:schemeClr val="accent1"/>
+          </a:effectRef>
+          <a:fontRef idx="minor">
+            <a:schemeClr val="lt1"/>
+          </a:fontRef>
+        </p:style>
+        <p:txBody>
+          <a:bodyPr rtlCol="0" anchor="ctr"/>
+          <a:lstStyle/>
+          <a:p>
+            <a:pPr algn="ctr"/>
+            <a:endParaRPr lang="en-GB"/>
+          </a:p>
+        </p:txBody>
+      </p:sp>
+      <p:sp>
+        <p:nvSpPr>
+          <p:cNvPr id="22" name="Arrow: Up 21">
+            <a:extLst>
+              <a:ext uri="{FF2B5EF4-FFF2-40B4-BE49-F238E27FC236}">
+                <a16:creationId xmlns:a16="http://schemas.microsoft.com/office/drawing/2014/main" id="{FB1931F8-7813-57FC-8257-C97260B6EB49}"/>
+              </a:ext>
+            </a:extLst>
+          </p:cNvPr>
+          <p:cNvSpPr/>
+          <p:nvPr/>
+        </p:nvSpPr>
+        <p:spPr>
+          <a:xfrm rot="5400000">
+            <a:off x="11042501" y="5309108"/>
+            <a:ext cx="339962" cy="568593"/>
+          </a:xfrm>
+          <a:prstGeom prst="upArrow">
+            <a:avLst/>
+          </a:prstGeom>
+          <a:solidFill>
+            <a:srgbClr val="FF0000"/>
+          </a:solidFill>
+          <a:ln>
+            <a:solidFill>
+              <a:schemeClr val="tx1"/>
+            </a:solidFill>
+          </a:ln>
+        </p:spPr>
+        <p:style>
+          <a:lnRef idx="2">
+            <a:schemeClr val="accent1">
+              <a:shade val="15000"/>
+            </a:schemeClr>
+          </a:lnRef>
+          <a:fillRef idx="1">
+            <a:schemeClr val="accent1"/>
+          </a:fillRef>
+          <a:effectRef idx="0">
+            <a:schemeClr val="accent1"/>
+          </a:effectRef>
+          <a:fontRef idx="minor">
+            <a:schemeClr val="lt1"/>
+          </a:fontRef>
+        </p:style>
+        <p:txBody>
+          <a:bodyPr rtlCol="0" anchor="ctr"/>
+          <a:lstStyle/>
+          <a:p>
+            <a:pPr algn="ctr"/>
+            <a:endParaRPr lang="en-GB"/>
+          </a:p>
+        </p:txBody>
+      </p:sp>
+      <p:pic>
+        <p:nvPicPr>
+          <p:cNvPr id="24" name="Picture 23" descr="A graph of different colored bars&#10;&#10;Description automatically generated">
+            <a:extLst>
+              <a:ext uri="{FF2B5EF4-FFF2-40B4-BE49-F238E27FC236}">
+                <a16:creationId xmlns:a16="http://schemas.microsoft.com/office/drawing/2014/main" id="{E5E4FEEC-7A00-C383-884C-583243615235}"/>
+              </a:ext>
+            </a:extLst>
+          </p:cNvPr>
+          <p:cNvPicPr>
+            <a:picLocks noChangeAspect="1"/>
+          </p:cNvPicPr>
+          <p:nvPr/>
+        </p:nvPicPr>
+        <p:blipFill rotWithShape="1">
+          <a:blip r:embed="rId6">
+            <a:extLst>
+              <a:ext uri="{28A0092B-C50C-407E-A947-70E740481C1C}">
+                <a14:useLocalDpi xmlns:a14="http://schemas.microsoft.com/office/drawing/2010/main" val="0"/>
+              </a:ext>
+            </a:extLst>
+          </a:blip>
+          <a:srcRect l="62426" t="27770"/>
+          <a:stretch/>
+        </p:blipFill>
+        <p:spPr>
+          <a:xfrm>
+            <a:off x="4738820" y="489744"/>
+            <a:ext cx="1819311" cy="2157299"/>
+          </a:xfrm>
+          <a:prstGeom prst="rect">
+            <a:avLst/>
+          </a:prstGeom>
+        </p:spPr>
+      </p:pic>
     </p:spTree>
     <p:extLst>
       <p:ext uri="{BB962C8B-B14F-4D97-AF65-F5344CB8AC3E}">
-        <p14:creationId xmlns:p14="http://schemas.microsoft.com/office/powerpoint/2010/main" val="4194583123"/>
+        <p14:creationId xmlns:p14="http://schemas.microsoft.com/office/powerpoint/2010/main" val="2570577750"/>
       </p:ext>
     </p:extLst>
   </p:cSld>
@@ -7954,6 +8882,123 @@
           <p:cNvPr id="2" name="Title 1">
             <a:extLst>
               <a:ext uri="{FF2B5EF4-FFF2-40B4-BE49-F238E27FC236}">
+                <a16:creationId xmlns:a16="http://schemas.microsoft.com/office/drawing/2014/main" id="{7CA1BFFF-94DB-93E6-7FB7-FEC33B352698}"/>
+              </a:ext>
+            </a:extLst>
+          </p:cNvPr>
+          <p:cNvSpPr>
+            <a:spLocks noGrp="1"/>
+          </p:cNvSpPr>
+          <p:nvPr>
+            <p:ph type="title"/>
+          </p:nvPr>
+        </p:nvSpPr>
+        <p:spPr/>
+        <p:txBody>
+          <a:bodyPr>
+            <a:noAutofit/>
+          </a:bodyPr>
+          <a:lstStyle/>
+          <a:p>
+            <a:r>
+              <a:rPr lang="en-GB" sz="6600" dirty="0"/>
+              <a:t>3. What factors influence neighbourhood ratings and community belonging?</a:t>
+            </a:r>
+          </a:p>
+        </p:txBody>
+      </p:sp>
+      <p:sp>
+        <p:nvSpPr>
+          <p:cNvPr id="6" name="Text Placeholder 5">
+            <a:extLst>
+              <a:ext uri="{FF2B5EF4-FFF2-40B4-BE49-F238E27FC236}">
+                <a16:creationId xmlns:a16="http://schemas.microsoft.com/office/drawing/2014/main" id="{5A5900C4-248D-2C7D-57CB-D90BBDD64228}"/>
+              </a:ext>
+            </a:extLst>
+          </p:cNvPr>
+          <p:cNvSpPr>
+            <a:spLocks noGrp="1"/>
+          </p:cNvSpPr>
+          <p:nvPr>
+            <p:ph type="body" idx="1"/>
+          </p:nvPr>
+        </p:nvSpPr>
+        <p:spPr/>
+        <p:txBody>
+          <a:bodyPr/>
+          <a:lstStyle/>
+          <a:p>
+            <a:r>
+              <a:rPr lang="en-GB" dirty="0"/>
+              <a:t>Explored through R Shiny and Visualisations</a:t>
+            </a:r>
+          </a:p>
+        </p:txBody>
+      </p:sp>
+      <p:sp>
+        <p:nvSpPr>
+          <p:cNvPr id="7" name="Slide Number Placeholder 6">
+            <a:extLst>
+              <a:ext uri="{FF2B5EF4-FFF2-40B4-BE49-F238E27FC236}">
+                <a16:creationId xmlns:a16="http://schemas.microsoft.com/office/drawing/2014/main" id="{20A8038B-0A8B-024A-181D-090C8A1BAAB3}"/>
+              </a:ext>
+            </a:extLst>
+          </p:cNvPr>
+          <p:cNvSpPr>
+            <a:spLocks noGrp="1"/>
+          </p:cNvSpPr>
+          <p:nvPr>
+            <p:ph type="sldNum" sz="quarter" idx="12"/>
+          </p:nvPr>
+        </p:nvSpPr>
+        <p:spPr/>
+        <p:txBody>
+          <a:bodyPr/>
+          <a:lstStyle/>
+          <a:p>
+            <a:fld id="{1D85C9CE-5A10-4592-9F88-5339DD41B12B}" type="slidenum">
+              <a:rPr lang="en-GB" sz="1600" smtClean="0"/>
+              <a:t>13</a:t>
+            </a:fld>
+            <a:endParaRPr lang="en-GB" sz="1600" dirty="0"/>
+          </a:p>
+        </p:txBody>
+      </p:sp>
+    </p:spTree>
+    <p:extLst>
+      <p:ext uri="{BB962C8B-B14F-4D97-AF65-F5344CB8AC3E}">
+        <p14:creationId xmlns:p14="http://schemas.microsoft.com/office/powerpoint/2010/main" val="4194583123"/>
+      </p:ext>
+    </p:extLst>
+  </p:cSld>
+  <p:clrMapOvr>
+    <a:masterClrMapping/>
+  </p:clrMapOvr>
+</p:sld>
+</file>
+
+<file path=ppt/slides/slide14.xml><?xml version="1.0" encoding="utf-8"?>
+<p:sld xmlns:a="http://schemas.openxmlformats.org/drawingml/2006/main" xmlns:r="http://schemas.openxmlformats.org/officeDocument/2006/relationships" xmlns:p="http://schemas.openxmlformats.org/presentationml/2006/main">
+  <p:cSld>
+    <p:spTree>
+      <p:nvGrpSpPr>
+        <p:cNvPr id="1" name=""/>
+        <p:cNvGrpSpPr/>
+        <p:nvPr/>
+      </p:nvGrpSpPr>
+      <p:grpSpPr>
+        <a:xfrm>
+          <a:off x="0" y="0"/>
+          <a:ext cx="0" cy="0"/>
+          <a:chOff x="0" y="0"/>
+          <a:chExt cx="0" cy="0"/>
+        </a:xfrm>
+      </p:grpSpPr>
+      <p:sp>
+        <p:nvSpPr>
+          <p:cNvPr id="2" name="Title 1">
+            <a:extLst>
+              <a:ext uri="{FF2B5EF4-FFF2-40B4-BE49-F238E27FC236}">
                 <a16:creationId xmlns:a16="http://schemas.microsoft.com/office/drawing/2014/main" id="{A9AB9D93-FD83-D3E0-5219-54BAACFD49D7}"/>
               </a:ext>
             </a:extLst>
@@ -8018,7 +9063,7 @@
             </a:pPr>
             <a:r>
               <a:rPr lang="en-GB" dirty="0"/>
-              <a:t>Pensioners</a:t>
+              <a:t>Rural areas</a:t>
             </a:r>
           </a:p>
           <a:p>
@@ -8048,7 +9093,7 @@
             </a:pPr>
             <a:r>
               <a:rPr lang="en-GB" dirty="0"/>
-              <a:t>White</a:t>
+              <a:t>Homeowners</a:t>
             </a:r>
           </a:p>
           <a:p>
@@ -8058,7 +9103,7 @@
             </a:pPr>
             <a:r>
               <a:rPr lang="en-GB" dirty="0"/>
-              <a:t>Homeowners</a:t>
+              <a:t>Pensioners</a:t>
             </a:r>
           </a:p>
           <a:p>
@@ -8068,7 +9113,7 @@
             </a:pPr>
             <a:r>
               <a:rPr lang="en-GB" dirty="0"/>
-              <a:t>Rural areas</a:t>
+              <a:t>White</a:t>
             </a:r>
           </a:p>
         </p:txBody>
@@ -8089,7 +9134,7 @@
         </p:nvSpPr>
         <p:spPr>
           <a:xfrm>
-            <a:off x="6649816" y="1944057"/>
+            <a:off x="6315821" y="1944057"/>
             <a:ext cx="5130992" cy="4023360"/>
           </a:xfrm>
           <a:prstGeom prst="rect">
@@ -8363,7 +9408,7 @@
             </a:pPr>
             <a:r>
               <a:rPr lang="en-GB" dirty="0"/>
-              <a:t>Adult only households</a:t>
+              <a:t>Urban areas</a:t>
             </a:r>
           </a:p>
           <a:p>
@@ -8393,7 +9438,7 @@
             </a:pPr>
             <a:r>
               <a:rPr lang="en-GB" dirty="0"/>
-              <a:t>Non-white ethnicity</a:t>
+              <a:t>Private or social rented</a:t>
             </a:r>
           </a:p>
           <a:p>
@@ -8403,7 +9448,7 @@
             </a:pPr>
             <a:r>
               <a:rPr lang="en-GB" dirty="0"/>
-              <a:t>Private or social rented</a:t>
+              <a:t>Adult only households</a:t>
             </a:r>
           </a:p>
           <a:p>
@@ -8413,7 +9458,7 @@
             </a:pPr>
             <a:r>
               <a:rPr lang="en-GB" dirty="0"/>
-              <a:t>Urban areas</a:t>
+              <a:t>Non-white ethnicity</a:t>
             </a:r>
           </a:p>
         </p:txBody>
@@ -8441,7 +9486,7 @@
           <a:p>
             <a:fld id="{1D85C9CE-5A10-4592-9F88-5339DD41B12B}" type="slidenum">
               <a:rPr lang="en-GB" sz="1600" smtClean="0"/>
-              <a:t>13</a:t>
+              <a:t>14</a:t>
             </a:fld>
             <a:endParaRPr lang="en-GB" sz="1600"/>
           </a:p>
@@ -8509,253 +9554,45 @@
           </a:p>
         </p:txBody>
       </p:sp>
-    </p:spTree>
-    <p:extLst>
-      <p:ext uri="{BB962C8B-B14F-4D97-AF65-F5344CB8AC3E}">
-        <p14:creationId xmlns:p14="http://schemas.microsoft.com/office/powerpoint/2010/main" val="1033130111"/>
-      </p:ext>
-    </p:extLst>
-  </p:cSld>
-  <p:clrMapOvr>
-    <a:masterClrMapping/>
-  </p:clrMapOvr>
-</p:sld>
-</file>
-
-<file path=ppt/slides/slide14.xml><?xml version="1.0" encoding="utf-8"?>
-<p:sld xmlns:a="http://schemas.openxmlformats.org/drawingml/2006/main" xmlns:r="http://schemas.openxmlformats.org/officeDocument/2006/relationships" xmlns:p="http://schemas.openxmlformats.org/presentationml/2006/main">
-  <p:cSld>
-    <p:spTree>
-      <p:nvGrpSpPr>
-        <p:cNvPr id="1" name=""/>
-        <p:cNvGrpSpPr/>
-        <p:nvPr/>
-      </p:nvGrpSpPr>
-      <p:grpSpPr>
-        <a:xfrm>
-          <a:off x="0" y="0"/>
-          <a:ext cx="0" cy="0"/>
-          <a:chOff x="0" y="0"/>
-          <a:chExt cx="0" cy="0"/>
-        </a:xfrm>
-      </p:grpSpPr>
-      <p:sp>
-        <p:nvSpPr>
-          <p:cNvPr id="2" name="Title 1">
+      <p:sp>
+        <p:nvSpPr>
+          <p:cNvPr id="7" name="TextBox 6">
             <a:extLst>
               <a:ext uri="{FF2B5EF4-FFF2-40B4-BE49-F238E27FC236}">
-                <a16:creationId xmlns:a16="http://schemas.microsoft.com/office/drawing/2014/main" id="{A7F99953-ACBC-C4C1-2E80-2223E4D820FA}"/>
+                <a16:creationId xmlns:a16="http://schemas.microsoft.com/office/drawing/2014/main" id="{0CC02FCD-4469-BE2B-EF19-4BC28A6ECBE8}"/>
               </a:ext>
             </a:extLst>
           </p:cNvPr>
-          <p:cNvSpPr>
-            <a:spLocks noGrp="1"/>
-          </p:cNvSpPr>
-          <p:nvPr>
-            <p:ph type="title"/>
-          </p:nvPr>
-        </p:nvSpPr>
-        <p:spPr/>
-        <p:txBody>
-          <a:bodyPr/>
-          <a:lstStyle/>
-          <a:p>
-            <a:r>
-              <a:rPr lang="en-GB" dirty="0"/>
-              <a:t>Action</a:t>
-            </a:r>
-          </a:p>
-        </p:txBody>
-      </p:sp>
-      <p:sp>
-        <p:nvSpPr>
-          <p:cNvPr id="3" name="Content Placeholder 2">
-            <a:extLst>
-              <a:ext uri="{FF2B5EF4-FFF2-40B4-BE49-F238E27FC236}">
-                <a16:creationId xmlns:a16="http://schemas.microsoft.com/office/drawing/2014/main" id="{DD0D4818-A64A-187A-4964-E9BA2DC4BB09}"/>
-              </a:ext>
-            </a:extLst>
-          </p:cNvPr>
-          <p:cNvSpPr>
-            <a:spLocks noGrp="1"/>
-          </p:cNvSpPr>
-          <p:nvPr>
-            <p:ph idx="1"/>
-          </p:nvPr>
-        </p:nvSpPr>
-        <p:spPr/>
-        <p:txBody>
-          <a:bodyPr/>
-          <a:lstStyle/>
-          <a:p>
-            <a:pPr>
-              <a:buFont typeface="Wingdings" panose="05000000000000000000" pitchFamily="2" charset="2"/>
-              <a:buChar char="§"/>
-            </a:pPr>
-            <a:r>
-              <a:rPr lang="en-GB" dirty="0"/>
-              <a:t>Increasing access to greenspace where possible may help improve neighbourhoods and communities</a:t>
-            </a:r>
-          </a:p>
-          <a:p>
-            <a:pPr>
-              <a:buFont typeface="Wingdings" panose="05000000000000000000" pitchFamily="2" charset="2"/>
-              <a:buChar char="§"/>
-            </a:pPr>
-            <a:r>
-              <a:rPr lang="en-GB" dirty="0"/>
-              <a:t>Further study could look at what the highest rated areas are doing well, particularly compared to the lowest rated areas</a:t>
-            </a:r>
-          </a:p>
-          <a:p>
-            <a:pPr>
-              <a:buFont typeface="Wingdings" panose="05000000000000000000" pitchFamily="2" charset="2"/>
-              <a:buChar char="§"/>
-            </a:pPr>
-            <a:r>
-              <a:rPr lang="en-GB" dirty="0"/>
-              <a:t>Further investigation should also look at how neighbourhoods and communities can be improved for:</a:t>
-            </a:r>
-          </a:p>
-          <a:p>
-            <a:pPr lvl="1">
-              <a:buFont typeface="Wingdings" panose="05000000000000000000" pitchFamily="2" charset="2"/>
-              <a:buChar char="§"/>
-            </a:pPr>
-            <a:r>
-              <a:rPr lang="en-GB" dirty="0"/>
-              <a:t>Areas of deprivation (SIMD)</a:t>
-            </a:r>
-          </a:p>
-          <a:p>
-            <a:pPr lvl="1">
-              <a:buFont typeface="Wingdings" panose="05000000000000000000" pitchFamily="2" charset="2"/>
-              <a:buChar char="§"/>
-            </a:pPr>
-            <a:r>
-              <a:rPr lang="en-GB" dirty="0"/>
-              <a:t>Urban areas</a:t>
-            </a:r>
-          </a:p>
-          <a:p>
-            <a:pPr lvl="1">
-              <a:buFont typeface="Wingdings" panose="05000000000000000000" pitchFamily="2" charset="2"/>
-              <a:buChar char="§"/>
-            </a:pPr>
-            <a:r>
-              <a:rPr lang="en-GB" dirty="0"/>
-              <a:t>Those renting (private or social)</a:t>
-            </a:r>
-          </a:p>
-          <a:p>
-            <a:pPr lvl="1">
-              <a:buFont typeface="Wingdings" panose="05000000000000000000" pitchFamily="2" charset="2"/>
-              <a:buChar char="§"/>
-            </a:pPr>
-            <a:r>
-              <a:rPr lang="en-GB" dirty="0"/>
-              <a:t>Families </a:t>
-            </a:r>
-          </a:p>
-          <a:p>
-            <a:pPr lvl="1">
-              <a:buFont typeface="Wingdings" panose="05000000000000000000" pitchFamily="2" charset="2"/>
-              <a:buChar char="§"/>
-            </a:pPr>
-            <a:r>
-              <a:rPr lang="en-GB" dirty="0"/>
-              <a:t>Non-white ethnicities </a:t>
-            </a:r>
-          </a:p>
-        </p:txBody>
-      </p:sp>
-      <p:sp>
-        <p:nvSpPr>
-          <p:cNvPr id="4" name="Slide Number Placeholder 3">
-            <a:extLst>
-              <a:ext uri="{FF2B5EF4-FFF2-40B4-BE49-F238E27FC236}">
-                <a16:creationId xmlns:a16="http://schemas.microsoft.com/office/drawing/2014/main" id="{3188C2FD-921E-1A76-83A6-6DB74140B7F8}"/>
-              </a:ext>
-            </a:extLst>
-          </p:cNvPr>
-          <p:cNvSpPr>
-            <a:spLocks noGrp="1"/>
-          </p:cNvSpPr>
-          <p:nvPr>
-            <p:ph type="sldNum" sz="quarter" idx="12"/>
-          </p:nvPr>
-        </p:nvSpPr>
-        <p:spPr/>
-        <p:txBody>
-          <a:bodyPr/>
-          <a:lstStyle/>
-          <a:p>
-            <a:fld id="{1D85C9CE-5A10-4592-9F88-5339DD41B12B}" type="slidenum">
-              <a:rPr lang="en-GB" sz="1600" smtClean="0"/>
-              <a:t>14</a:t>
-            </a:fld>
-            <a:endParaRPr lang="en-GB" sz="1600"/>
-          </a:p>
-        </p:txBody>
-      </p:sp>
-      <p:sp>
-        <p:nvSpPr>
-          <p:cNvPr id="5" name="Title 1">
-            <a:extLst>
-              <a:ext uri="{FF2B5EF4-FFF2-40B4-BE49-F238E27FC236}">
-                <a16:creationId xmlns:a16="http://schemas.microsoft.com/office/drawing/2014/main" id="{B4EE3B6A-54FA-009D-4A30-62AD28988C67}"/>
-              </a:ext>
-            </a:extLst>
-          </p:cNvPr>
-          <p:cNvSpPr txBox="1">
-            <a:spLocks/>
-          </p:cNvSpPr>
+          <p:cNvSpPr txBox="1"/>
           <p:nvPr/>
         </p:nvSpPr>
         <p:spPr>
           <a:xfrm>
-            <a:off x="1916382" y="6430297"/>
-            <a:ext cx="8359236" cy="427703"/>
+            <a:off x="603115" y="5651770"/>
+            <a:ext cx="10491605" cy="369332"/>
           </a:xfrm>
           <a:prstGeom prst="rect">
             <a:avLst/>
           </a:prstGeom>
+          <a:noFill/>
         </p:spPr>
         <p:txBody>
-          <a:bodyPr vert="horz" lIns="91440" tIns="45720" rIns="91440" bIns="45720" rtlCol="0" anchor="ctr">
-            <a:noAutofit/>
+          <a:bodyPr wrap="square" rtlCol="0">
+            <a:spAutoFit/>
           </a:bodyPr>
-          <a:lstStyle>
-            <a:lvl1pPr algn="l" defTabSz="914400" rtl="0" eaLnBrk="1" latinLnBrk="0" hangingPunct="1">
-              <a:lnSpc>
-                <a:spcPct val="85000"/>
-              </a:lnSpc>
-              <a:spcBef>
-                <a:spcPct val="0"/>
-              </a:spcBef>
-              <a:buNone/>
-              <a:defRPr sz="4800" kern="1200" spc="-50" baseline="0">
+          <a:lstStyle/>
+          <a:p>
+            <a:pPr algn="ctr"/>
+            <a:r>
+              <a:rPr lang="en-GB" b="1" dirty="0">
                 <a:solidFill>
                   <a:schemeClr val="tx1">
                     <a:lumMod val="75000"/>
                     <a:lumOff val="25000"/>
                   </a:schemeClr>
                 </a:solidFill>
-                <a:latin typeface="+mj-lt"/>
-                <a:ea typeface="+mj-ea"/>
-                <a:cs typeface="+mj-cs"/>
-              </a:defRPr>
-            </a:lvl1pPr>
-          </a:lstStyle>
-          <a:p>
-            <a:pPr algn="ctr"/>
-            <a:r>
-              <a:rPr lang="en-GB" sz="1800" dirty="0">
-                <a:solidFill>
-                  <a:schemeClr val="bg1"/>
-                </a:solidFill>
               </a:rPr>
-              <a:t>Conclusion</a:t>
+              <a:t>Summary: Should target urban areas, with low SIMD and high proportions of social renting</a:t>
             </a:r>
           </a:p>
         </p:txBody>
@@ -8763,7 +9600,7 @@
     </p:spTree>
     <p:extLst>
       <p:ext uri="{BB962C8B-B14F-4D97-AF65-F5344CB8AC3E}">
-        <p14:creationId xmlns:p14="http://schemas.microsoft.com/office/powerpoint/2010/main" val="1142641468"/>
+        <p14:creationId xmlns:p14="http://schemas.microsoft.com/office/powerpoint/2010/main" val="1033130111"/>
       </p:ext>
     </p:extLst>
   </p:cSld>
@@ -8795,7 +9632,7 @@
           <p:cNvPr id="2" name="Title 1">
             <a:extLst>
               <a:ext uri="{FF2B5EF4-FFF2-40B4-BE49-F238E27FC236}">
-                <a16:creationId xmlns:a16="http://schemas.microsoft.com/office/drawing/2014/main" id="{B15ABF18-765C-A8B0-5118-DD518D0ADD97}"/>
+                <a16:creationId xmlns:a16="http://schemas.microsoft.com/office/drawing/2014/main" id="{A7F99953-ACBC-C4C1-2E80-2223E4D820FA}"/>
               </a:ext>
             </a:extLst>
           </p:cNvPr>
@@ -8813,7 +9650,7 @@
           <a:p>
             <a:r>
               <a:rPr lang="en-GB" dirty="0"/>
-              <a:t>Further Ideas</a:t>
+              <a:t>Action</a:t>
             </a:r>
           </a:p>
         </p:txBody>
@@ -8823,7 +9660,7 @@
           <p:cNvPr id="3" name="Content Placeholder 2">
             <a:extLst>
               <a:ext uri="{FF2B5EF4-FFF2-40B4-BE49-F238E27FC236}">
-                <a16:creationId xmlns:a16="http://schemas.microsoft.com/office/drawing/2014/main" id="{05718D89-BDEF-7FBC-C3B6-648178F04DA5}"/>
+                <a16:creationId xmlns:a16="http://schemas.microsoft.com/office/drawing/2014/main" id="{DD0D4818-A64A-187A-4964-E9BA2DC4BB09}"/>
               </a:ext>
             </a:extLst>
           </p:cNvPr>
@@ -8836,93 +9673,87 @@
         </p:nvSpPr>
         <p:spPr/>
         <p:txBody>
-          <a:bodyPr>
-            <a:normAutofit fontScale="92500"/>
-          </a:bodyPr>
+          <a:bodyPr/>
           <a:lstStyle/>
           <a:p>
             <a:pPr>
-              <a:lnSpc>
-                <a:spcPct val="220000"/>
-              </a:lnSpc>
               <a:buFont typeface="Wingdings" panose="05000000000000000000" pitchFamily="2" charset="2"/>
               <a:buChar char="§"/>
             </a:pPr>
             <a:r>
               <a:rPr lang="en-GB" dirty="0"/>
-              <a:t>Modelling to identify key factors and the impact they have</a:t>
+              <a:t>Increasing access to greenspace where possible may help improve neighbourhoods and communities</a:t>
             </a:r>
           </a:p>
           <a:p>
             <a:pPr>
-              <a:lnSpc>
-                <a:spcPct val="220000"/>
-              </a:lnSpc>
               <a:buFont typeface="Wingdings" panose="05000000000000000000" pitchFamily="2" charset="2"/>
               <a:buChar char="§"/>
             </a:pPr>
             <a:r>
               <a:rPr lang="en-GB" dirty="0"/>
-              <a:t>Explore raw survey data to identify other things that impact the ratings</a:t>
+              <a:t>Further study could look at what the highest rated areas are doing well, particularly compared to the lowest rated areas</a:t>
             </a:r>
           </a:p>
           <a:p>
             <a:pPr>
-              <a:lnSpc>
-                <a:spcPct val="220000"/>
-              </a:lnSpc>
               <a:buFont typeface="Wingdings" panose="05000000000000000000" pitchFamily="2" charset="2"/>
               <a:buChar char="§"/>
             </a:pPr>
             <a:r>
               <a:rPr lang="en-GB" dirty="0"/>
-              <a:t>Explore the demographics of the highest and lowest rated areas</a:t>
-            </a:r>
-          </a:p>
-          <a:p>
-            <a:pPr>
-              <a:lnSpc>
-                <a:spcPct val="220000"/>
-              </a:lnSpc>
+              <a:t>Further investigation should also look at how neighbourhoods and communities can be improved for:</a:t>
+            </a:r>
+          </a:p>
+          <a:p>
+            <a:pPr lvl="1">
               <a:buFont typeface="Wingdings" panose="05000000000000000000" pitchFamily="2" charset="2"/>
               <a:buChar char="§"/>
             </a:pPr>
             <a:r>
               <a:rPr lang="en-GB" dirty="0"/>
-              <a:t>Understand the sample sizes to better understand the results</a:t>
-            </a:r>
-          </a:p>
-          <a:p>
-            <a:pPr>
-              <a:lnSpc>
-                <a:spcPct val="220000"/>
-              </a:lnSpc>
+              <a:t>Areas of deprivation (SIMD)</a:t>
+            </a:r>
+          </a:p>
+          <a:p>
+            <a:pPr lvl="1">
               <a:buFont typeface="Wingdings" panose="05000000000000000000" pitchFamily="2" charset="2"/>
               <a:buChar char="§"/>
             </a:pPr>
             <a:r>
               <a:rPr lang="en-GB" dirty="0"/>
-              <a:t>Explore the confidence limits and what they tell us about the data</a:t>
-            </a:r>
-          </a:p>
-          <a:p>
-            <a:pPr>
-              <a:lnSpc>
-                <a:spcPct val="220000"/>
-              </a:lnSpc>
+              <a:t>Urban areas</a:t>
+            </a:r>
+          </a:p>
+          <a:p>
+            <a:pPr lvl="1">
               <a:buFont typeface="Wingdings" panose="05000000000000000000" pitchFamily="2" charset="2"/>
               <a:buChar char="§"/>
             </a:pPr>
-            <a:endParaRPr lang="en-GB" dirty="0"/>
-          </a:p>
-          <a:p>
-            <a:pPr marL="0" indent="0">
-              <a:lnSpc>
-                <a:spcPct val="220000"/>
-              </a:lnSpc>
-              <a:buNone/>
+            <a:r>
+              <a:rPr lang="en-GB" dirty="0"/>
+              <a:t>Those renting (private or social)</a:t>
+            </a:r>
+          </a:p>
+          <a:p>
+            <a:pPr lvl="1">
+              <a:buFont typeface="Wingdings" panose="05000000000000000000" pitchFamily="2" charset="2"/>
+              <a:buChar char="§"/>
             </a:pPr>
-            <a:endParaRPr lang="en-GB" dirty="0"/>
+            <a:r>
+              <a:rPr lang="en-GB" dirty="0"/>
+              <a:t>Families </a:t>
+            </a:r>
+          </a:p>
+          <a:p>
+            <a:pPr lvl="1">
+              <a:buFont typeface="Wingdings" panose="05000000000000000000" pitchFamily="2" charset="2"/>
+              <a:buChar char="§"/>
+            </a:pPr>
+            <a:r>
+              <a:rPr lang="en-GB" dirty="0"/>
+              <a:t>Non-white ethnicities </a:t>
+            </a:r>
           </a:p>
         </p:txBody>
       </p:sp>
@@ -8931,7 +9762,7 @@
           <p:cNvPr id="4" name="Slide Number Placeholder 3">
             <a:extLst>
               <a:ext uri="{FF2B5EF4-FFF2-40B4-BE49-F238E27FC236}">
-                <a16:creationId xmlns:a16="http://schemas.microsoft.com/office/drawing/2014/main" id="{0ECCDBEF-FF91-61A1-A9B7-4D2234A3733A}"/>
+                <a16:creationId xmlns:a16="http://schemas.microsoft.com/office/drawing/2014/main" id="{3188C2FD-921E-1A76-83A6-6DB74140B7F8}"/>
               </a:ext>
             </a:extLst>
           </p:cNvPr>
@@ -8951,7 +9782,7 @@
               <a:rPr lang="en-GB" sz="1600" smtClean="0"/>
               <a:t>15</a:t>
             </a:fld>
-            <a:endParaRPr lang="en-GB" sz="1600" dirty="0"/>
+            <a:endParaRPr lang="en-GB" sz="1600"/>
           </a:p>
         </p:txBody>
       </p:sp>
@@ -8960,7 +9791,7 @@
           <p:cNvPr id="5" name="Title 1">
             <a:extLst>
               <a:ext uri="{FF2B5EF4-FFF2-40B4-BE49-F238E27FC236}">
-                <a16:creationId xmlns:a16="http://schemas.microsoft.com/office/drawing/2014/main" id="{9C6824AB-C8AC-D81D-D26A-2212CAA2B984}"/>
+                <a16:creationId xmlns:a16="http://schemas.microsoft.com/office/drawing/2014/main" id="{B4EE3B6A-54FA-009D-4A30-62AD28988C67}"/>
               </a:ext>
             </a:extLst>
           </p:cNvPr>
@@ -9020,7 +9851,7 @@
     </p:spTree>
     <p:extLst>
       <p:ext uri="{BB962C8B-B14F-4D97-AF65-F5344CB8AC3E}">
-        <p14:creationId xmlns:p14="http://schemas.microsoft.com/office/powerpoint/2010/main" val="2446263786"/>
+        <p14:creationId xmlns:p14="http://schemas.microsoft.com/office/powerpoint/2010/main" val="1142641468"/>
       </p:ext>
     </p:extLst>
   </p:cSld>
@@ -9052,6 +9883,263 @@
           <p:cNvPr id="2" name="Title 1">
             <a:extLst>
               <a:ext uri="{FF2B5EF4-FFF2-40B4-BE49-F238E27FC236}">
+                <a16:creationId xmlns:a16="http://schemas.microsoft.com/office/drawing/2014/main" id="{B15ABF18-765C-A8B0-5118-DD518D0ADD97}"/>
+              </a:ext>
+            </a:extLst>
+          </p:cNvPr>
+          <p:cNvSpPr>
+            <a:spLocks noGrp="1"/>
+          </p:cNvSpPr>
+          <p:nvPr>
+            <p:ph type="title"/>
+          </p:nvPr>
+        </p:nvSpPr>
+        <p:spPr/>
+        <p:txBody>
+          <a:bodyPr/>
+          <a:lstStyle/>
+          <a:p>
+            <a:r>
+              <a:rPr lang="en-GB" dirty="0"/>
+              <a:t>Further Ideas</a:t>
+            </a:r>
+          </a:p>
+        </p:txBody>
+      </p:sp>
+      <p:sp>
+        <p:nvSpPr>
+          <p:cNvPr id="3" name="Content Placeholder 2">
+            <a:extLst>
+              <a:ext uri="{FF2B5EF4-FFF2-40B4-BE49-F238E27FC236}">
+                <a16:creationId xmlns:a16="http://schemas.microsoft.com/office/drawing/2014/main" id="{05718D89-BDEF-7FBC-C3B6-648178F04DA5}"/>
+              </a:ext>
+            </a:extLst>
+          </p:cNvPr>
+          <p:cNvSpPr>
+            <a:spLocks noGrp="1"/>
+          </p:cNvSpPr>
+          <p:nvPr>
+            <p:ph idx="1"/>
+          </p:nvPr>
+        </p:nvSpPr>
+        <p:spPr/>
+        <p:txBody>
+          <a:bodyPr>
+            <a:normAutofit fontScale="92500"/>
+          </a:bodyPr>
+          <a:lstStyle/>
+          <a:p>
+            <a:pPr>
+              <a:lnSpc>
+                <a:spcPct val="220000"/>
+              </a:lnSpc>
+              <a:buFont typeface="Wingdings" panose="05000000000000000000" pitchFamily="2" charset="2"/>
+              <a:buChar char="§"/>
+            </a:pPr>
+            <a:r>
+              <a:rPr lang="en-GB" dirty="0"/>
+              <a:t>Modelling to identify key factors and the impact they have</a:t>
+            </a:r>
+          </a:p>
+          <a:p>
+            <a:pPr>
+              <a:lnSpc>
+                <a:spcPct val="220000"/>
+              </a:lnSpc>
+              <a:buFont typeface="Wingdings" panose="05000000000000000000" pitchFamily="2" charset="2"/>
+              <a:buChar char="§"/>
+            </a:pPr>
+            <a:r>
+              <a:rPr lang="en-GB" dirty="0"/>
+              <a:t>Explore raw survey data to identify other things that impact the ratings</a:t>
+            </a:r>
+          </a:p>
+          <a:p>
+            <a:pPr>
+              <a:lnSpc>
+                <a:spcPct val="220000"/>
+              </a:lnSpc>
+              <a:buFont typeface="Wingdings" panose="05000000000000000000" pitchFamily="2" charset="2"/>
+              <a:buChar char="§"/>
+            </a:pPr>
+            <a:r>
+              <a:rPr lang="en-GB" dirty="0"/>
+              <a:t>Explore the demographics of the highest and lowest rated areas</a:t>
+            </a:r>
+          </a:p>
+          <a:p>
+            <a:pPr>
+              <a:lnSpc>
+                <a:spcPct val="220000"/>
+              </a:lnSpc>
+              <a:buFont typeface="Wingdings" panose="05000000000000000000" pitchFamily="2" charset="2"/>
+              <a:buChar char="§"/>
+            </a:pPr>
+            <a:r>
+              <a:rPr lang="en-GB" dirty="0"/>
+              <a:t>Understand the sample sizes to better understand the results</a:t>
+            </a:r>
+          </a:p>
+          <a:p>
+            <a:pPr>
+              <a:lnSpc>
+                <a:spcPct val="220000"/>
+              </a:lnSpc>
+              <a:buFont typeface="Wingdings" panose="05000000000000000000" pitchFamily="2" charset="2"/>
+              <a:buChar char="§"/>
+            </a:pPr>
+            <a:r>
+              <a:rPr lang="en-GB" dirty="0"/>
+              <a:t>Explore the confidence limits and what they tell us about the data</a:t>
+            </a:r>
+          </a:p>
+          <a:p>
+            <a:pPr>
+              <a:lnSpc>
+                <a:spcPct val="220000"/>
+              </a:lnSpc>
+              <a:buFont typeface="Wingdings" panose="05000000000000000000" pitchFamily="2" charset="2"/>
+              <a:buChar char="§"/>
+            </a:pPr>
+            <a:endParaRPr lang="en-GB" dirty="0"/>
+          </a:p>
+          <a:p>
+            <a:pPr marL="0" indent="0">
+              <a:lnSpc>
+                <a:spcPct val="220000"/>
+              </a:lnSpc>
+              <a:buNone/>
+            </a:pPr>
+            <a:endParaRPr lang="en-GB" dirty="0"/>
+          </a:p>
+        </p:txBody>
+      </p:sp>
+      <p:sp>
+        <p:nvSpPr>
+          <p:cNvPr id="4" name="Slide Number Placeholder 3">
+            <a:extLst>
+              <a:ext uri="{FF2B5EF4-FFF2-40B4-BE49-F238E27FC236}">
+                <a16:creationId xmlns:a16="http://schemas.microsoft.com/office/drawing/2014/main" id="{0ECCDBEF-FF91-61A1-A9B7-4D2234A3733A}"/>
+              </a:ext>
+            </a:extLst>
+          </p:cNvPr>
+          <p:cNvSpPr>
+            <a:spLocks noGrp="1"/>
+          </p:cNvSpPr>
+          <p:nvPr>
+            <p:ph type="sldNum" sz="quarter" idx="12"/>
+          </p:nvPr>
+        </p:nvSpPr>
+        <p:spPr/>
+        <p:txBody>
+          <a:bodyPr/>
+          <a:lstStyle/>
+          <a:p>
+            <a:fld id="{1D85C9CE-5A10-4592-9F88-5339DD41B12B}" type="slidenum">
+              <a:rPr lang="en-GB" sz="1600" smtClean="0"/>
+              <a:t>16</a:t>
+            </a:fld>
+            <a:endParaRPr lang="en-GB" sz="1600" dirty="0"/>
+          </a:p>
+        </p:txBody>
+      </p:sp>
+      <p:sp>
+        <p:nvSpPr>
+          <p:cNvPr id="5" name="Title 1">
+            <a:extLst>
+              <a:ext uri="{FF2B5EF4-FFF2-40B4-BE49-F238E27FC236}">
+                <a16:creationId xmlns:a16="http://schemas.microsoft.com/office/drawing/2014/main" id="{9C6824AB-C8AC-D81D-D26A-2212CAA2B984}"/>
+              </a:ext>
+            </a:extLst>
+          </p:cNvPr>
+          <p:cNvSpPr txBox="1">
+            <a:spLocks/>
+          </p:cNvSpPr>
+          <p:nvPr/>
+        </p:nvSpPr>
+        <p:spPr>
+          <a:xfrm>
+            <a:off x="1916382" y="6430297"/>
+            <a:ext cx="8359236" cy="427703"/>
+          </a:xfrm>
+          <a:prstGeom prst="rect">
+            <a:avLst/>
+          </a:prstGeom>
+        </p:spPr>
+        <p:txBody>
+          <a:bodyPr vert="horz" lIns="91440" tIns="45720" rIns="91440" bIns="45720" rtlCol="0" anchor="ctr">
+            <a:noAutofit/>
+          </a:bodyPr>
+          <a:lstStyle>
+            <a:lvl1pPr algn="l" defTabSz="914400" rtl="0" eaLnBrk="1" latinLnBrk="0" hangingPunct="1">
+              <a:lnSpc>
+                <a:spcPct val="85000"/>
+              </a:lnSpc>
+              <a:spcBef>
+                <a:spcPct val="0"/>
+              </a:spcBef>
+              <a:buNone/>
+              <a:defRPr sz="4800" kern="1200" spc="-50" baseline="0">
+                <a:solidFill>
+                  <a:schemeClr val="tx1">
+                    <a:lumMod val="75000"/>
+                    <a:lumOff val="25000"/>
+                  </a:schemeClr>
+                </a:solidFill>
+                <a:latin typeface="+mj-lt"/>
+                <a:ea typeface="+mj-ea"/>
+                <a:cs typeface="+mj-cs"/>
+              </a:defRPr>
+            </a:lvl1pPr>
+          </a:lstStyle>
+          <a:p>
+            <a:pPr algn="ctr"/>
+            <a:r>
+              <a:rPr lang="en-GB" sz="1800" dirty="0">
+                <a:solidFill>
+                  <a:schemeClr val="bg1"/>
+                </a:solidFill>
+              </a:rPr>
+              <a:t>Conclusion</a:t>
+            </a:r>
+          </a:p>
+        </p:txBody>
+      </p:sp>
+    </p:spTree>
+    <p:extLst>
+      <p:ext uri="{BB962C8B-B14F-4D97-AF65-F5344CB8AC3E}">
+        <p14:creationId xmlns:p14="http://schemas.microsoft.com/office/powerpoint/2010/main" val="2446263786"/>
+      </p:ext>
+    </p:extLst>
+  </p:cSld>
+  <p:clrMapOvr>
+    <a:masterClrMapping/>
+  </p:clrMapOvr>
+</p:sld>
+</file>
+
+<file path=ppt/slides/slide17.xml><?xml version="1.0" encoding="utf-8"?>
+<p:sld xmlns:a="http://schemas.openxmlformats.org/drawingml/2006/main" xmlns:r="http://schemas.openxmlformats.org/officeDocument/2006/relationships" xmlns:p="http://schemas.openxmlformats.org/presentationml/2006/main">
+  <p:cSld>
+    <p:spTree>
+      <p:nvGrpSpPr>
+        <p:cNvPr id="1" name=""/>
+        <p:cNvGrpSpPr/>
+        <p:nvPr/>
+      </p:nvGrpSpPr>
+      <p:grpSpPr>
+        <a:xfrm>
+          <a:off x="0" y="0"/>
+          <a:ext cx="0" cy="0"/>
+          <a:chOff x="0" y="0"/>
+          <a:chExt cx="0" cy="0"/>
+        </a:xfrm>
+      </p:grpSpPr>
+      <p:sp>
+        <p:nvSpPr>
+          <p:cNvPr id="2" name="Title 1">
+            <a:extLst>
+              <a:ext uri="{FF2B5EF4-FFF2-40B4-BE49-F238E27FC236}">
                 <a16:creationId xmlns:a16="http://schemas.microsoft.com/office/drawing/2014/main" id="{5DCFC5F2-DE9B-34F0-B611-397D51896824}"/>
               </a:ext>
             </a:extLst>
@@ -9169,7 +10257,7 @@
           <a:p>
             <a:fld id="{1D85C9CE-5A10-4592-9F88-5339DD41B12B}" type="slidenum">
               <a:rPr lang="en-GB" sz="1600" smtClean="0"/>
-              <a:t>16</a:t>
+              <a:t>17</a:t>
             </a:fld>
             <a:endParaRPr lang="en-GB" sz="1600" dirty="0"/>
           </a:p>
@@ -9796,7 +10884,7 @@
           <a:p>
             <a:r>
               <a:rPr lang="en-GB" dirty="0"/>
-              <a:t>Key Questions</a:t>
+              <a:t>Key Questions and Motivation</a:t>
             </a:r>
           </a:p>
         </p:txBody>
@@ -9817,14 +10905,21 @@
             <p:ph idx="1"/>
           </p:nvPr>
         </p:nvSpPr>
-        <p:spPr/>
-        <p:txBody>
-          <a:bodyPr/>
+        <p:spPr>
+          <a:xfrm>
+            <a:off x="1097280" y="1737360"/>
+            <a:ext cx="10058400" cy="4023360"/>
+          </a:xfrm>
+        </p:spPr>
+        <p:txBody>
+          <a:bodyPr>
+            <a:normAutofit/>
+          </a:bodyPr>
           <a:lstStyle/>
           <a:p>
             <a:pPr marL="457200" indent="-457200">
               <a:lnSpc>
-                <a:spcPct val="300000"/>
+                <a:spcPct val="200000"/>
               </a:lnSpc>
               <a:buFont typeface="+mj-lt"/>
               <a:buAutoNum type="arabicPeriod"/>
@@ -9837,7 +10932,7 @@
           <a:p>
             <a:pPr marL="457200" indent="-457200">
               <a:lnSpc>
-                <a:spcPct val="300000"/>
+                <a:spcPct val="200000"/>
               </a:lnSpc>
               <a:buFont typeface="+mj-lt"/>
               <a:buAutoNum type="arabicPeriod"/>
@@ -9850,7 +10945,7 @@
           <a:p>
             <a:pPr marL="457200" indent="-457200">
               <a:lnSpc>
-                <a:spcPct val="300000"/>
+                <a:spcPct val="200000"/>
               </a:lnSpc>
               <a:buFont typeface="+mj-lt"/>
               <a:buAutoNum type="arabicPeriod"/>
@@ -9950,6 +11045,141 @@
               </a:rPr>
               <a:t>Introduction</a:t>
             </a:r>
+          </a:p>
+        </p:txBody>
+      </p:sp>
+      <p:sp>
+        <p:nvSpPr>
+          <p:cNvPr id="6" name="TextBox 5">
+            <a:extLst>
+              <a:ext uri="{FF2B5EF4-FFF2-40B4-BE49-F238E27FC236}">
+                <a16:creationId xmlns:a16="http://schemas.microsoft.com/office/drawing/2014/main" id="{54C64823-0309-01C6-9D1C-9D9CBC4538F9}"/>
+              </a:ext>
+            </a:extLst>
+          </p:cNvPr>
+          <p:cNvSpPr txBox="1"/>
+          <p:nvPr/>
+        </p:nvSpPr>
+        <p:spPr>
+          <a:xfrm>
+            <a:off x="739302" y="4296881"/>
+            <a:ext cx="11060349" cy="1938992"/>
+          </a:xfrm>
+          <a:prstGeom prst="rect">
+            <a:avLst/>
+          </a:prstGeom>
+          <a:noFill/>
+        </p:spPr>
+        <p:txBody>
+          <a:bodyPr wrap="square" rtlCol="0">
+            <a:spAutoFit/>
+          </a:bodyPr>
+          <a:lstStyle/>
+          <a:p>
+            <a:pPr marL="285750" indent="-285750">
+              <a:buFont typeface="Wingdings" panose="05000000000000000000" pitchFamily="2" charset="2"/>
+              <a:buChar char="§"/>
+            </a:pPr>
+            <a:r>
+              <a:rPr lang="en-GB" dirty="0">
+                <a:solidFill>
+                  <a:schemeClr val="tx1">
+                    <a:lumMod val="75000"/>
+                    <a:lumOff val="25000"/>
+                  </a:schemeClr>
+                </a:solidFill>
+              </a:rPr>
+              <a:t>Erasmus Happiness Economics Research Organisation (EHERO) have found that good neighbourhoods and community belonging have a positive impact on life satisfaction.</a:t>
+            </a:r>
+          </a:p>
+          <a:p>
+            <a:r>
+              <a:rPr lang="en-GB" sz="1200" i="1" dirty="0">
+                <a:solidFill>
+                  <a:schemeClr val="tx1">
+                    <a:lumMod val="75000"/>
+                    <a:lumOff val="25000"/>
+                  </a:schemeClr>
+                </a:solidFill>
+                <a:hlinkClick r:id="rId2"/>
+              </a:rPr>
+              <a:t>https://networkofwellbeing.org/2017/03/16/importance-neighbourhoods-wellbeing/</a:t>
+            </a:r>
+            <a:endParaRPr lang="en-GB" sz="1200" i="1" dirty="0">
+              <a:solidFill>
+                <a:schemeClr val="tx1">
+                  <a:lumMod val="75000"/>
+                  <a:lumOff val="25000"/>
+                </a:schemeClr>
+              </a:solidFill>
+            </a:endParaRPr>
+          </a:p>
+          <a:p>
+            <a:pPr marL="171450" indent="-171450">
+              <a:buFont typeface="Wingdings" panose="05000000000000000000" pitchFamily="2" charset="2"/>
+              <a:buChar char="§"/>
+            </a:pPr>
+            <a:endParaRPr lang="en-GB" sz="1200" i="1" dirty="0">
+              <a:solidFill>
+                <a:schemeClr val="tx1">
+                  <a:lumMod val="75000"/>
+                  <a:lumOff val="25000"/>
+                </a:schemeClr>
+              </a:solidFill>
+            </a:endParaRPr>
+          </a:p>
+          <a:p>
+            <a:pPr marL="285750" indent="-285750">
+              <a:buFont typeface="Wingdings" panose="05000000000000000000" pitchFamily="2" charset="2"/>
+              <a:buChar char="§"/>
+            </a:pPr>
+            <a:r>
+              <a:rPr lang="en-GB" dirty="0">
+                <a:solidFill>
+                  <a:schemeClr val="tx1">
+                    <a:lumMod val="75000"/>
+                    <a:lumOff val="25000"/>
+                  </a:schemeClr>
+                </a:solidFill>
+              </a:rPr>
+              <a:t>The Scottish Government are also committed to empower communities and improve quality of life in neighbourhoods.</a:t>
+            </a:r>
+          </a:p>
+          <a:p>
+            <a:r>
+              <a:rPr lang="en-GB" sz="1200" i="1" dirty="0">
+                <a:solidFill>
+                  <a:schemeClr val="tx1">
+                    <a:lumMod val="75000"/>
+                    <a:lumOff val="25000"/>
+                  </a:schemeClr>
+                </a:solidFill>
+                <a:hlinkClick r:id="rId3"/>
+              </a:rPr>
+              <a:t>https://www.gov.scot/policies/community-empowerment/</a:t>
+            </a:r>
+            <a:endParaRPr lang="en-GB" sz="1200" i="1" dirty="0">
+              <a:solidFill>
+                <a:schemeClr val="tx1">
+                  <a:lumMod val="75000"/>
+                  <a:lumOff val="25000"/>
+                </a:schemeClr>
+              </a:solidFill>
+            </a:endParaRPr>
+          </a:p>
+          <a:p>
+            <a:pPr marL="171450" indent="-171450">
+              <a:buFont typeface="Wingdings" panose="05000000000000000000" pitchFamily="2" charset="2"/>
+              <a:buChar char="§"/>
+            </a:pPr>
+            <a:endParaRPr lang="en-GB" sz="1200" i="1" dirty="0">
+              <a:solidFill>
+                <a:schemeClr val="tx1">
+                  <a:lumMod val="75000"/>
+                  <a:lumOff val="25000"/>
+                </a:schemeClr>
+              </a:solidFill>
+            </a:endParaRPr>
           </a:p>
         </p:txBody>
       </p:sp>

--- a/presentation/Scottish Household Survey Analysis.pptx
+++ b/presentation/Scottish Household Survey Analysis.pptx
@@ -9650,7 +9650,7 @@
           <a:p>
             <a:r>
               <a:rPr lang="en-GB" dirty="0"/>
-              <a:t>Action</a:t>
+              <a:t>Conclusion and Action</a:t>
             </a:r>
           </a:p>
         </p:txBody>
@@ -9702,7 +9702,7 @@
             </a:pPr>
             <a:r>
               <a:rPr lang="en-GB" dirty="0"/>
-              <a:t>Further investigation should also look at how neighbourhoods and communities can be improved for:</a:t>
+              <a:t>Further investigation should focus on how neighbourhoods and communities can be improved for:</a:t>
             </a:r>
           </a:p>
           <a:p>
@@ -10339,7 +10339,7 @@
 </file>
 
 <file path=ppt/slides/slide2.xml><?xml version="1.0" encoding="utf-8"?>
-<p:sld xmlns:a="http://schemas.openxmlformats.org/drawingml/2006/main" xmlns:r="http://schemas.openxmlformats.org/officeDocument/2006/relationships" xmlns:p="http://schemas.openxmlformats.org/presentationml/2006/main">
+<p:sld xmlns:a="http://schemas.openxmlformats.org/drawingml/2006/main" xmlns:r="http://schemas.openxmlformats.org/officeDocument/2006/relationships" xmlns:p="http://schemas.openxmlformats.org/presentationml/2006/main" show="0">
   <p:cSld>
     <p:spTree>
       <p:nvGrpSpPr>
@@ -10651,9 +10651,24 @@
         <p:spPr/>
         <p:txBody>
           <a:bodyPr>
-            <a:normAutofit lnSpcReduction="10000"/>
+            <a:normAutofit fontScale="92500" lnSpcReduction="20000"/>
           </a:bodyPr>
           <a:lstStyle/>
+          <a:p>
+            <a:pPr>
+              <a:buFont typeface="Wingdings" panose="05000000000000000000" pitchFamily="2" charset="2"/>
+              <a:buChar char="§"/>
+            </a:pPr>
+            <a:r>
+              <a:rPr lang="en-GB" b="1" dirty="0"/>
+              <a:t>Scottish Household Survey: </a:t>
+            </a:r>
+            <a:r>
+              <a:rPr lang="en-GB" dirty="0"/>
+              <a:t>Annual cross-sectional survey of random people in private residences across Scotland</a:t>
+            </a:r>
+            <a:endParaRPr lang="en-GB" b="1" dirty="0"/>
+          </a:p>
           <a:p>
             <a:pPr>
               <a:buFont typeface="Wingdings" panose="05000000000000000000" pitchFamily="2" charset="2"/>
@@ -11985,6 +12000,41 @@
                 </a:solidFill>
               </a:rPr>
               <a:t>Data Cleaning and Exploration</a:t>
+            </a:r>
+          </a:p>
+        </p:txBody>
+      </p:sp>
+      <p:sp>
+        <p:nvSpPr>
+          <p:cNvPr id="13" name="TextBox 12">
+            <a:extLst>
+              <a:ext uri="{FF2B5EF4-FFF2-40B4-BE49-F238E27FC236}">
+                <a16:creationId xmlns:a16="http://schemas.microsoft.com/office/drawing/2014/main" id="{5A28DC52-16EB-9DBA-A184-3E494D1B30DE}"/>
+              </a:ext>
+            </a:extLst>
+          </p:cNvPr>
+          <p:cNvSpPr txBox="1"/>
+          <p:nvPr/>
+        </p:nvSpPr>
+        <p:spPr>
+          <a:xfrm>
+            <a:off x="9987987" y="5893374"/>
+            <a:ext cx="2204013" cy="369332"/>
+          </a:xfrm>
+          <a:prstGeom prst="rect">
+            <a:avLst/>
+          </a:prstGeom>
+          <a:noFill/>
+        </p:spPr>
+        <p:txBody>
+          <a:bodyPr wrap="square" rtlCol="0">
+            <a:spAutoFit/>
+          </a:bodyPr>
+          <a:lstStyle/>
+          <a:p>
+            <a:r>
+              <a:rPr lang="en-GB" dirty="0"/>
+              <a:t>N = ~38,055 - 43,611</a:t>
             </a:r>
           </a:p>
         </p:txBody>
@@ -12230,7 +12280,7 @@
           <a:p>
             <a:r>
               <a:rPr lang="en-GB" dirty="0"/>
-              <a:t>Function to create visualisations</a:t>
+              <a:t>Create visualisations</a:t>
             </a:r>
           </a:p>
         </p:txBody>
